--- a/Bootcamp/Unit 3 Deeper into Supervised Learning/Supervised Learning Capstone/data-science-for-good/PASSNYC Capstone Predicting Attendance .pptx
+++ b/Bootcamp/Unit 3 Deeper into Supervised Learning/Supervised Learning Capstone/data-science-for-good/PASSNYC Capstone Predicting Attendance .pptx
@@ -16,27 +16,21 @@
     <p:sldId id="282" r:id="rId10"/>
     <p:sldId id="263" r:id="rId11"/>
     <p:sldId id="276" r:id="rId12"/>
-    <p:sldId id="283" r:id="rId13"/>
-    <p:sldId id="277" r:id="rId14"/>
-    <p:sldId id="265" r:id="rId15"/>
-    <p:sldId id="266" r:id="rId16"/>
-    <p:sldId id="267" r:id="rId17"/>
-    <p:sldId id="284" r:id="rId18"/>
-    <p:sldId id="278" r:id="rId19"/>
-    <p:sldId id="285" r:id="rId20"/>
-    <p:sldId id="279" r:id="rId21"/>
-    <p:sldId id="280" r:id="rId22"/>
-    <p:sldId id="286" r:id="rId23"/>
-    <p:sldId id="268" r:id="rId24"/>
-    <p:sldId id="287" r:id="rId25"/>
-    <p:sldId id="269" r:id="rId26"/>
-    <p:sldId id="288" r:id="rId27"/>
-    <p:sldId id="270" r:id="rId28"/>
-    <p:sldId id="289" r:id="rId29"/>
-    <p:sldId id="281" r:id="rId30"/>
-    <p:sldId id="271" r:id="rId31"/>
-    <p:sldId id="272" r:id="rId32"/>
-    <p:sldId id="273" r:id="rId33"/>
+    <p:sldId id="277" r:id="rId13"/>
+    <p:sldId id="265" r:id="rId14"/>
+    <p:sldId id="266" r:id="rId15"/>
+    <p:sldId id="267" r:id="rId16"/>
+    <p:sldId id="278" r:id="rId17"/>
+    <p:sldId id="285" r:id="rId18"/>
+    <p:sldId id="279" r:id="rId19"/>
+    <p:sldId id="280" r:id="rId20"/>
+    <p:sldId id="268" r:id="rId21"/>
+    <p:sldId id="269" r:id="rId22"/>
+    <p:sldId id="270" r:id="rId23"/>
+    <p:sldId id="281" r:id="rId24"/>
+    <p:sldId id="271" r:id="rId25"/>
+    <p:sldId id="272" r:id="rId26"/>
+    <p:sldId id="273" r:id="rId27"/>
   </p:sldIdLst>
   <p:sldSz cx="12192000" cy="6858000"/>
   <p:notesSz cx="6858000" cy="9144000"/>
@@ -373,7 +367,7 @@
             <a:fld id="{B61BEF0D-F0BB-DE4B-95CE-6DB70DBA9567}" type="datetimeFigureOut">
               <a:rPr lang="en-US" dirty="0"/>
               <a:pPr/>
-              <a:t>10/23/18</a:t>
+              <a:t>10/24/18</a:t>
             </a:fld>
             <a:endParaRPr lang="en-US" dirty="0"/>
           </a:p>
@@ -704,7 +698,7 @@
             <a:fld id="{B61BEF0D-F0BB-DE4B-95CE-6DB70DBA9567}" type="datetimeFigureOut">
               <a:rPr lang="en-US" dirty="0"/>
               <a:pPr/>
-              <a:t>10/23/18</a:t>
+              <a:t>10/24/18</a:t>
             </a:fld>
             <a:endParaRPr lang="en-US" dirty="0"/>
           </a:p>
@@ -979,7 +973,7 @@
             <a:fld id="{B61BEF0D-F0BB-DE4B-95CE-6DB70DBA9567}" type="datetimeFigureOut">
               <a:rPr lang="en-US" dirty="0"/>
               <a:pPr/>
-              <a:t>10/23/18</a:t>
+              <a:t>10/24/18</a:t>
             </a:fld>
             <a:endParaRPr lang="en-US" dirty="0"/>
           </a:p>
@@ -1544,7 +1538,7 @@
             <a:fld id="{B61BEF0D-F0BB-DE4B-95CE-6DB70DBA9567}" type="datetimeFigureOut">
               <a:rPr lang="en-US" dirty="0"/>
               <a:pPr/>
-              <a:t>10/23/18</a:t>
+              <a:t>10/24/18</a:t>
             </a:fld>
             <a:endParaRPr lang="en-US" dirty="0"/>
           </a:p>
@@ -1819,7 +1813,7 @@
             <a:fld id="{B61BEF0D-F0BB-DE4B-95CE-6DB70DBA9567}" type="datetimeFigureOut">
               <a:rPr lang="en-US" dirty="0"/>
               <a:pPr/>
-              <a:t>10/23/18</a:t>
+              <a:t>10/24/18</a:t>
             </a:fld>
             <a:endParaRPr lang="en-US" dirty="0"/>
           </a:p>
@@ -2378,7 +2372,7 @@
             <a:fld id="{B61BEF0D-F0BB-DE4B-95CE-6DB70DBA9567}" type="datetimeFigureOut">
               <a:rPr lang="en-US" dirty="0"/>
               <a:pPr/>
-              <a:t>10/23/18</a:t>
+              <a:t>10/24/18</a:t>
             </a:fld>
             <a:endParaRPr lang="en-US" dirty="0"/>
           </a:p>
@@ -2702,7 +2696,7 @@
             <a:fld id="{B61BEF0D-F0BB-DE4B-95CE-6DB70DBA9567}" type="datetimeFigureOut">
               <a:rPr lang="en-US" dirty="0"/>
               <a:pPr/>
-              <a:t>10/23/18</a:t>
+              <a:t>10/24/18</a:t>
             </a:fld>
             <a:endParaRPr lang="en-US" dirty="0"/>
           </a:p>
@@ -2876,7 +2870,7 @@
             <a:fld id="{B61BEF0D-F0BB-DE4B-95CE-6DB70DBA9567}" type="datetimeFigureOut">
               <a:rPr lang="en-US" dirty="0"/>
               <a:pPr/>
-              <a:t>10/23/18</a:t>
+              <a:t>10/24/18</a:t>
             </a:fld>
             <a:endParaRPr lang="en-US" dirty="0"/>
           </a:p>
@@ -3111,7 +3105,7 @@
             <a:fld id="{B61BEF0D-F0BB-DE4B-95CE-6DB70DBA9567}" type="datetimeFigureOut">
               <a:rPr lang="en-US" dirty="0"/>
               <a:pPr/>
-              <a:t>10/23/18</a:t>
+              <a:t>10/24/18</a:t>
             </a:fld>
             <a:endParaRPr lang="en-US" dirty="0"/>
           </a:p>
@@ -3308,7 +3302,7 @@
             <a:fld id="{B61BEF0D-F0BB-DE4B-95CE-6DB70DBA9567}" type="datetimeFigureOut">
               <a:rPr lang="en-US" dirty="0"/>
               <a:pPr/>
-              <a:t>10/23/18</a:t>
+              <a:t>10/24/18</a:t>
             </a:fld>
             <a:endParaRPr lang="en-US" dirty="0"/>
           </a:p>
@@ -3581,7 +3575,7 @@
             <a:fld id="{B61BEF0D-F0BB-DE4B-95CE-6DB70DBA9567}" type="datetimeFigureOut">
               <a:rPr lang="en-US" dirty="0"/>
               <a:pPr/>
-              <a:t>10/23/18</a:t>
+              <a:t>10/24/18</a:t>
             </a:fld>
             <a:endParaRPr lang="en-US" dirty="0"/>
           </a:p>
@@ -3844,7 +3838,7 @@
             <a:fld id="{B61BEF0D-F0BB-DE4B-95CE-6DB70DBA9567}" type="datetimeFigureOut">
               <a:rPr lang="en-US" dirty="0"/>
               <a:pPr/>
-              <a:t>10/23/18</a:t>
+              <a:t>10/24/18</a:t>
             </a:fld>
             <a:endParaRPr lang="en-US" dirty="0"/>
           </a:p>
@@ -4215,7 +4209,7 @@
             <a:fld id="{B61BEF0D-F0BB-DE4B-95CE-6DB70DBA9567}" type="datetimeFigureOut">
               <a:rPr lang="en-US" dirty="0"/>
               <a:pPr/>
-              <a:t>10/23/18</a:t>
+              <a:t>10/24/18</a:t>
             </a:fld>
             <a:endParaRPr lang="en-US" dirty="0"/>
           </a:p>
@@ -4360,7 +4354,7 @@
             <a:fld id="{B61BEF0D-F0BB-DE4B-95CE-6DB70DBA9567}" type="datetimeFigureOut">
               <a:rPr lang="en-US" dirty="0"/>
               <a:pPr/>
-              <a:t>10/23/18</a:t>
+              <a:t>10/24/18</a:t>
             </a:fld>
             <a:endParaRPr lang="en-US" dirty="0"/>
           </a:p>
@@ -4482,7 +4476,7 @@
             <a:fld id="{B61BEF0D-F0BB-DE4B-95CE-6DB70DBA9567}" type="datetimeFigureOut">
               <a:rPr lang="en-US" dirty="0"/>
               <a:pPr/>
-              <a:t>10/23/18</a:t>
+              <a:t>10/24/18</a:t>
             </a:fld>
             <a:endParaRPr lang="en-US" dirty="0"/>
           </a:p>
@@ -4764,7 +4758,7 @@
             <a:fld id="{B61BEF0D-F0BB-DE4B-95CE-6DB70DBA9567}" type="datetimeFigureOut">
               <a:rPr lang="en-US" dirty="0"/>
               <a:pPr/>
-              <a:t>10/23/18</a:t>
+              <a:t>10/24/18</a:t>
             </a:fld>
             <a:endParaRPr lang="en-US" dirty="0"/>
           </a:p>
@@ -5085,7 +5079,7 @@
             <a:fld id="{B61BEF0D-F0BB-DE4B-95CE-6DB70DBA9567}" type="datetimeFigureOut">
               <a:rPr lang="en-US" dirty="0"/>
               <a:pPr/>
-              <a:t>10/23/18</a:t>
+              <a:t>10/24/18</a:t>
             </a:fld>
             <a:endParaRPr lang="en-US" dirty="0"/>
           </a:p>
@@ -5296,7 +5290,7 @@
             <a:fld id="{B61BEF0D-F0BB-DE4B-95CE-6DB70DBA9567}" type="datetimeFigureOut">
               <a:rPr lang="en-US" dirty="0"/>
               <a:pPr/>
-              <a:t>10/23/18</a:t>
+              <a:t>10/24/18</a:t>
             </a:fld>
             <a:endParaRPr lang="en-US" dirty="0"/>
           </a:p>
@@ -5915,44 +5909,55 @@
             <p:ph type="title"/>
           </p:nvPr>
         </p:nvSpPr>
-        <p:spPr/>
-        <p:txBody>
-          <a:bodyPr/>
+        <p:spPr>
+          <a:xfrm>
+            <a:off x="685801" y="609601"/>
+            <a:ext cx="10131425" cy="609599"/>
+          </a:xfrm>
+        </p:spPr>
+        <p:txBody>
+          <a:bodyPr>
+            <a:normAutofit fontScale="90000"/>
+          </a:bodyPr>
           <a:lstStyle/>
           <a:p>
             <a:pPr algn="ctr"/>
             <a:r>
               <a:rPr lang="en-US" i="1" cap="none" dirty="0"/>
-              <a:t>Exploratory Data Analysis</a:t>
-            </a:r>
-          </a:p>
-        </p:txBody>
-      </p:sp>
-      <p:sp>
-        <p:nvSpPr>
-          <p:cNvPr id="3" name="Content Placeholder 2">
+              <a:t>Target Variable: Student Attendance Rate</a:t>
+            </a:r>
+          </a:p>
+        </p:txBody>
+      </p:sp>
+      <p:pic>
+        <p:nvPicPr>
+          <p:cNvPr id="5" name="Content Placeholder 4">
             <a:extLst>
               <a:ext uri="{FF2B5EF4-FFF2-40B4-BE49-F238E27FC236}">
-                <a16:creationId xmlns:a16="http://schemas.microsoft.com/office/drawing/2014/main" id="{71F11843-81EF-124E-8230-980EE7331ADF}"/>
+                <a16:creationId xmlns:a16="http://schemas.microsoft.com/office/drawing/2014/main" id="{643389D6-2FFF-CD48-B987-9F176477EEB9}"/>
               </a:ext>
             </a:extLst>
           </p:cNvPr>
-          <p:cNvSpPr>
-            <a:spLocks noGrp="1"/>
-          </p:cNvSpPr>
+          <p:cNvPicPr>
+            <a:picLocks noGrp="1" noChangeAspect="1"/>
+          </p:cNvPicPr>
           <p:nvPr>
             <p:ph idx="1"/>
           </p:nvPr>
-        </p:nvSpPr>
-        <p:spPr/>
-        <p:txBody>
-          <a:bodyPr/>
-          <a:lstStyle/>
-          <a:p>
-            <a:endParaRPr lang="en-US"/>
-          </a:p>
-        </p:txBody>
-      </p:sp>
+        </p:nvPicPr>
+        <p:blipFill>
+          <a:blip r:embed="rId2"/>
+          <a:stretch>
+            <a:fillRect/>
+          </a:stretch>
+        </p:blipFill>
+        <p:spPr>
+          <a:xfrm>
+            <a:off x="1943100" y="1219200"/>
+            <a:ext cx="7616826" cy="5490415"/>
+          </a:xfrm>
+        </p:spPr>
+      </p:pic>
     </p:spTree>
     <p:extLst>
       <p:ext uri="{BB962C8B-B14F-4D97-AF65-F5344CB8AC3E}">
@@ -6116,7 +6121,7 @@
           <p:cNvPr id="2" name="Title 1">
             <a:extLst>
               <a:ext uri="{FF2B5EF4-FFF2-40B4-BE49-F238E27FC236}">
-                <a16:creationId xmlns:a16="http://schemas.microsoft.com/office/drawing/2014/main" id="{64850A01-2F2D-1A43-B995-B6AAF28DBAEE}"/>
+                <a16:creationId xmlns:a16="http://schemas.microsoft.com/office/drawing/2014/main" id="{43FAC769-CC13-644D-BA3D-30F44A505E6E}"/>
               </a:ext>
             </a:extLst>
           </p:cNvPr>
@@ -6132,7 +6137,11 @@
           <a:bodyPr/>
           <a:lstStyle/>
           <a:p>
-            <a:endParaRPr lang="en-US"/>
+            <a:pPr algn="ctr"/>
+            <a:r>
+              <a:rPr lang="en-US" i="1" cap="none" dirty="0"/>
+              <a:t>Regression Parameters</a:t>
+            </a:r>
           </a:p>
         </p:txBody>
       </p:sp>
@@ -6141,7 +6150,7 @@
           <p:cNvPr id="3" name="Content Placeholder 2">
             <a:extLst>
               <a:ext uri="{FF2B5EF4-FFF2-40B4-BE49-F238E27FC236}">
-                <a16:creationId xmlns:a16="http://schemas.microsoft.com/office/drawing/2014/main" id="{690742A7-68AA-4E40-B68F-E43244DAEAAE}"/>
+                <a16:creationId xmlns:a16="http://schemas.microsoft.com/office/drawing/2014/main" id="{C9880F35-19B9-6048-B2E4-F9D056B58174}"/>
               </a:ext>
             </a:extLst>
           </p:cNvPr>
@@ -6157,14 +6166,23 @@
           <a:bodyPr/>
           <a:lstStyle/>
           <a:p>
-            <a:endParaRPr lang="en-US"/>
+            <a:r>
+              <a:rPr lang="en-US" dirty="0"/>
+              <a:t>Model trained on 80% of our data, then tested it on a sample of 20% of the data. </a:t>
+            </a:r>
+          </a:p>
+          <a:p>
+            <a:r>
+              <a:rPr lang="en-US" dirty="0"/>
+              <a:t>Evaluate consistency of our scores by applying cross validation methods that split the sample into 5 holdout groups. We'll repeat this process for all our predictive models that we'll employ, so that we can observe both the predictive power and consistency of the models.</a:t>
+            </a:r>
           </a:p>
         </p:txBody>
       </p:sp>
     </p:spTree>
     <p:extLst>
       <p:ext uri="{BB962C8B-B14F-4D97-AF65-F5344CB8AC3E}">
-        <p14:creationId xmlns:p14="http://schemas.microsoft.com/office/powerpoint/2010/main" val="2550401752"/>
+        <p14:creationId xmlns:p14="http://schemas.microsoft.com/office/powerpoint/2010/main" val="1734487418"/>
       </p:ext>
     </p:extLst>
   </p:cSld>
@@ -6196,7 +6214,7 @@
           <p:cNvPr id="2" name="Title 1">
             <a:extLst>
               <a:ext uri="{FF2B5EF4-FFF2-40B4-BE49-F238E27FC236}">
-                <a16:creationId xmlns:a16="http://schemas.microsoft.com/office/drawing/2014/main" id="{43FAC769-CC13-644D-BA3D-30F44A505E6E}"/>
+                <a16:creationId xmlns:a16="http://schemas.microsoft.com/office/drawing/2014/main" id="{045A2952-DED1-8B47-8992-ADE6E5EEC078}"/>
               </a:ext>
             </a:extLst>
           </p:cNvPr>
@@ -6215,7 +6233,7 @@
             <a:pPr algn="ctr"/>
             <a:r>
               <a:rPr lang="en-US" i="1" cap="none" dirty="0"/>
-              <a:t>Regression Parameters</a:t>
+              <a:t>Ordinary Least Squares Regression Model</a:t>
             </a:r>
           </a:p>
         </p:txBody>
@@ -6225,7 +6243,7 @@
           <p:cNvPr id="3" name="Content Placeholder 2">
             <a:extLst>
               <a:ext uri="{FF2B5EF4-FFF2-40B4-BE49-F238E27FC236}">
-                <a16:creationId xmlns:a16="http://schemas.microsoft.com/office/drawing/2014/main" id="{C9880F35-19B9-6048-B2E4-F9D056B58174}"/>
+                <a16:creationId xmlns:a16="http://schemas.microsoft.com/office/drawing/2014/main" id="{9D3734C0-BA8A-354D-8EBB-72FEB624A916}"/>
               </a:ext>
             </a:extLst>
           </p:cNvPr>
@@ -6243,21 +6261,38 @@
           <a:p>
             <a:r>
               <a:rPr lang="en-US" dirty="0"/>
-              <a:t>Model trained on 80% of our data, then tested it on a sample of 20% of the data. </a:t>
-            </a:r>
-          </a:p>
-          <a:p>
-            <a:r>
-              <a:rPr lang="en-US" dirty="0"/>
-              <a:t>Evaluate consistency of our scores by applying cross validation methods that split the sample into 5 holdout groups. We'll repeat this process for all our predictive models that we'll employ, so that we can observe both the predictive power and consistency of the models.</a:t>
-            </a:r>
+              <a:t>OLS </a:t>
+            </a:r>
+            <a:r>
+              <a:rPr lang="en-US" b="1" dirty="0"/>
+              <a:t>baseline prediction </a:t>
+            </a:r>
+            <a:r>
+              <a:rPr lang="en-US" dirty="0"/>
+              <a:t>scores very highly on this data set at 89.17% on our test set which satisfies our success metric of at least 85%. But its cross validation scores range between 87% and 95%, which is an 8% difference.</a:t>
+            </a:r>
+          </a:p>
+          <a:p>
+            <a:r>
+              <a:rPr lang="en-US" dirty="0"/>
+              <a:t>Reducing features in our model based on importance, we've improved the accuracy of the model on our test set to 90.49% .</a:t>
+            </a:r>
+          </a:p>
+          <a:p>
+            <a:r>
+              <a:rPr lang="en-US" dirty="0"/>
+              <a:t>Minimum accuracy score on our holdout-groups in the cross validation is 91% and maximum is 96% with a total difference range of 4% between hold-out groups.</a:t>
+            </a:r>
+          </a:p>
+          <a:p>
+            <a:endParaRPr lang="en-US" dirty="0"/>
           </a:p>
         </p:txBody>
       </p:sp>
     </p:spTree>
     <p:extLst>
       <p:ext uri="{BB962C8B-B14F-4D97-AF65-F5344CB8AC3E}">
-        <p14:creationId xmlns:p14="http://schemas.microsoft.com/office/powerpoint/2010/main" val="1734487418"/>
+        <p14:creationId xmlns:p14="http://schemas.microsoft.com/office/powerpoint/2010/main" val="1681056532"/>
       </p:ext>
     </p:extLst>
   </p:cSld>
@@ -6289,7 +6324,7 @@
           <p:cNvPr id="2" name="Title 1">
             <a:extLst>
               <a:ext uri="{FF2B5EF4-FFF2-40B4-BE49-F238E27FC236}">
-                <a16:creationId xmlns:a16="http://schemas.microsoft.com/office/drawing/2014/main" id="{045A2952-DED1-8B47-8992-ADE6E5EEC078}"/>
+                <a16:creationId xmlns:a16="http://schemas.microsoft.com/office/drawing/2014/main" id="{1143D9B6-C0F6-054F-BB95-093ACBDF995B}"/>
               </a:ext>
             </a:extLst>
           </p:cNvPr>
@@ -6308,7 +6343,7 @@
             <a:pPr algn="ctr"/>
             <a:r>
               <a:rPr lang="en-US" i="1" cap="none" dirty="0"/>
-              <a:t>Ordinary Least Squares Regression Model</a:t>
+              <a:t>Gradient Boosted Regression Model</a:t>
             </a:r>
           </a:p>
         </p:txBody>
@@ -6318,7 +6353,7 @@
           <p:cNvPr id="3" name="Content Placeholder 2">
             <a:extLst>
               <a:ext uri="{FF2B5EF4-FFF2-40B4-BE49-F238E27FC236}">
-                <a16:creationId xmlns:a16="http://schemas.microsoft.com/office/drawing/2014/main" id="{9D3734C0-BA8A-354D-8EBB-72FEB624A916}"/>
+                <a16:creationId xmlns:a16="http://schemas.microsoft.com/office/drawing/2014/main" id="{F3864AB3-39E2-A64B-989F-B54A59455177}"/>
               </a:ext>
             </a:extLst>
           </p:cNvPr>
@@ -6335,31 +6370,32 @@
           <a:lstStyle/>
           <a:p>
             <a:r>
-              <a:rPr lang="en-US" dirty="0"/>
-              <a:t>OLS baseline prediction scores very highly on this data set at 89.17% on our test set which satisfies our success metric of at least 85%. But its cross validation scores range between 87% and 95%, which is an 8% difference.</a:t>
-            </a:r>
-          </a:p>
-          <a:p>
-            <a:r>
-              <a:rPr lang="en-US" dirty="0"/>
-              <a:t>Reducing features in our model based on importance, we've improved the accuracy of the model on our test set to 90.49% .</a:t>
-            </a:r>
-          </a:p>
-          <a:p>
-            <a:r>
-              <a:rPr lang="en-US" dirty="0"/>
-              <a:t>Minimum accuracy score on our holdout-groups in the cross validation is 91% and maximum is 96% with a total difference range of 4% between hold-out groups.</a:t>
-            </a:r>
-          </a:p>
-          <a:p>
-            <a:endParaRPr lang="en-US" dirty="0"/>
+              <a:rPr lang="en-US" b="1" dirty="0"/>
+              <a:t>Baseline predictive </a:t>
+            </a:r>
+            <a:r>
+              <a:rPr lang="en-US" dirty="0"/>
+              <a:t>power on the test set is high at 88.17% and the cross validation scores range between 87% and 95%. </a:t>
+            </a:r>
+          </a:p>
+          <a:p>
+            <a:r>
+              <a:rPr lang="en-US" dirty="0"/>
+              <a:t>After feature selection, the accuracy score on the test set is 89.64% (compared to 90.48% in OLS)</a:t>
+            </a:r>
+          </a:p>
+          <a:p>
+            <a:r>
+              <a:rPr lang="en-US" dirty="0"/>
+              <a:t>Cross validation scores are far more consistent as it ranges between 91.29% and 92.22%. </a:t>
+            </a:r>
           </a:p>
         </p:txBody>
       </p:sp>
     </p:spTree>
     <p:extLst>
       <p:ext uri="{BB962C8B-B14F-4D97-AF65-F5344CB8AC3E}">
-        <p14:creationId xmlns:p14="http://schemas.microsoft.com/office/powerpoint/2010/main" val="1681056532"/>
+        <p14:creationId xmlns:p14="http://schemas.microsoft.com/office/powerpoint/2010/main" val="4212318312"/>
       </p:ext>
     </p:extLst>
   </p:cSld>
@@ -6391,7 +6427,7 @@
           <p:cNvPr id="2" name="Title 1">
             <a:extLst>
               <a:ext uri="{FF2B5EF4-FFF2-40B4-BE49-F238E27FC236}">
-                <a16:creationId xmlns:a16="http://schemas.microsoft.com/office/drawing/2014/main" id="{1143D9B6-C0F6-054F-BB95-093ACBDF995B}"/>
+                <a16:creationId xmlns:a16="http://schemas.microsoft.com/office/drawing/2014/main" id="{55D94B81-FA25-C64F-865F-F706E17BC220}"/>
               </a:ext>
             </a:extLst>
           </p:cNvPr>
@@ -6410,7 +6446,7 @@
             <a:pPr algn="ctr"/>
             <a:r>
               <a:rPr lang="en-US" i="1" cap="none" dirty="0"/>
-              <a:t>Gradient Boosted Regression Model</a:t>
+              <a:t>Conclusions on Regression Models</a:t>
             </a:r>
           </a:p>
         </p:txBody>
@@ -6420,7 +6456,7 @@
           <p:cNvPr id="3" name="Content Placeholder 2">
             <a:extLst>
               <a:ext uri="{FF2B5EF4-FFF2-40B4-BE49-F238E27FC236}">
-                <a16:creationId xmlns:a16="http://schemas.microsoft.com/office/drawing/2014/main" id="{F3864AB3-39E2-A64B-989F-B54A59455177}"/>
+                <a16:creationId xmlns:a16="http://schemas.microsoft.com/office/drawing/2014/main" id="{2DDB4B6E-C458-8245-BEDB-01275F5C9460}"/>
               </a:ext>
             </a:extLst>
           </p:cNvPr>
@@ -6431,34 +6467,60 @@
             <p:ph idx="1"/>
           </p:nvPr>
         </p:nvSpPr>
-        <p:spPr/>
-        <p:txBody>
-          <a:bodyPr/>
-          <a:lstStyle/>
-          <a:p>
-            <a:r>
-              <a:rPr lang="en-US" dirty="0"/>
-              <a:t>Baseline predictive power on the test set is high at 88.17% and the cross validation scores range between 87% and 95%. </a:t>
-            </a:r>
-          </a:p>
-          <a:p>
-            <a:r>
-              <a:rPr lang="en-US" dirty="0"/>
-              <a:t>After feature selection, the accuracy score on the test set is 89.64% (compared to 90.48% in OLS)</a:t>
-            </a:r>
-          </a:p>
-          <a:p>
-            <a:r>
-              <a:rPr lang="en-US" dirty="0"/>
-              <a:t>Cross validation scores are far more consistent as it ranges between 91.29% and 92.22%. </a:t>
-            </a:r>
-          </a:p>
-        </p:txBody>
-      </p:sp>
+        <p:spPr>
+          <a:xfrm>
+            <a:off x="685801" y="2142067"/>
+            <a:ext cx="10131425" cy="1566333"/>
+          </a:xfrm>
+        </p:spPr>
+        <p:txBody>
+          <a:bodyPr/>
+          <a:lstStyle/>
+          <a:p>
+            <a:r>
+              <a:rPr lang="en-US" dirty="0"/>
+              <a:t>Gradient Boosted Ensemble model is the more reliable model for use on future data sets. This model has a combination of both high predictive power and consistent cross-validation scores that meet our success metrics of at least 85% predictive accuracy and 3% variance in cross validation. </a:t>
+            </a:r>
+          </a:p>
+          <a:p>
+            <a:endParaRPr lang="en-US" dirty="0"/>
+          </a:p>
+        </p:txBody>
+      </p:sp>
+      <p:pic>
+        <p:nvPicPr>
+          <p:cNvPr id="5" name="Picture 4">
+            <a:extLst>
+              <a:ext uri="{FF2B5EF4-FFF2-40B4-BE49-F238E27FC236}">
+                <a16:creationId xmlns:a16="http://schemas.microsoft.com/office/drawing/2014/main" id="{26BF7C51-2C74-D949-A2E3-4F05D85BC190}"/>
+              </a:ext>
+            </a:extLst>
+          </p:cNvPr>
+          <p:cNvPicPr>
+            <a:picLocks noChangeAspect="1"/>
+          </p:cNvPicPr>
+          <p:nvPr/>
+        </p:nvPicPr>
+        <p:blipFill>
+          <a:blip r:embed="rId2"/>
+          <a:stretch>
+            <a:fillRect/>
+          </a:stretch>
+        </p:blipFill>
+        <p:spPr>
+          <a:xfrm>
+            <a:off x="2618317" y="3335866"/>
+            <a:ext cx="6515100" cy="3098800"/>
+          </a:xfrm>
+          <a:prstGeom prst="rect">
+            <a:avLst/>
+          </a:prstGeom>
+        </p:spPr>
+      </p:pic>
     </p:spTree>
     <p:extLst>
       <p:ext uri="{BB962C8B-B14F-4D97-AF65-F5344CB8AC3E}">
-        <p14:creationId xmlns:p14="http://schemas.microsoft.com/office/powerpoint/2010/main" val="4212318312"/>
+        <p14:creationId xmlns:p14="http://schemas.microsoft.com/office/powerpoint/2010/main" val="169899446"/>
       </p:ext>
     </p:extLst>
   </p:cSld>
@@ -6490,7 +6552,7 @@
           <p:cNvPr id="2" name="Title 1">
             <a:extLst>
               <a:ext uri="{FF2B5EF4-FFF2-40B4-BE49-F238E27FC236}">
-                <a16:creationId xmlns:a16="http://schemas.microsoft.com/office/drawing/2014/main" id="{55D94B81-FA25-C64F-865F-F706E17BC220}"/>
+                <a16:creationId xmlns:a16="http://schemas.microsoft.com/office/drawing/2014/main" id="{E89121DB-CFEE-6449-9472-2A936AB09033}"/>
               </a:ext>
             </a:extLst>
           </p:cNvPr>
@@ -6509,7 +6571,7 @@
             <a:pPr algn="ctr"/>
             <a:r>
               <a:rPr lang="en-US" i="1" cap="none" dirty="0"/>
-              <a:t>Conclusions on Regression Models</a:t>
+              <a:t>Interpretations of Features in Regression Models</a:t>
             </a:r>
           </a:p>
         </p:txBody>
@@ -6519,7 +6581,7 @@
           <p:cNvPr id="3" name="Content Placeholder 2">
             <a:extLst>
               <a:ext uri="{FF2B5EF4-FFF2-40B4-BE49-F238E27FC236}">
-                <a16:creationId xmlns:a16="http://schemas.microsoft.com/office/drawing/2014/main" id="{2DDB4B6E-C458-8245-BEDB-01275F5C9460}"/>
+                <a16:creationId xmlns:a16="http://schemas.microsoft.com/office/drawing/2014/main" id="{8B8DA979-53E2-5D49-8307-62B5977152CD}"/>
               </a:ext>
             </a:extLst>
           </p:cNvPr>
@@ -6532,23 +6594,78 @@
         </p:nvSpPr>
         <p:spPr/>
         <p:txBody>
-          <a:bodyPr/>
-          <a:lstStyle/>
-          <a:p>
-            <a:r>
-              <a:rPr lang="en-US" dirty="0"/>
-              <a:t>Gradient Boosted Ensemble model is the more reliable model for use on future data sets. This model has a combination of both high predictive power and consistent cross-validation scores that meet our success metrics of at least 85% predictive accuracy and 3% variance in cross validation. </a:t>
-            </a:r>
-          </a:p>
-          <a:p>
-            <a:endParaRPr lang="en-US" dirty="0"/>
+          <a:bodyPr>
+            <a:normAutofit/>
+          </a:bodyPr>
+          <a:lstStyle/>
+          <a:p>
+            <a:pPr marL="0" indent="0">
+              <a:buNone/>
+            </a:pPr>
+            <a:r>
+              <a:rPr lang="en-US" i="1" dirty="0"/>
+              <a:t>OLS Regression Model</a:t>
+            </a:r>
+            <a:endParaRPr lang="en-US" dirty="0"/>
+          </a:p>
+          <a:p>
+            <a:r>
+              <a:rPr lang="en-US" dirty="0"/>
+              <a:t>Demographic</a:t>
+            </a:r>
+          </a:p>
+          <a:p>
+            <a:r>
+              <a:rPr lang="en-US" dirty="0"/>
+              <a:t>Economic Need Index </a:t>
+            </a:r>
+          </a:p>
+          <a:p>
+            <a:r>
+              <a:rPr lang="en-US" dirty="0"/>
+              <a:t>Support system and educational quality </a:t>
+            </a:r>
+          </a:p>
+          <a:p>
+            <a:r>
+              <a:rPr lang="en-US" dirty="0"/>
+              <a:t>Select cities tend to have more of an impact on student attendance than others</a:t>
+            </a:r>
+          </a:p>
+          <a:p>
+            <a:r>
+              <a:rPr lang="en-US" dirty="0"/>
+              <a:t>Percent of Students Chronically Absent" </a:t>
+            </a:r>
+          </a:p>
+          <a:p>
+            <a:pPr marL="0" indent="0">
+              <a:buNone/>
+            </a:pPr>
+            <a:r>
+              <a:rPr lang="en-US" i="1" dirty="0"/>
+              <a:t>Gradient Boosted Regression Model</a:t>
+            </a:r>
+            <a:endParaRPr lang="en-US" dirty="0"/>
+          </a:p>
+          <a:p>
+            <a:r>
+              <a:rPr lang="en-US" dirty="0"/>
+              <a:t>Language and math proficiency</a:t>
+            </a:r>
+          </a:p>
+          <a:p>
+            <a:r>
+              <a:rPr lang="en-US" dirty="0"/>
+              <a:t>(Other important features same as in OLS Model)</a:t>
+            </a:r>
           </a:p>
         </p:txBody>
       </p:sp>
     </p:spTree>
     <p:extLst>
       <p:ext uri="{BB962C8B-B14F-4D97-AF65-F5344CB8AC3E}">
-        <p14:creationId xmlns:p14="http://schemas.microsoft.com/office/powerpoint/2010/main" val="169899446"/>
+        <p14:creationId xmlns:p14="http://schemas.microsoft.com/office/powerpoint/2010/main" val="3557932685"/>
       </p:ext>
     </p:extLst>
   </p:cSld>
@@ -6580,7 +6697,7 @@
           <p:cNvPr id="2" name="Title 1">
             <a:extLst>
               <a:ext uri="{FF2B5EF4-FFF2-40B4-BE49-F238E27FC236}">
-                <a16:creationId xmlns:a16="http://schemas.microsoft.com/office/drawing/2014/main" id="{3C5BBC48-BFE5-6841-A888-A87FC9BC3F25}"/>
+                <a16:creationId xmlns:a16="http://schemas.microsoft.com/office/drawing/2014/main" id="{D76FE92D-638B-8B43-95AE-8CCF1FF87C9F}"/>
               </a:ext>
             </a:extLst>
           </p:cNvPr>
@@ -6605,7 +6722,7 @@
           <p:cNvPr id="3" name="Content Placeholder 2">
             <a:extLst>
               <a:ext uri="{FF2B5EF4-FFF2-40B4-BE49-F238E27FC236}">
-                <a16:creationId xmlns:a16="http://schemas.microsoft.com/office/drawing/2014/main" id="{B091C82E-1C95-4741-9B6E-4ED115B32453}"/>
+                <a16:creationId xmlns:a16="http://schemas.microsoft.com/office/drawing/2014/main" id="{20A1FB86-D9AF-F54A-93C0-D566FC809B55}"/>
               </a:ext>
             </a:extLst>
           </p:cNvPr>
@@ -6628,7 +6745,7 @@
     </p:spTree>
     <p:extLst>
       <p:ext uri="{BB962C8B-B14F-4D97-AF65-F5344CB8AC3E}">
-        <p14:creationId xmlns:p14="http://schemas.microsoft.com/office/powerpoint/2010/main" val="1685533079"/>
+        <p14:creationId xmlns:p14="http://schemas.microsoft.com/office/powerpoint/2010/main" val="372850488"/>
       </p:ext>
     </p:extLst>
   </p:cSld>
@@ -6660,7 +6777,7 @@
           <p:cNvPr id="2" name="Title 1">
             <a:extLst>
               <a:ext uri="{FF2B5EF4-FFF2-40B4-BE49-F238E27FC236}">
-                <a16:creationId xmlns:a16="http://schemas.microsoft.com/office/drawing/2014/main" id="{E89121DB-CFEE-6449-9472-2A936AB09033}"/>
+                <a16:creationId xmlns:a16="http://schemas.microsoft.com/office/drawing/2014/main" id="{726A5B01-FF1C-C04B-B0E1-AEBE24A57FD1}"/>
               </a:ext>
             </a:extLst>
           </p:cNvPr>
@@ -6671,101 +6788,22 @@
             <p:ph type="title"/>
           </p:nvPr>
         </p:nvSpPr>
-        <p:spPr/>
-        <p:txBody>
-          <a:bodyPr/>
-          <a:lstStyle/>
-          <a:p>
-            <a:pPr algn="ctr"/>
-            <a:r>
-              <a:rPr lang="en-US" i="1" cap="none" dirty="0"/>
-              <a:t>Interpretations of Features in Regression Models</a:t>
-            </a:r>
-          </a:p>
-        </p:txBody>
-      </p:sp>
-      <p:sp>
-        <p:nvSpPr>
-          <p:cNvPr id="3" name="Content Placeholder 2">
-            <a:extLst>
-              <a:ext uri="{FF2B5EF4-FFF2-40B4-BE49-F238E27FC236}">
-                <a16:creationId xmlns:a16="http://schemas.microsoft.com/office/drawing/2014/main" id="{8B8DA979-53E2-5D49-8307-62B5977152CD}"/>
-              </a:ext>
-            </a:extLst>
-          </p:cNvPr>
-          <p:cNvSpPr>
-            <a:spLocks noGrp="1"/>
-          </p:cNvSpPr>
-          <p:nvPr>
-            <p:ph idx="1"/>
-          </p:nvPr>
-        </p:nvSpPr>
-        <p:spPr/>
+        <p:spPr>
+          <a:xfrm>
+            <a:off x="917621" y="2734615"/>
+            <a:ext cx="10131425" cy="1456267"/>
+          </a:xfrm>
+        </p:spPr>
         <p:txBody>
           <a:bodyPr>
             <a:normAutofit/>
           </a:bodyPr>
           <a:lstStyle/>
           <a:p>
-            <a:pPr marL="0" indent="0">
-              <a:buNone/>
-            </a:pPr>
-            <a:r>
-              <a:rPr lang="en-US" i="1" dirty="0"/>
-              <a:t>OLS Regression Model</a:t>
-            </a:r>
-            <a:endParaRPr lang="en-US" dirty="0"/>
-          </a:p>
-          <a:p>
-            <a:r>
-              <a:rPr lang="en-US" dirty="0"/>
-              <a:t>Demographic</a:t>
-            </a:r>
-          </a:p>
-          <a:p>
-            <a:r>
-              <a:rPr lang="en-US" dirty="0"/>
-              <a:t>Economic Need Index </a:t>
-            </a:r>
-          </a:p>
-          <a:p>
-            <a:r>
-              <a:rPr lang="en-US" dirty="0"/>
-              <a:t>Support system and educational quality </a:t>
-            </a:r>
-          </a:p>
-          <a:p>
-            <a:r>
-              <a:rPr lang="en-US" dirty="0"/>
-              <a:t>Select cities tend to have more of an impact on student attendance than others</a:t>
-            </a:r>
-          </a:p>
-          <a:p>
-            <a:r>
-              <a:rPr lang="en-US" dirty="0"/>
-              <a:t>Percent of Students Chronically Absent" </a:t>
-            </a:r>
-          </a:p>
-          <a:p>
-            <a:pPr marL="0" indent="0">
-              <a:buNone/>
-            </a:pPr>
-            <a:r>
-              <a:rPr lang="en-US" i="1" dirty="0"/>
-              <a:t>Gradient Boosted Regression Model</a:t>
-            </a:r>
-            <a:endParaRPr lang="en-US" dirty="0"/>
-          </a:p>
-          <a:p>
-            <a:r>
-              <a:rPr lang="en-US" dirty="0"/>
-              <a:t>Language and math proficiency</a:t>
-            </a:r>
-          </a:p>
-          <a:p>
-            <a:r>
-              <a:rPr lang="en-US" dirty="0"/>
-              <a:t>(Other important features same as in OLS Model)</a:t>
+            <a:pPr algn="ctr"/>
+            <a:r>
+              <a:rPr lang="en-US" sz="2800" i="1" cap="none" dirty="0"/>
+              <a:t>Although our regression model gives us an accurate insight on the attendance rate, we aren't actually sure if that attendance rate is bad or good and whether PASSNYC should be concerned or not.</a:t>
             </a:r>
           </a:p>
         </p:txBody>
@@ -6773,7 +6811,7 @@
     </p:spTree>
     <p:extLst>
       <p:ext uri="{BB962C8B-B14F-4D97-AF65-F5344CB8AC3E}">
-        <p14:creationId xmlns:p14="http://schemas.microsoft.com/office/powerpoint/2010/main" val="3557932685"/>
+        <p14:creationId xmlns:p14="http://schemas.microsoft.com/office/powerpoint/2010/main" val="2994743552"/>
       </p:ext>
     </p:extLst>
   </p:cSld>
@@ -6805,7 +6843,7 @@
           <p:cNvPr id="2" name="Title 1">
             <a:extLst>
               <a:ext uri="{FF2B5EF4-FFF2-40B4-BE49-F238E27FC236}">
-                <a16:creationId xmlns:a16="http://schemas.microsoft.com/office/drawing/2014/main" id="{D76FE92D-638B-8B43-95AE-8CCF1FF87C9F}"/>
+                <a16:creationId xmlns:a16="http://schemas.microsoft.com/office/drawing/2014/main" id="{10866163-DA78-FE49-AA51-757AFE0DE1A6}"/>
               </a:ext>
             </a:extLst>
           </p:cNvPr>
@@ -6818,10 +6856,16 @@
         </p:nvSpPr>
         <p:spPr/>
         <p:txBody>
-          <a:bodyPr/>
-          <a:lstStyle/>
-          <a:p>
-            <a:endParaRPr lang="en-US"/>
+          <a:bodyPr>
+            <a:normAutofit/>
+          </a:bodyPr>
+          <a:lstStyle/>
+          <a:p>
+            <a:pPr algn="ctr"/>
+            <a:r>
+              <a:rPr lang="en-US" i="1" cap="none" dirty="0"/>
+              <a:t>Baseline Classifier Models</a:t>
+            </a:r>
           </a:p>
         </p:txBody>
       </p:sp>
@@ -6830,7 +6874,7 @@
           <p:cNvPr id="3" name="Content Placeholder 2">
             <a:extLst>
               <a:ext uri="{FF2B5EF4-FFF2-40B4-BE49-F238E27FC236}">
-                <a16:creationId xmlns:a16="http://schemas.microsoft.com/office/drawing/2014/main" id="{20A1FB86-D9AF-F54A-93C0-D566FC809B55}"/>
+                <a16:creationId xmlns:a16="http://schemas.microsoft.com/office/drawing/2014/main" id="{768542F4-A190-B74D-BA47-3D9502158AAC}"/>
               </a:ext>
             </a:extLst>
           </p:cNvPr>
@@ -6841,19 +6885,63 @@
             <p:ph idx="1"/>
           </p:nvPr>
         </p:nvSpPr>
-        <p:spPr/>
-        <p:txBody>
-          <a:bodyPr/>
-          <a:lstStyle/>
-          <a:p>
-            <a:endParaRPr lang="en-US"/>
-          </a:p>
-        </p:txBody>
-      </p:sp>
+        <p:spPr>
+          <a:xfrm>
+            <a:off x="685801" y="2142068"/>
+            <a:ext cx="10131425" cy="1701800"/>
+          </a:xfrm>
+        </p:spPr>
+        <p:txBody>
+          <a:bodyPr/>
+          <a:lstStyle/>
+          <a:p>
+            <a:r>
+              <a:rPr lang="en-US" dirty="0"/>
+              <a:t>The range of "Student Attendance Rate" is quite small between 0.86 and 1.00, since a majority of students tend to go to school. </a:t>
+            </a:r>
+          </a:p>
+          <a:p>
+            <a:r>
+              <a:rPr lang="en-US" dirty="0"/>
+              <a:t>Define a bad attendance rate as any rate less than the median (0.94) and we'll use a binary indicator to identify schools that have a bad attendance rate.</a:t>
+            </a:r>
+          </a:p>
+        </p:txBody>
+      </p:sp>
+      <p:pic>
+        <p:nvPicPr>
+          <p:cNvPr id="5" name="Picture 4">
+            <a:extLst>
+              <a:ext uri="{FF2B5EF4-FFF2-40B4-BE49-F238E27FC236}">
+                <a16:creationId xmlns:a16="http://schemas.microsoft.com/office/drawing/2014/main" id="{B79DF891-F851-F642-8241-63A94624A712}"/>
+              </a:ext>
+            </a:extLst>
+          </p:cNvPr>
+          <p:cNvPicPr>
+            <a:picLocks noChangeAspect="1"/>
+          </p:cNvPicPr>
+          <p:nvPr/>
+        </p:nvPicPr>
+        <p:blipFill>
+          <a:blip r:embed="rId2"/>
+          <a:stretch>
+            <a:fillRect/>
+          </a:stretch>
+        </p:blipFill>
+        <p:spPr>
+          <a:xfrm>
+            <a:off x="3926946" y="3920069"/>
+            <a:ext cx="3642254" cy="2762383"/>
+          </a:xfrm>
+          <a:prstGeom prst="rect">
+            <a:avLst/>
+          </a:prstGeom>
+        </p:spPr>
+      </p:pic>
     </p:spTree>
     <p:extLst>
       <p:ext uri="{BB962C8B-B14F-4D97-AF65-F5344CB8AC3E}">
-        <p14:creationId xmlns:p14="http://schemas.microsoft.com/office/powerpoint/2010/main" val="372850488"/>
+        <p14:creationId xmlns:p14="http://schemas.microsoft.com/office/powerpoint/2010/main" val="3495607038"/>
       </p:ext>
     </p:extLst>
   </p:cSld>
@@ -6984,7 +7072,7 @@
           <p:cNvPr id="2" name="Title 1">
             <a:extLst>
               <a:ext uri="{FF2B5EF4-FFF2-40B4-BE49-F238E27FC236}">
-                <a16:creationId xmlns:a16="http://schemas.microsoft.com/office/drawing/2014/main" id="{726A5B01-FF1C-C04B-B0E1-AEBE24A57FD1}"/>
+                <a16:creationId xmlns:a16="http://schemas.microsoft.com/office/drawing/2014/main" id="{F9A784D3-4AA3-E842-BF97-CC11DF9342E0}"/>
               </a:ext>
             </a:extLst>
           </p:cNvPr>
@@ -6995,30 +7083,60 @@
             <p:ph type="title"/>
           </p:nvPr>
         </p:nvSpPr>
-        <p:spPr>
-          <a:xfrm>
-            <a:off x="917621" y="2734615"/>
-            <a:ext cx="10131425" cy="1456267"/>
-          </a:xfrm>
-        </p:spPr>
-        <p:txBody>
-          <a:bodyPr>
-            <a:normAutofit/>
-          </a:bodyPr>
+        <p:spPr/>
+        <p:txBody>
+          <a:bodyPr/>
           <a:lstStyle/>
           <a:p>
             <a:pPr algn="ctr"/>
             <a:r>
-              <a:rPr lang="en-US" sz="2800" i="1" cap="none" dirty="0"/>
-              <a:t>Although our regression model gives us an accurate insight on the attendance rate, we aren't actually sure if that attendance rate is bad or good and whether PASSNYC should be concerned or not.</a:t>
-            </a:r>
+              <a:rPr lang="en-US" i="1" cap="none" dirty="0"/>
+              <a:t>Gradient Boosted Classifier Model</a:t>
+            </a:r>
+          </a:p>
+        </p:txBody>
+      </p:sp>
+      <p:sp>
+        <p:nvSpPr>
+          <p:cNvPr id="3" name="Content Placeholder 2">
+            <a:extLst>
+              <a:ext uri="{FF2B5EF4-FFF2-40B4-BE49-F238E27FC236}">
+                <a16:creationId xmlns:a16="http://schemas.microsoft.com/office/drawing/2014/main" id="{74EBAA50-D83D-F543-81BB-F68E5EC25098}"/>
+              </a:ext>
+            </a:extLst>
+          </p:cNvPr>
+          <p:cNvSpPr>
+            <a:spLocks noGrp="1"/>
+          </p:cNvSpPr>
+          <p:nvPr>
+            <p:ph idx="1"/>
+          </p:nvPr>
+        </p:nvSpPr>
+        <p:spPr/>
+        <p:txBody>
+          <a:bodyPr/>
+          <a:lstStyle/>
+          <a:p>
+            <a:r>
+              <a:rPr lang="en-US" dirty="0"/>
+              <a:t>The Weak Learners model has extremely high predictive power at 98.10%. </a:t>
+            </a:r>
+          </a:p>
+          <a:p>
+            <a:r>
+              <a:rPr lang="en-US" dirty="0"/>
+              <a:t>0% Type I error as our model correctly identifies all cases in which attendance rate is "good" (is 1) and 4.6%  Type II error indicating that it incorrectly predicts that a school has a "good" attendance rate is only 4.6% of the time.</a:t>
+            </a:r>
+          </a:p>
+          <a:p>
+            <a:endParaRPr lang="en-US" dirty="0"/>
           </a:p>
         </p:txBody>
       </p:sp>
     </p:spTree>
     <p:extLst>
       <p:ext uri="{BB962C8B-B14F-4D97-AF65-F5344CB8AC3E}">
-        <p14:creationId xmlns:p14="http://schemas.microsoft.com/office/powerpoint/2010/main" val="2994743552"/>
+        <p14:creationId xmlns:p14="http://schemas.microsoft.com/office/powerpoint/2010/main" val="1695039748"/>
       </p:ext>
     </p:extLst>
   </p:cSld>
@@ -7050,7 +7168,7 @@
           <p:cNvPr id="2" name="Title 1">
             <a:extLst>
               <a:ext uri="{FF2B5EF4-FFF2-40B4-BE49-F238E27FC236}">
-                <a16:creationId xmlns:a16="http://schemas.microsoft.com/office/drawing/2014/main" id="{10866163-DA78-FE49-AA51-757AFE0DE1A6}"/>
+                <a16:creationId xmlns:a16="http://schemas.microsoft.com/office/drawing/2014/main" id="{2BB46D81-02BB-6940-863A-C797DF9E6121}"/>
               </a:ext>
             </a:extLst>
           </p:cNvPr>
@@ -7063,15 +7181,13 @@
         </p:nvSpPr>
         <p:spPr/>
         <p:txBody>
-          <a:bodyPr>
-            <a:normAutofit/>
-          </a:bodyPr>
+          <a:bodyPr/>
           <a:lstStyle/>
           <a:p>
             <a:pPr algn="ctr"/>
             <a:r>
               <a:rPr lang="en-US" i="1" cap="none" dirty="0"/>
-              <a:t>Baseline Classifier Models</a:t>
+              <a:t>Random Forest Classifier Model</a:t>
             </a:r>
           </a:p>
         </p:txBody>
@@ -7081,7 +7197,7 @@
           <p:cNvPr id="3" name="Content Placeholder 2">
             <a:extLst>
               <a:ext uri="{FF2B5EF4-FFF2-40B4-BE49-F238E27FC236}">
-                <a16:creationId xmlns:a16="http://schemas.microsoft.com/office/drawing/2014/main" id="{768542F4-A190-B74D-BA47-3D9502158AAC}"/>
+                <a16:creationId xmlns:a16="http://schemas.microsoft.com/office/drawing/2014/main" id="{3739E6E3-7154-CB49-86E1-4FB5F8407C1A}"/>
               </a:ext>
             </a:extLst>
           </p:cNvPr>
@@ -7099,13 +7215,13 @@
           <a:p>
             <a:r>
               <a:rPr lang="en-US" dirty="0"/>
-              <a:t>The range of "Student Attendance Rate" is quite small between 0.86 and 1.00, since a majority of students tend to go to school. </a:t>
-            </a:r>
-          </a:p>
-          <a:p>
-            <a:r>
-              <a:rPr lang="en-US" dirty="0"/>
-              <a:t>Define a bad attendance rate as any rate less than the median (0.94) and we'll use a binary indicator to identify schools that have a bad attendance rate.</a:t>
+              <a:t>Slightly worse performance than our weak learners model on our test set at 96.8%. </a:t>
+            </a:r>
+          </a:p>
+          <a:p>
+            <a:r>
+              <a:rPr lang="en-US" dirty="0"/>
+              <a:t>Type I error of 1.07% and a Type II error of 6.15%, which is slightly worse than the weak learners model.</a:t>
             </a:r>
           </a:p>
         </p:txBody>
@@ -7113,7 +7229,7 @@
     </p:spTree>
     <p:extLst>
       <p:ext uri="{BB962C8B-B14F-4D97-AF65-F5344CB8AC3E}">
-        <p14:creationId xmlns:p14="http://schemas.microsoft.com/office/powerpoint/2010/main" val="3495607038"/>
+        <p14:creationId xmlns:p14="http://schemas.microsoft.com/office/powerpoint/2010/main" val="435998678"/>
       </p:ext>
     </p:extLst>
   </p:cSld>
@@ -7145,7 +7261,7 @@
           <p:cNvPr id="2" name="Title 1">
             <a:extLst>
               <a:ext uri="{FF2B5EF4-FFF2-40B4-BE49-F238E27FC236}">
-                <a16:creationId xmlns:a16="http://schemas.microsoft.com/office/drawing/2014/main" id="{DCA9082F-BA12-1246-94FA-B7E09DA4E657}"/>
+                <a16:creationId xmlns:a16="http://schemas.microsoft.com/office/drawing/2014/main" id="{3B4BC996-7EAD-854C-AD2A-7819DD09A5AD}"/>
               </a:ext>
             </a:extLst>
           </p:cNvPr>
@@ -7161,7 +7277,12 @@
           <a:bodyPr/>
           <a:lstStyle/>
           <a:p>
-            <a:endParaRPr lang="en-US"/>
+            <a:pPr algn="ctr"/>
+            <a:r>
+              <a:rPr lang="en-US" i="1" cap="none" dirty="0"/>
+              <a:t>Conclusions of Classification Models</a:t>
+            </a:r>
+            <a:endParaRPr lang="en-US" dirty="0"/>
           </a:p>
         </p:txBody>
       </p:sp>
@@ -7170,7 +7291,7 @@
           <p:cNvPr id="3" name="Content Placeholder 2">
             <a:extLst>
               <a:ext uri="{FF2B5EF4-FFF2-40B4-BE49-F238E27FC236}">
-                <a16:creationId xmlns:a16="http://schemas.microsoft.com/office/drawing/2014/main" id="{E9DE83F0-E9AE-5F42-8132-B69EFEE3DC00}"/>
+                <a16:creationId xmlns:a16="http://schemas.microsoft.com/office/drawing/2014/main" id="{6F1B6113-6598-2348-8126-2E73902B6B94}"/>
               </a:ext>
             </a:extLst>
           </p:cNvPr>
@@ -7181,19 +7302,57 @@
             <p:ph idx="1"/>
           </p:nvPr>
         </p:nvSpPr>
-        <p:spPr/>
-        <p:txBody>
-          <a:bodyPr/>
-          <a:lstStyle/>
-          <a:p>
-            <a:endParaRPr lang="en-US"/>
-          </a:p>
-        </p:txBody>
-      </p:sp>
+        <p:spPr>
+          <a:xfrm>
+            <a:off x="685801" y="2142067"/>
+            <a:ext cx="10131425" cy="1261533"/>
+          </a:xfrm>
+        </p:spPr>
+        <p:txBody>
+          <a:bodyPr/>
+          <a:lstStyle/>
+          <a:p>
+            <a:r>
+              <a:rPr lang="en-US" dirty="0"/>
+              <a:t>Based on the prediction scores of these two models, the Gradient Boosted Classifier seems to a better model to use. It satisfies our success metric with 98% accuracy and minimizes both type I and type II errors relative to the Random Forest model.</a:t>
+            </a:r>
+          </a:p>
+        </p:txBody>
+      </p:sp>
+      <p:pic>
+        <p:nvPicPr>
+          <p:cNvPr id="11" name="Picture 10">
+            <a:extLst>
+              <a:ext uri="{FF2B5EF4-FFF2-40B4-BE49-F238E27FC236}">
+                <a16:creationId xmlns:a16="http://schemas.microsoft.com/office/drawing/2014/main" id="{8730900C-0778-E745-BC1D-91EEDB3A74E3}"/>
+              </a:ext>
+            </a:extLst>
+          </p:cNvPr>
+          <p:cNvPicPr>
+            <a:picLocks noChangeAspect="1"/>
+          </p:cNvPicPr>
+          <p:nvPr/>
+        </p:nvPicPr>
+        <p:blipFill>
+          <a:blip r:embed="rId2"/>
+          <a:stretch>
+            <a:fillRect/>
+          </a:stretch>
+        </p:blipFill>
+        <p:spPr>
+          <a:xfrm>
+            <a:off x="1687760" y="3651249"/>
+            <a:ext cx="8127505" cy="2106084"/>
+          </a:xfrm>
+          <a:prstGeom prst="rect">
+            <a:avLst/>
+          </a:prstGeom>
+        </p:spPr>
+      </p:pic>
     </p:spTree>
     <p:extLst>
       <p:ext uri="{BB962C8B-B14F-4D97-AF65-F5344CB8AC3E}">
-        <p14:creationId xmlns:p14="http://schemas.microsoft.com/office/powerpoint/2010/main" val="2031683229"/>
+        <p14:creationId xmlns:p14="http://schemas.microsoft.com/office/powerpoint/2010/main" val="1581053115"/>
       </p:ext>
     </p:extLst>
   </p:cSld>
@@ -7225,7 +7384,7 @@
           <p:cNvPr id="2" name="Title 1">
             <a:extLst>
               <a:ext uri="{FF2B5EF4-FFF2-40B4-BE49-F238E27FC236}">
-                <a16:creationId xmlns:a16="http://schemas.microsoft.com/office/drawing/2014/main" id="{F9A784D3-4AA3-E842-BF97-CC11DF9342E0}"/>
+                <a16:creationId xmlns:a16="http://schemas.microsoft.com/office/drawing/2014/main" id="{E558C09C-4426-9D49-84F6-AC0BE16A3315}"/>
               </a:ext>
             </a:extLst>
           </p:cNvPr>
@@ -7244,8 +7403,9 @@
             <a:pPr algn="ctr"/>
             <a:r>
               <a:rPr lang="en-US" i="1" cap="none" dirty="0"/>
-              <a:t>Gradient Boosted Classifier Model</a:t>
-            </a:r>
+              <a:t>Important Factors related to Attendance Rate</a:t>
+            </a:r>
+            <a:endParaRPr lang="en-US" dirty="0"/>
           </a:p>
         </p:txBody>
       </p:sp>
@@ -7254,7 +7414,7 @@
           <p:cNvPr id="3" name="Content Placeholder 2">
             <a:extLst>
               <a:ext uri="{FF2B5EF4-FFF2-40B4-BE49-F238E27FC236}">
-                <a16:creationId xmlns:a16="http://schemas.microsoft.com/office/drawing/2014/main" id="{74EBAA50-D83D-F543-81BB-F68E5EC25098}"/>
+                <a16:creationId xmlns:a16="http://schemas.microsoft.com/office/drawing/2014/main" id="{7578F5C7-7667-D84C-B1FA-28BDCD106A51}"/>
               </a:ext>
             </a:extLst>
           </p:cNvPr>
@@ -7272,13 +7432,49 @@
           <a:p>
             <a:r>
               <a:rPr lang="en-US" dirty="0"/>
-              <a:t>The Weak Learners model has extremely high predictive power at 98.10%. </a:t>
-            </a:r>
-          </a:p>
-          <a:p>
-            <a:r>
-              <a:rPr lang="en-US" dirty="0"/>
-              <a:t>0% Type I error as our model correctly identifies all cases in which attendance rate is "good" (is 1) and 4.6%  Type II error indicating that it incorrectly predicts that a school has a "good" attendance rate is only 4.6% of the time.</a:t>
+              <a:t>School income </a:t>
+            </a:r>
+          </a:p>
+          <a:p>
+            <a:r>
+              <a:rPr lang="en-US" dirty="0"/>
+              <a:t>Longitude and latitude</a:t>
+            </a:r>
+          </a:p>
+          <a:p>
+            <a:r>
+              <a:rPr lang="en-US" dirty="0"/>
+              <a:t>Demographic</a:t>
+            </a:r>
+          </a:p>
+          <a:p>
+            <a:r>
+              <a:rPr lang="en-US" dirty="0"/>
+              <a:t>Economic Need Index </a:t>
+            </a:r>
+          </a:p>
+          <a:p>
+            <a:r>
+              <a:rPr lang="en-US" dirty="0"/>
+              <a:t>Support system and educational quality </a:t>
+            </a:r>
+          </a:p>
+          <a:p>
+            <a:r>
+              <a:rPr lang="en-US" dirty="0"/>
+              <a:t>Select cities tend to have more of an impact on student attendance than others</a:t>
+            </a:r>
+          </a:p>
+          <a:p>
+            <a:r>
+              <a:rPr lang="en-US" dirty="0"/>
+              <a:t>Percent of Students Chronically Absent" </a:t>
+            </a:r>
+          </a:p>
+          <a:p>
+            <a:r>
+              <a:rPr lang="en-US" dirty="0"/>
+              <a:t>Language and math proficiency</a:t>
             </a:r>
           </a:p>
           <a:p>
@@ -7289,7 +7485,7 @@
     </p:spTree>
     <p:extLst>
       <p:ext uri="{BB962C8B-B14F-4D97-AF65-F5344CB8AC3E}">
-        <p14:creationId xmlns:p14="http://schemas.microsoft.com/office/powerpoint/2010/main" val="1695039748"/>
+        <p14:creationId xmlns:p14="http://schemas.microsoft.com/office/powerpoint/2010/main" val="2354942379"/>
       </p:ext>
     </p:extLst>
   </p:cSld>
@@ -7321,7 +7517,7 @@
           <p:cNvPr id="2" name="Title 1">
             <a:extLst>
               <a:ext uri="{FF2B5EF4-FFF2-40B4-BE49-F238E27FC236}">
-                <a16:creationId xmlns:a16="http://schemas.microsoft.com/office/drawing/2014/main" id="{5DC7C09E-D2AE-A543-B9A9-5408D3604DD4}"/>
+                <a16:creationId xmlns:a16="http://schemas.microsoft.com/office/drawing/2014/main" id="{0AE1244D-FE2D-3746-80A3-E164A57393DD}"/>
               </a:ext>
             </a:extLst>
           </p:cNvPr>
@@ -7337,7 +7533,11 @@
           <a:bodyPr/>
           <a:lstStyle/>
           <a:p>
-            <a:endParaRPr lang="en-US"/>
+            <a:pPr algn="ctr"/>
+            <a:r>
+              <a:rPr lang="en-US" i="1" cap="none" dirty="0"/>
+              <a:t>Biases and Weaknesses</a:t>
+            </a:r>
           </a:p>
         </p:txBody>
       </p:sp>
@@ -7346,7 +7546,7 @@
           <p:cNvPr id="3" name="Content Placeholder 2">
             <a:extLst>
               <a:ext uri="{FF2B5EF4-FFF2-40B4-BE49-F238E27FC236}">
-                <a16:creationId xmlns:a16="http://schemas.microsoft.com/office/drawing/2014/main" id="{96BAC08A-FB4E-884A-8EEF-05ACE23855C9}"/>
+                <a16:creationId xmlns:a16="http://schemas.microsoft.com/office/drawing/2014/main" id="{DDAB466B-2859-3F42-9BDE-04288F77827E}"/>
               </a:ext>
             </a:extLst>
           </p:cNvPr>
@@ -7357,19 +7557,77 @@
             <p:ph idx="1"/>
           </p:nvPr>
         </p:nvSpPr>
-        <p:spPr/>
-        <p:txBody>
-          <a:bodyPr/>
-          <a:lstStyle/>
-          <a:p>
-            <a:endParaRPr lang="en-US"/>
+        <p:spPr>
+          <a:xfrm>
+            <a:off x="685801" y="2142067"/>
+            <a:ext cx="10131425" cy="4258733"/>
+          </a:xfrm>
+        </p:spPr>
+        <p:txBody>
+          <a:bodyPr>
+            <a:normAutofit fontScale="85000" lnSpcReduction="20000"/>
+          </a:bodyPr>
+          <a:lstStyle/>
+          <a:p>
+            <a:endParaRPr lang="en-US" dirty="0"/>
+          </a:p>
+          <a:p>
+            <a:r>
+              <a:rPr lang="en-US" dirty="0"/>
+              <a:t>I purposefully dropped over 100 columns of dummy variables that had extremely specific information on grade, demographic, certain test scores, etc. </a:t>
+            </a:r>
+          </a:p>
+          <a:p>
+            <a:r>
+              <a:rPr lang="en-US" dirty="0"/>
+              <a:t>Final Data set consisted of 790 rows of information. This isn't a very large data set.</a:t>
+            </a:r>
+          </a:p>
+          <a:p>
+            <a:r>
+              <a:rPr lang="en-US" dirty="0"/>
+              <a:t>Many of our predictor variables are districts, and cities. This makes our model very specific to New York. Thus it isn't a reliable model for other states.</a:t>
+            </a:r>
+          </a:p>
+          <a:p>
+            <a:r>
+              <a:rPr lang="en-US" dirty="0"/>
+              <a:t>Many of these variables look like their from surveys so there might be lots of bias in the questionnaires such as misreporting. These variables include "Supportive School Environment %" and "Trust %". It's not clear how PASSNYC described this data quantitatively and how they rated it. Furthermore, the variable is a bit obscure as we don't know how they defined an ambiguous term like "Trust".</a:t>
+            </a:r>
+          </a:p>
+          <a:p>
+            <a:r>
+              <a:rPr lang="en-US" dirty="0"/>
+              <a:t>The Economic Need Index variable is a black box rating system that PASSNYC derived to rate how much a given school needs external support. </a:t>
+            </a:r>
+          </a:p>
+          <a:p>
+            <a:r>
+              <a:rPr lang="en-US" dirty="0"/>
+              <a:t>We observe a few outliers in the distribution and scatterplot of the residual errors of the OLS model that require further investigation. However, overall the errors had a normal distribution and homogenous variance so the model seems reliable.</a:t>
+            </a:r>
+          </a:p>
+          <a:p>
+            <a:r>
+              <a:rPr lang="en-US" dirty="0"/>
+              <a:t>Type II errors</a:t>
+            </a:r>
+          </a:p>
+          <a:p>
+            <a:r>
+              <a:rPr lang="en-US" dirty="0"/>
+              <a:t>No cross-validation in Weak Learners classifier</a:t>
+            </a:r>
+          </a:p>
+          <a:p>
+            <a:endParaRPr lang="en-US" dirty="0"/>
           </a:p>
         </p:txBody>
       </p:sp>
     </p:spTree>
     <p:extLst>
       <p:ext uri="{BB962C8B-B14F-4D97-AF65-F5344CB8AC3E}">
-        <p14:creationId xmlns:p14="http://schemas.microsoft.com/office/powerpoint/2010/main" val="3353363272"/>
+        <p14:creationId xmlns:p14="http://schemas.microsoft.com/office/powerpoint/2010/main" val="850957371"/>
       </p:ext>
     </p:extLst>
   </p:cSld>
@@ -7401,7 +7659,7 @@
           <p:cNvPr id="2" name="Title 1">
             <a:extLst>
               <a:ext uri="{FF2B5EF4-FFF2-40B4-BE49-F238E27FC236}">
-                <a16:creationId xmlns:a16="http://schemas.microsoft.com/office/drawing/2014/main" id="{2BB46D81-02BB-6940-863A-C797DF9E6121}"/>
+                <a16:creationId xmlns:a16="http://schemas.microsoft.com/office/drawing/2014/main" id="{2EC70B15-CA6B-E949-85D0-3AFE1762E7A9}"/>
               </a:ext>
             </a:extLst>
           </p:cNvPr>
@@ -7420,7 +7678,7 @@
             <a:pPr algn="ctr"/>
             <a:r>
               <a:rPr lang="en-US" i="1" cap="none" dirty="0"/>
-              <a:t>Random Forest Classifier Model</a:t>
+              <a:t>Improvements and Recommendations for Further Research</a:t>
             </a:r>
           </a:p>
         </p:txBody>
@@ -7430,7 +7688,7 @@
           <p:cNvPr id="3" name="Content Placeholder 2">
             <a:extLst>
               <a:ext uri="{FF2B5EF4-FFF2-40B4-BE49-F238E27FC236}">
-                <a16:creationId xmlns:a16="http://schemas.microsoft.com/office/drawing/2014/main" id="{3739E6E3-7154-CB49-86E1-4FB5F8407C1A}"/>
+                <a16:creationId xmlns:a16="http://schemas.microsoft.com/office/drawing/2014/main" id="{AFE4B53E-B00E-D14C-8127-4A185B4AACE6}"/>
               </a:ext>
             </a:extLst>
           </p:cNvPr>
@@ -7443,18 +7701,26 @@
         </p:nvSpPr>
         <p:spPr/>
         <p:txBody>
-          <a:bodyPr/>
-          <a:lstStyle/>
-          <a:p>
-            <a:r>
-              <a:rPr lang="en-US" dirty="0"/>
-              <a:t>Slightly worse performance than our weak learners model on our test set at 96.8%. </a:t>
-            </a:r>
-          </a:p>
-          <a:p>
-            <a:r>
-              <a:rPr lang="en-US" dirty="0"/>
-              <a:t>Type I error of 1.07% and a Type II error of 6.15%, which is slightly worse than the weak learners model.</a:t>
+          <a:bodyPr>
+            <a:normAutofit/>
+          </a:bodyPr>
+          <a:lstStyle/>
+          <a:p>
+            <a:r>
+              <a:rPr lang="en-US" dirty="0"/>
+              <a:t>In the future, we can improve data collection techniques when collecting specific information on a schools grade, demographic and test scores by ensuring that the information is completely filled out. At an administrative level schools can require the documentation of such information for research purposes. We could also ignore that information altogether, since the time and effort of collecting that information isn't worth the benefits.</a:t>
+            </a:r>
+          </a:p>
+          <a:p>
+            <a:r>
+              <a:rPr lang="en-US" dirty="0"/>
+              <a:t>Collect more information of school quality, income, community economic and health information, etc. which can be quantitatively interpretable in any region in the United States to make our model more reliable across the country. However the city and district specific information is also very important when considering specific regions or states, because problems vary from state to state and it would be bad to rely on a "one-color-fits-all" model.</a:t>
+            </a:r>
+          </a:p>
+          <a:p>
+            <a:r>
+              <a:rPr lang="en-US" dirty="0"/>
+              <a:t>Access to meta-data on methodology, term definitions, economic need index calculation and survey techniques.</a:t>
             </a:r>
           </a:p>
         </p:txBody>
@@ -7462,7 +7728,7 @@
     </p:spTree>
     <p:extLst>
       <p:ext uri="{BB962C8B-B14F-4D97-AF65-F5344CB8AC3E}">
-        <p14:creationId xmlns:p14="http://schemas.microsoft.com/office/powerpoint/2010/main" val="435998678"/>
+        <p14:creationId xmlns:p14="http://schemas.microsoft.com/office/powerpoint/2010/main" val="3656124611"/>
       </p:ext>
     </p:extLst>
   </p:cSld>
@@ -7494,7 +7760,7 @@
           <p:cNvPr id="2" name="Title 1">
             <a:extLst>
               <a:ext uri="{FF2B5EF4-FFF2-40B4-BE49-F238E27FC236}">
-                <a16:creationId xmlns:a16="http://schemas.microsoft.com/office/drawing/2014/main" id="{13E1C9C3-CD01-DC4F-827C-F7357BAC7BB7}"/>
+                <a16:creationId xmlns:a16="http://schemas.microsoft.com/office/drawing/2014/main" id="{9F86F8C4-0857-314A-88AB-6E782FCE235E}"/>
               </a:ext>
             </a:extLst>
           </p:cNvPr>
@@ -7510,7 +7776,11 @@
           <a:bodyPr/>
           <a:lstStyle/>
           <a:p>
-            <a:endParaRPr lang="en-US"/>
+            <a:pPr algn="ctr"/>
+            <a:r>
+              <a:rPr lang="en-US" i="1" cap="none" dirty="0"/>
+              <a:t>References</a:t>
+            </a:r>
           </a:p>
         </p:txBody>
       </p:sp>
@@ -7519,7 +7789,7 @@
           <p:cNvPr id="3" name="Content Placeholder 2">
             <a:extLst>
               <a:ext uri="{FF2B5EF4-FFF2-40B4-BE49-F238E27FC236}">
-                <a16:creationId xmlns:a16="http://schemas.microsoft.com/office/drawing/2014/main" id="{0B0EE283-D0A3-0141-9D15-53CB8019A998}"/>
+                <a16:creationId xmlns:a16="http://schemas.microsoft.com/office/drawing/2014/main" id="{BF7565C9-E65B-BD49-B89A-9028A0FFD516}"/>
               </a:ext>
             </a:extLst>
           </p:cNvPr>
@@ -7535,315 +7805,29 @@
           <a:bodyPr/>
           <a:lstStyle/>
           <a:p>
-            <a:endParaRPr lang="en-US"/>
+            <a:pPr marL="0" indent="0" algn="ctr">
+              <a:buNone/>
+            </a:pPr>
+            <a:r>
+              <a:rPr lang="en-US" dirty="0">
+                <a:hlinkClick r:id="rId2"/>
+              </a:rPr>
+              <a:t>https://www.kaggle.com/passnyc/data-science-for-good</a:t>
+            </a:r>
+            <a:endParaRPr lang="en-US" dirty="0"/>
+          </a:p>
+          <a:p>
+            <a:pPr marL="0" indent="0" algn="ctr">
+              <a:buNone/>
+            </a:pPr>
+            <a:endParaRPr lang="en-US" dirty="0"/>
           </a:p>
         </p:txBody>
       </p:sp>
     </p:spTree>
     <p:extLst>
       <p:ext uri="{BB962C8B-B14F-4D97-AF65-F5344CB8AC3E}">
-        <p14:creationId xmlns:p14="http://schemas.microsoft.com/office/powerpoint/2010/main" val="1298425908"/>
-      </p:ext>
-    </p:extLst>
-  </p:cSld>
-  <p:clrMapOvr>
-    <a:masterClrMapping/>
-  </p:clrMapOvr>
-</p:sld>
-</file>
-
-<file path=ppt/slides/slide27.xml><?xml version="1.0" encoding="utf-8"?>
-<p:sld xmlns:a="http://schemas.openxmlformats.org/drawingml/2006/main" xmlns:r="http://schemas.openxmlformats.org/officeDocument/2006/relationships" xmlns:p="http://schemas.openxmlformats.org/presentationml/2006/main">
-  <p:cSld>
-    <p:spTree>
-      <p:nvGrpSpPr>
-        <p:cNvPr id="1" name=""/>
-        <p:cNvGrpSpPr/>
-        <p:nvPr/>
-      </p:nvGrpSpPr>
-      <p:grpSpPr>
-        <a:xfrm>
-          <a:off x="0" y="0"/>
-          <a:ext cx="0" cy="0"/>
-          <a:chOff x="0" y="0"/>
-          <a:chExt cx="0" cy="0"/>
-        </a:xfrm>
-      </p:grpSpPr>
-      <p:sp>
-        <p:nvSpPr>
-          <p:cNvPr id="2" name="Title 1">
-            <a:extLst>
-              <a:ext uri="{FF2B5EF4-FFF2-40B4-BE49-F238E27FC236}">
-                <a16:creationId xmlns:a16="http://schemas.microsoft.com/office/drawing/2014/main" id="{3B4BC996-7EAD-854C-AD2A-7819DD09A5AD}"/>
-              </a:ext>
-            </a:extLst>
-          </p:cNvPr>
-          <p:cNvSpPr>
-            <a:spLocks noGrp="1"/>
-          </p:cNvSpPr>
-          <p:nvPr>
-            <p:ph type="title"/>
-          </p:nvPr>
-        </p:nvSpPr>
-        <p:spPr/>
-        <p:txBody>
-          <a:bodyPr/>
-          <a:lstStyle/>
-          <a:p>
-            <a:pPr algn="ctr"/>
-            <a:r>
-              <a:rPr lang="en-US" i="1" cap="none" dirty="0"/>
-              <a:t>Conclusions of Classification Models</a:t>
-            </a:r>
-            <a:endParaRPr lang="en-US" dirty="0"/>
-          </a:p>
-        </p:txBody>
-      </p:sp>
-      <p:sp>
-        <p:nvSpPr>
-          <p:cNvPr id="3" name="Content Placeholder 2">
-            <a:extLst>
-              <a:ext uri="{FF2B5EF4-FFF2-40B4-BE49-F238E27FC236}">
-                <a16:creationId xmlns:a16="http://schemas.microsoft.com/office/drawing/2014/main" id="{6F1B6113-6598-2348-8126-2E73902B6B94}"/>
-              </a:ext>
-            </a:extLst>
-          </p:cNvPr>
-          <p:cNvSpPr>
-            <a:spLocks noGrp="1"/>
-          </p:cNvSpPr>
-          <p:nvPr>
-            <p:ph idx="1"/>
-          </p:nvPr>
-        </p:nvSpPr>
-        <p:spPr/>
-        <p:txBody>
-          <a:bodyPr/>
-          <a:lstStyle/>
-          <a:p>
-            <a:r>
-              <a:rPr lang="en-US" dirty="0"/>
-              <a:t>Based on the prediction scores of these two models, the Gradient Boosted Classifier seems to a better model to use. It satisfies our success metric with 98% accuracy and minimizes both type I and type II errors relative to the Random Forest model.</a:t>
-            </a:r>
-          </a:p>
-        </p:txBody>
-      </p:sp>
-    </p:spTree>
-    <p:extLst>
-      <p:ext uri="{BB962C8B-B14F-4D97-AF65-F5344CB8AC3E}">
-        <p14:creationId xmlns:p14="http://schemas.microsoft.com/office/powerpoint/2010/main" val="1581053115"/>
-      </p:ext>
-    </p:extLst>
-  </p:cSld>
-  <p:clrMapOvr>
-    <a:masterClrMapping/>
-  </p:clrMapOvr>
-</p:sld>
-</file>
-
-<file path=ppt/slides/slide28.xml><?xml version="1.0" encoding="utf-8"?>
-<p:sld xmlns:a="http://schemas.openxmlformats.org/drawingml/2006/main" xmlns:r="http://schemas.openxmlformats.org/officeDocument/2006/relationships" xmlns:p="http://schemas.openxmlformats.org/presentationml/2006/main">
-  <p:cSld>
-    <p:spTree>
-      <p:nvGrpSpPr>
-        <p:cNvPr id="1" name=""/>
-        <p:cNvGrpSpPr/>
-        <p:nvPr/>
-      </p:nvGrpSpPr>
-      <p:grpSpPr>
-        <a:xfrm>
-          <a:off x="0" y="0"/>
-          <a:ext cx="0" cy="0"/>
-          <a:chOff x="0" y="0"/>
-          <a:chExt cx="0" cy="0"/>
-        </a:xfrm>
-      </p:grpSpPr>
-      <p:sp>
-        <p:nvSpPr>
-          <p:cNvPr id="2" name="Title 1">
-            <a:extLst>
-              <a:ext uri="{FF2B5EF4-FFF2-40B4-BE49-F238E27FC236}">
-                <a16:creationId xmlns:a16="http://schemas.microsoft.com/office/drawing/2014/main" id="{BF58091B-90B0-9949-B129-0AB9D85AC914}"/>
-              </a:ext>
-            </a:extLst>
-          </p:cNvPr>
-          <p:cNvSpPr>
-            <a:spLocks noGrp="1"/>
-          </p:cNvSpPr>
-          <p:nvPr>
-            <p:ph type="title"/>
-          </p:nvPr>
-        </p:nvSpPr>
-        <p:spPr/>
-        <p:txBody>
-          <a:bodyPr/>
-          <a:lstStyle/>
-          <a:p>
-            <a:endParaRPr lang="en-US"/>
-          </a:p>
-        </p:txBody>
-      </p:sp>
-      <p:sp>
-        <p:nvSpPr>
-          <p:cNvPr id="3" name="Content Placeholder 2">
-            <a:extLst>
-              <a:ext uri="{FF2B5EF4-FFF2-40B4-BE49-F238E27FC236}">
-                <a16:creationId xmlns:a16="http://schemas.microsoft.com/office/drawing/2014/main" id="{C38C4F8E-119B-DB41-B512-E7049C2802BF}"/>
-              </a:ext>
-            </a:extLst>
-          </p:cNvPr>
-          <p:cNvSpPr>
-            <a:spLocks noGrp="1"/>
-          </p:cNvSpPr>
-          <p:nvPr>
-            <p:ph idx="1"/>
-          </p:nvPr>
-        </p:nvSpPr>
-        <p:spPr/>
-        <p:txBody>
-          <a:bodyPr/>
-          <a:lstStyle/>
-          <a:p>
-            <a:endParaRPr lang="en-US"/>
-          </a:p>
-        </p:txBody>
-      </p:sp>
-    </p:spTree>
-    <p:extLst>
-      <p:ext uri="{BB962C8B-B14F-4D97-AF65-F5344CB8AC3E}">
-        <p14:creationId xmlns:p14="http://schemas.microsoft.com/office/powerpoint/2010/main" val="3861955738"/>
-      </p:ext>
-    </p:extLst>
-  </p:cSld>
-  <p:clrMapOvr>
-    <a:masterClrMapping/>
-  </p:clrMapOvr>
-</p:sld>
-</file>
-
-<file path=ppt/slides/slide29.xml><?xml version="1.0" encoding="utf-8"?>
-<p:sld xmlns:a="http://schemas.openxmlformats.org/drawingml/2006/main" xmlns:r="http://schemas.openxmlformats.org/officeDocument/2006/relationships" xmlns:p="http://schemas.openxmlformats.org/presentationml/2006/main">
-  <p:cSld>
-    <p:spTree>
-      <p:nvGrpSpPr>
-        <p:cNvPr id="1" name=""/>
-        <p:cNvGrpSpPr/>
-        <p:nvPr/>
-      </p:nvGrpSpPr>
-      <p:grpSpPr>
-        <a:xfrm>
-          <a:off x="0" y="0"/>
-          <a:ext cx="0" cy="0"/>
-          <a:chOff x="0" y="0"/>
-          <a:chExt cx="0" cy="0"/>
-        </a:xfrm>
-      </p:grpSpPr>
-      <p:sp>
-        <p:nvSpPr>
-          <p:cNvPr id="2" name="Title 1">
-            <a:extLst>
-              <a:ext uri="{FF2B5EF4-FFF2-40B4-BE49-F238E27FC236}">
-                <a16:creationId xmlns:a16="http://schemas.microsoft.com/office/drawing/2014/main" id="{E558C09C-4426-9D49-84F6-AC0BE16A3315}"/>
-              </a:ext>
-            </a:extLst>
-          </p:cNvPr>
-          <p:cNvSpPr>
-            <a:spLocks noGrp="1"/>
-          </p:cNvSpPr>
-          <p:nvPr>
-            <p:ph type="title"/>
-          </p:nvPr>
-        </p:nvSpPr>
-        <p:spPr/>
-        <p:txBody>
-          <a:bodyPr/>
-          <a:lstStyle/>
-          <a:p>
-            <a:pPr algn="ctr"/>
-            <a:r>
-              <a:rPr lang="en-US" i="1" cap="none" dirty="0"/>
-              <a:t>Interpretations of Features in Classification Models</a:t>
-            </a:r>
-            <a:endParaRPr lang="en-US" dirty="0"/>
-          </a:p>
-        </p:txBody>
-      </p:sp>
-      <p:sp>
-        <p:nvSpPr>
-          <p:cNvPr id="3" name="Content Placeholder 2">
-            <a:extLst>
-              <a:ext uri="{FF2B5EF4-FFF2-40B4-BE49-F238E27FC236}">
-                <a16:creationId xmlns:a16="http://schemas.microsoft.com/office/drawing/2014/main" id="{7578F5C7-7667-D84C-B1FA-28BDCD106A51}"/>
-              </a:ext>
-            </a:extLst>
-          </p:cNvPr>
-          <p:cNvSpPr>
-            <a:spLocks noGrp="1"/>
-          </p:cNvSpPr>
-          <p:nvPr>
-            <p:ph idx="1"/>
-          </p:nvPr>
-        </p:nvSpPr>
-        <p:spPr/>
-        <p:txBody>
-          <a:bodyPr/>
-          <a:lstStyle/>
-          <a:p>
-            <a:r>
-              <a:rPr lang="en-US" dirty="0"/>
-              <a:t>School income </a:t>
-            </a:r>
-          </a:p>
-          <a:p>
-            <a:r>
-              <a:rPr lang="en-US" dirty="0"/>
-              <a:t>Longitude and latitude</a:t>
-            </a:r>
-          </a:p>
-          <a:p>
-            <a:r>
-              <a:rPr lang="en-US" dirty="0"/>
-              <a:t>Demographic</a:t>
-            </a:r>
-          </a:p>
-          <a:p>
-            <a:r>
-              <a:rPr lang="en-US" dirty="0"/>
-              <a:t>Economic Need Index </a:t>
-            </a:r>
-          </a:p>
-          <a:p>
-            <a:r>
-              <a:rPr lang="en-US" dirty="0"/>
-              <a:t>Support system and educational quality </a:t>
-            </a:r>
-          </a:p>
-          <a:p>
-            <a:r>
-              <a:rPr lang="en-US" dirty="0"/>
-              <a:t>Select cities tend to have more of an impact on student attendance than others</a:t>
-            </a:r>
-          </a:p>
-          <a:p>
-            <a:r>
-              <a:rPr lang="en-US" dirty="0"/>
-              <a:t>Percent of Students Chronically Absent" </a:t>
-            </a:r>
-          </a:p>
-          <a:p>
-            <a:r>
-              <a:rPr lang="en-US" dirty="0"/>
-              <a:t>Language and math proficiency</a:t>
-            </a:r>
-          </a:p>
-          <a:p>
-            <a:endParaRPr lang="en-US" dirty="0"/>
-          </a:p>
-        </p:txBody>
-      </p:sp>
-    </p:spTree>
-    <p:extLst>
-      <p:ext uri="{BB962C8B-B14F-4D97-AF65-F5344CB8AC3E}">
-        <p14:creationId xmlns:p14="http://schemas.microsoft.com/office/powerpoint/2010/main" val="2354942379"/>
+        <p14:creationId xmlns:p14="http://schemas.microsoft.com/office/powerpoint/2010/main" val="3080320006"/>
       </p:ext>
     </p:extLst>
   </p:cSld>
@@ -7943,348 +7927,6 @@
     <p:extLst>
       <p:ext uri="{BB962C8B-B14F-4D97-AF65-F5344CB8AC3E}">
         <p14:creationId xmlns:p14="http://schemas.microsoft.com/office/powerpoint/2010/main" val="506527757"/>
-      </p:ext>
-    </p:extLst>
-  </p:cSld>
-  <p:clrMapOvr>
-    <a:masterClrMapping/>
-  </p:clrMapOvr>
-</p:sld>
-</file>
-
-<file path=ppt/slides/slide30.xml><?xml version="1.0" encoding="utf-8"?>
-<p:sld xmlns:a="http://schemas.openxmlformats.org/drawingml/2006/main" xmlns:r="http://schemas.openxmlformats.org/officeDocument/2006/relationships" xmlns:p="http://schemas.openxmlformats.org/presentationml/2006/main">
-  <p:cSld>
-    <p:spTree>
-      <p:nvGrpSpPr>
-        <p:cNvPr id="1" name=""/>
-        <p:cNvGrpSpPr/>
-        <p:nvPr/>
-      </p:nvGrpSpPr>
-      <p:grpSpPr>
-        <a:xfrm>
-          <a:off x="0" y="0"/>
-          <a:ext cx="0" cy="0"/>
-          <a:chOff x="0" y="0"/>
-          <a:chExt cx="0" cy="0"/>
-        </a:xfrm>
-      </p:grpSpPr>
-      <p:sp>
-        <p:nvSpPr>
-          <p:cNvPr id="2" name="Title 1">
-            <a:extLst>
-              <a:ext uri="{FF2B5EF4-FFF2-40B4-BE49-F238E27FC236}">
-                <a16:creationId xmlns:a16="http://schemas.microsoft.com/office/drawing/2014/main" id="{0AE1244D-FE2D-3746-80A3-E164A57393DD}"/>
-              </a:ext>
-            </a:extLst>
-          </p:cNvPr>
-          <p:cNvSpPr>
-            <a:spLocks noGrp="1"/>
-          </p:cNvSpPr>
-          <p:nvPr>
-            <p:ph type="title"/>
-          </p:nvPr>
-        </p:nvSpPr>
-        <p:spPr/>
-        <p:txBody>
-          <a:bodyPr/>
-          <a:lstStyle/>
-          <a:p>
-            <a:pPr algn="ctr"/>
-            <a:r>
-              <a:rPr lang="en-US" i="1" cap="none" dirty="0"/>
-              <a:t>Biases and Weaknesses</a:t>
-            </a:r>
-          </a:p>
-        </p:txBody>
-      </p:sp>
-      <p:sp>
-        <p:nvSpPr>
-          <p:cNvPr id="3" name="Content Placeholder 2">
-            <a:extLst>
-              <a:ext uri="{FF2B5EF4-FFF2-40B4-BE49-F238E27FC236}">
-                <a16:creationId xmlns:a16="http://schemas.microsoft.com/office/drawing/2014/main" id="{DDAB466B-2859-3F42-9BDE-04288F77827E}"/>
-              </a:ext>
-            </a:extLst>
-          </p:cNvPr>
-          <p:cNvSpPr>
-            <a:spLocks noGrp="1"/>
-          </p:cNvSpPr>
-          <p:nvPr>
-            <p:ph idx="1"/>
-          </p:nvPr>
-        </p:nvSpPr>
-        <p:spPr>
-          <a:xfrm>
-            <a:off x="685801" y="2142067"/>
-            <a:ext cx="10131425" cy="4258733"/>
-          </a:xfrm>
-        </p:spPr>
-        <p:txBody>
-          <a:bodyPr>
-            <a:normAutofit fontScale="85000" lnSpcReduction="20000"/>
-          </a:bodyPr>
-          <a:lstStyle/>
-          <a:p>
-            <a:endParaRPr lang="en-US" dirty="0"/>
-          </a:p>
-          <a:p>
-            <a:r>
-              <a:rPr lang="en-US" dirty="0"/>
-              <a:t>I purposefully dropped over 100 columns of dummy variables that had extremely specific information on grade, demographic, certain test scores, etc. </a:t>
-            </a:r>
-          </a:p>
-          <a:p>
-            <a:r>
-              <a:rPr lang="en-US" dirty="0"/>
-              <a:t>Final Data set consisted of 790 rows of information. This isn't a very large data set.</a:t>
-            </a:r>
-          </a:p>
-          <a:p>
-            <a:r>
-              <a:rPr lang="en-US" dirty="0"/>
-              <a:t>Many of our predictor variables are districts, and cities. This makes our model very specific to New York. Thus it isn't a reliable model for other states.</a:t>
-            </a:r>
-          </a:p>
-          <a:p>
-            <a:r>
-              <a:rPr lang="en-US" dirty="0"/>
-              <a:t>Many of these variables look like their from surveys so there might be lots of bias in the questionnaires such as misreporting. These variables include "Supportive School Environment %" and "Trust %". It's not clear how PASSNYC described this data quantitatively and how they rated it. Furthermore, the variable is a bit obscure as we don't know how they defined an ambiguous term like "Trust".</a:t>
-            </a:r>
-          </a:p>
-          <a:p>
-            <a:r>
-              <a:rPr lang="en-US" dirty="0"/>
-              <a:t>The Economic Need Index variable is a black box rating system that PASSNYC derived to rate how much a given school needs external support. </a:t>
-            </a:r>
-          </a:p>
-          <a:p>
-            <a:r>
-              <a:rPr lang="en-US" dirty="0"/>
-              <a:t>We observe a few outliers in the distribution and scatterplot of the residual errors of the OLS model that require further investigation. However, overall the errors had a normal distribution and homogenous variance so the model seems reliable.</a:t>
-            </a:r>
-          </a:p>
-          <a:p>
-            <a:r>
-              <a:rPr lang="en-US" dirty="0"/>
-              <a:t>Type II errors</a:t>
-            </a:r>
-          </a:p>
-          <a:p>
-            <a:r>
-              <a:rPr lang="en-US" dirty="0"/>
-              <a:t>No cross-validation in Weak Learners classifier</a:t>
-            </a:r>
-          </a:p>
-          <a:p>
-            <a:endParaRPr lang="en-US" dirty="0"/>
-          </a:p>
-        </p:txBody>
-      </p:sp>
-    </p:spTree>
-    <p:extLst>
-      <p:ext uri="{BB962C8B-B14F-4D97-AF65-F5344CB8AC3E}">
-        <p14:creationId xmlns:p14="http://schemas.microsoft.com/office/powerpoint/2010/main" val="850957371"/>
-      </p:ext>
-    </p:extLst>
-  </p:cSld>
-  <p:clrMapOvr>
-    <a:masterClrMapping/>
-  </p:clrMapOvr>
-</p:sld>
-</file>
-
-<file path=ppt/slides/slide31.xml><?xml version="1.0" encoding="utf-8"?>
-<p:sld xmlns:a="http://schemas.openxmlformats.org/drawingml/2006/main" xmlns:r="http://schemas.openxmlformats.org/officeDocument/2006/relationships" xmlns:p="http://schemas.openxmlformats.org/presentationml/2006/main">
-  <p:cSld>
-    <p:spTree>
-      <p:nvGrpSpPr>
-        <p:cNvPr id="1" name=""/>
-        <p:cNvGrpSpPr/>
-        <p:nvPr/>
-      </p:nvGrpSpPr>
-      <p:grpSpPr>
-        <a:xfrm>
-          <a:off x="0" y="0"/>
-          <a:ext cx="0" cy="0"/>
-          <a:chOff x="0" y="0"/>
-          <a:chExt cx="0" cy="0"/>
-        </a:xfrm>
-      </p:grpSpPr>
-      <p:sp>
-        <p:nvSpPr>
-          <p:cNvPr id="2" name="Title 1">
-            <a:extLst>
-              <a:ext uri="{FF2B5EF4-FFF2-40B4-BE49-F238E27FC236}">
-                <a16:creationId xmlns:a16="http://schemas.microsoft.com/office/drawing/2014/main" id="{2EC70B15-CA6B-E949-85D0-3AFE1762E7A9}"/>
-              </a:ext>
-            </a:extLst>
-          </p:cNvPr>
-          <p:cNvSpPr>
-            <a:spLocks noGrp="1"/>
-          </p:cNvSpPr>
-          <p:nvPr>
-            <p:ph type="title"/>
-          </p:nvPr>
-        </p:nvSpPr>
-        <p:spPr/>
-        <p:txBody>
-          <a:bodyPr/>
-          <a:lstStyle/>
-          <a:p>
-            <a:pPr algn="ctr"/>
-            <a:r>
-              <a:rPr lang="en-US" i="1" cap="none" dirty="0"/>
-              <a:t>Improvements and Recommendations for Further Research</a:t>
-            </a:r>
-          </a:p>
-        </p:txBody>
-      </p:sp>
-      <p:sp>
-        <p:nvSpPr>
-          <p:cNvPr id="3" name="Content Placeholder 2">
-            <a:extLst>
-              <a:ext uri="{FF2B5EF4-FFF2-40B4-BE49-F238E27FC236}">
-                <a16:creationId xmlns:a16="http://schemas.microsoft.com/office/drawing/2014/main" id="{AFE4B53E-B00E-D14C-8127-4A185B4AACE6}"/>
-              </a:ext>
-            </a:extLst>
-          </p:cNvPr>
-          <p:cNvSpPr>
-            <a:spLocks noGrp="1"/>
-          </p:cNvSpPr>
-          <p:nvPr>
-            <p:ph idx="1"/>
-          </p:nvPr>
-        </p:nvSpPr>
-        <p:spPr/>
-        <p:txBody>
-          <a:bodyPr>
-            <a:normAutofit/>
-          </a:bodyPr>
-          <a:lstStyle/>
-          <a:p>
-            <a:r>
-              <a:rPr lang="en-US" dirty="0"/>
-              <a:t>In the future, we can improve data collection techniques when collecting specific information on a schools grade, demographic and test scores by ensuring that the information is completely filled out. At an administrative level schools can require the documentation of such information for research purposes. We could also ignore that information altogether, since the time and effort of collecting that information isn't worth the benefits.</a:t>
-            </a:r>
-          </a:p>
-          <a:p>
-            <a:r>
-              <a:rPr lang="en-US" dirty="0"/>
-              <a:t>Collect more information of school quality, income, community economic and health information, etc. which can be quantitatively interpretable in any region in the United States to make our model more reliable across the country. However the city and district specific information is also very important when considering specific regions or states, because problems vary from state to state and it would be bad to rely on a "one-color-fits-all" model.</a:t>
-            </a:r>
-          </a:p>
-          <a:p>
-            <a:r>
-              <a:rPr lang="en-US" dirty="0"/>
-              <a:t>Access to meta-data on methodology, term definitions, economic need index calculation and survey techniques.</a:t>
-            </a:r>
-          </a:p>
-        </p:txBody>
-      </p:sp>
-    </p:spTree>
-    <p:extLst>
-      <p:ext uri="{BB962C8B-B14F-4D97-AF65-F5344CB8AC3E}">
-        <p14:creationId xmlns:p14="http://schemas.microsoft.com/office/powerpoint/2010/main" val="3656124611"/>
-      </p:ext>
-    </p:extLst>
-  </p:cSld>
-  <p:clrMapOvr>
-    <a:masterClrMapping/>
-  </p:clrMapOvr>
-</p:sld>
-</file>
-
-<file path=ppt/slides/slide32.xml><?xml version="1.0" encoding="utf-8"?>
-<p:sld xmlns:a="http://schemas.openxmlformats.org/drawingml/2006/main" xmlns:r="http://schemas.openxmlformats.org/officeDocument/2006/relationships" xmlns:p="http://schemas.openxmlformats.org/presentationml/2006/main">
-  <p:cSld>
-    <p:spTree>
-      <p:nvGrpSpPr>
-        <p:cNvPr id="1" name=""/>
-        <p:cNvGrpSpPr/>
-        <p:nvPr/>
-      </p:nvGrpSpPr>
-      <p:grpSpPr>
-        <a:xfrm>
-          <a:off x="0" y="0"/>
-          <a:ext cx="0" cy="0"/>
-          <a:chOff x="0" y="0"/>
-          <a:chExt cx="0" cy="0"/>
-        </a:xfrm>
-      </p:grpSpPr>
-      <p:sp>
-        <p:nvSpPr>
-          <p:cNvPr id="2" name="Title 1">
-            <a:extLst>
-              <a:ext uri="{FF2B5EF4-FFF2-40B4-BE49-F238E27FC236}">
-                <a16:creationId xmlns:a16="http://schemas.microsoft.com/office/drawing/2014/main" id="{9F86F8C4-0857-314A-88AB-6E782FCE235E}"/>
-              </a:ext>
-            </a:extLst>
-          </p:cNvPr>
-          <p:cNvSpPr>
-            <a:spLocks noGrp="1"/>
-          </p:cNvSpPr>
-          <p:nvPr>
-            <p:ph type="title"/>
-          </p:nvPr>
-        </p:nvSpPr>
-        <p:spPr/>
-        <p:txBody>
-          <a:bodyPr/>
-          <a:lstStyle/>
-          <a:p>
-            <a:pPr algn="ctr"/>
-            <a:r>
-              <a:rPr lang="en-US" i="1" cap="none" dirty="0"/>
-              <a:t>References</a:t>
-            </a:r>
-          </a:p>
-        </p:txBody>
-      </p:sp>
-      <p:sp>
-        <p:nvSpPr>
-          <p:cNvPr id="3" name="Content Placeholder 2">
-            <a:extLst>
-              <a:ext uri="{FF2B5EF4-FFF2-40B4-BE49-F238E27FC236}">
-                <a16:creationId xmlns:a16="http://schemas.microsoft.com/office/drawing/2014/main" id="{BF7565C9-E65B-BD49-B89A-9028A0FFD516}"/>
-              </a:ext>
-            </a:extLst>
-          </p:cNvPr>
-          <p:cNvSpPr>
-            <a:spLocks noGrp="1"/>
-          </p:cNvSpPr>
-          <p:nvPr>
-            <p:ph idx="1"/>
-          </p:nvPr>
-        </p:nvSpPr>
-        <p:spPr/>
-        <p:txBody>
-          <a:bodyPr/>
-          <a:lstStyle/>
-          <a:p>
-            <a:pPr marL="0" indent="0" algn="ctr">
-              <a:buNone/>
-            </a:pPr>
-            <a:r>
-              <a:rPr lang="en-US" dirty="0">
-                <a:hlinkClick r:id="rId2"/>
-              </a:rPr>
-              <a:t>https://www.kaggle.com/passnyc/data-science-for-good</a:t>
-            </a:r>
-            <a:endParaRPr lang="en-US" dirty="0"/>
-          </a:p>
-          <a:p>
-            <a:pPr marL="0" indent="0" algn="ctr">
-              <a:buNone/>
-            </a:pPr>
-            <a:endParaRPr lang="en-US" dirty="0"/>
-          </a:p>
-        </p:txBody>
-      </p:sp>
-    </p:spTree>
-    <p:extLst>
-      <p:ext uri="{BB962C8B-B14F-4D97-AF65-F5344CB8AC3E}">
-        <p14:creationId xmlns:p14="http://schemas.microsoft.com/office/powerpoint/2010/main" val="3080320006"/>
       </p:ext>
     </p:extLst>
   </p:cSld>
@@ -8811,56 +8453,35 @@
           <a:chExt cx="0" cy="0"/>
         </a:xfrm>
       </p:grpSpPr>
-      <p:sp>
-        <p:nvSpPr>
-          <p:cNvPr id="2" name="Title 1">
+      <p:pic>
+        <p:nvPicPr>
+          <p:cNvPr id="5" name="Content Placeholder 4">
             <a:extLst>
               <a:ext uri="{FF2B5EF4-FFF2-40B4-BE49-F238E27FC236}">
-                <a16:creationId xmlns:a16="http://schemas.microsoft.com/office/drawing/2014/main" id="{C911C232-435E-EA4A-8D64-83B7DA327016}"/>
+                <a16:creationId xmlns:a16="http://schemas.microsoft.com/office/drawing/2014/main" id="{AE1D0094-8AA7-6449-AAA5-D1129E068033}"/>
               </a:ext>
             </a:extLst>
           </p:cNvPr>
-          <p:cNvSpPr>
-            <a:spLocks noGrp="1"/>
-          </p:cNvSpPr>
-          <p:nvPr>
-            <p:ph type="title"/>
-          </p:nvPr>
-        </p:nvSpPr>
-        <p:spPr/>
-        <p:txBody>
-          <a:bodyPr/>
-          <a:lstStyle/>
-          <a:p>
-            <a:endParaRPr lang="en-US"/>
-          </a:p>
-        </p:txBody>
-      </p:sp>
-      <p:sp>
-        <p:nvSpPr>
-          <p:cNvPr id="3" name="Content Placeholder 2">
-            <a:extLst>
-              <a:ext uri="{FF2B5EF4-FFF2-40B4-BE49-F238E27FC236}">
-                <a16:creationId xmlns:a16="http://schemas.microsoft.com/office/drawing/2014/main" id="{9A69B482-5FB6-C749-AA2F-73AECA10BB8C}"/>
-              </a:ext>
-            </a:extLst>
-          </p:cNvPr>
-          <p:cNvSpPr>
-            <a:spLocks noGrp="1"/>
-          </p:cNvSpPr>
+          <p:cNvPicPr>
+            <a:picLocks noGrp="1" noChangeAspect="1"/>
+          </p:cNvPicPr>
           <p:nvPr>
             <p:ph idx="1"/>
           </p:nvPr>
-        </p:nvSpPr>
-        <p:spPr/>
-        <p:txBody>
-          <a:bodyPr/>
-          <a:lstStyle/>
-          <a:p>
-            <a:endParaRPr lang="en-US"/>
-          </a:p>
-        </p:txBody>
-      </p:sp>
+        </p:nvPicPr>
+        <p:blipFill>
+          <a:blip r:embed="rId2"/>
+          <a:stretch>
+            <a:fillRect/>
+          </a:stretch>
+        </p:blipFill>
+        <p:spPr>
+          <a:xfrm>
+            <a:off x="1134534" y="21206"/>
+            <a:ext cx="9956800" cy="6836794"/>
+          </a:xfrm>
+        </p:spPr>
+      </p:pic>
     </p:spTree>
     <p:extLst>
       <p:ext uri="{BB962C8B-B14F-4D97-AF65-F5344CB8AC3E}">

--- a/Bootcamp/Unit 3 Deeper into Supervised Learning/Supervised Learning Capstone/data-science-for-good/PASSNYC Capstone Predicting Attendance .pptx
+++ b/Bootcamp/Unit 3 Deeper into Supervised Learning/Supervised Learning Capstone/data-science-for-good/PASSNYC Capstone Predicting Attendance .pptx
@@ -22,15 +22,16 @@
     <p:sldId id="267" r:id="rId16"/>
     <p:sldId id="278" r:id="rId17"/>
     <p:sldId id="285" r:id="rId18"/>
-    <p:sldId id="279" r:id="rId19"/>
-    <p:sldId id="280" r:id="rId20"/>
-    <p:sldId id="268" r:id="rId21"/>
-    <p:sldId id="269" r:id="rId22"/>
-    <p:sldId id="270" r:id="rId23"/>
-    <p:sldId id="281" r:id="rId24"/>
-    <p:sldId id="271" r:id="rId25"/>
-    <p:sldId id="272" r:id="rId26"/>
-    <p:sldId id="273" r:id="rId27"/>
+    <p:sldId id="286" r:id="rId19"/>
+    <p:sldId id="279" r:id="rId20"/>
+    <p:sldId id="280" r:id="rId21"/>
+    <p:sldId id="268" r:id="rId22"/>
+    <p:sldId id="269" r:id="rId23"/>
+    <p:sldId id="270" r:id="rId24"/>
+    <p:sldId id="281" r:id="rId25"/>
+    <p:sldId id="271" r:id="rId26"/>
+    <p:sldId id="272" r:id="rId27"/>
+    <p:sldId id="273" r:id="rId28"/>
   </p:sldIdLst>
   <p:sldSz cx="12192000" cy="6858000"/>
   <p:notesSz cx="6858000" cy="9144000"/>
@@ -6692,56 +6693,96 @@
           <a:chExt cx="0" cy="0"/>
         </a:xfrm>
       </p:grpSpPr>
-      <p:sp>
-        <p:nvSpPr>
-          <p:cNvPr id="2" name="Title 1">
+      <p:pic>
+        <p:nvPicPr>
+          <p:cNvPr id="5" name="Picture 4">
             <a:extLst>
               <a:ext uri="{FF2B5EF4-FFF2-40B4-BE49-F238E27FC236}">
-                <a16:creationId xmlns:a16="http://schemas.microsoft.com/office/drawing/2014/main" id="{D76FE92D-638B-8B43-95AE-8CCF1FF87C9F}"/>
+                <a16:creationId xmlns:a16="http://schemas.microsoft.com/office/drawing/2014/main" id="{9A4DEA9E-DFCF-3C4B-B94C-F3197BF38F36}"/>
               </a:ext>
             </a:extLst>
           </p:cNvPr>
-          <p:cNvSpPr>
-            <a:spLocks noGrp="1"/>
-          </p:cNvSpPr>
-          <p:nvPr>
-            <p:ph type="title"/>
-          </p:nvPr>
-        </p:nvSpPr>
-        <p:spPr/>
-        <p:txBody>
-          <a:bodyPr/>
-          <a:lstStyle/>
-          <a:p>
-            <a:endParaRPr lang="en-US"/>
-          </a:p>
-        </p:txBody>
-      </p:sp>
-      <p:sp>
-        <p:nvSpPr>
-          <p:cNvPr id="3" name="Content Placeholder 2">
+          <p:cNvPicPr>
+            <a:picLocks noChangeAspect="1"/>
+          </p:cNvPicPr>
+          <p:nvPr/>
+        </p:nvPicPr>
+        <p:blipFill>
+          <a:blip r:embed="rId2"/>
+          <a:stretch>
+            <a:fillRect/>
+          </a:stretch>
+        </p:blipFill>
+        <p:spPr>
+          <a:xfrm>
+            <a:off x="145156" y="1593487"/>
+            <a:ext cx="3506239" cy="3526218"/>
+          </a:xfrm>
+          <a:prstGeom prst="rect">
+            <a:avLst/>
+          </a:prstGeom>
+        </p:spPr>
+      </p:pic>
+      <p:pic>
+        <p:nvPicPr>
+          <p:cNvPr id="7" name="Picture 6">
             <a:extLst>
               <a:ext uri="{FF2B5EF4-FFF2-40B4-BE49-F238E27FC236}">
-                <a16:creationId xmlns:a16="http://schemas.microsoft.com/office/drawing/2014/main" id="{20A1FB86-D9AF-F54A-93C0-D566FC809B55}"/>
+                <a16:creationId xmlns:a16="http://schemas.microsoft.com/office/drawing/2014/main" id="{FDC373CF-2D3D-5A4E-9A79-CD93F85364E1}"/>
               </a:ext>
             </a:extLst>
           </p:cNvPr>
-          <p:cNvSpPr>
-            <a:spLocks noGrp="1"/>
-          </p:cNvSpPr>
-          <p:nvPr>
-            <p:ph idx="1"/>
-          </p:nvPr>
-        </p:nvSpPr>
-        <p:spPr/>
-        <p:txBody>
-          <a:bodyPr/>
-          <a:lstStyle/>
-          <a:p>
-            <a:endParaRPr lang="en-US"/>
-          </a:p>
-        </p:txBody>
-      </p:sp>
+          <p:cNvPicPr>
+            <a:picLocks noChangeAspect="1"/>
+          </p:cNvPicPr>
+          <p:nvPr/>
+        </p:nvPicPr>
+        <p:blipFill>
+          <a:blip r:embed="rId3"/>
+          <a:stretch>
+            <a:fillRect/>
+          </a:stretch>
+        </p:blipFill>
+        <p:spPr>
+          <a:xfrm>
+            <a:off x="4187045" y="1599574"/>
+            <a:ext cx="3450128" cy="3520131"/>
+          </a:xfrm>
+          <a:prstGeom prst="rect">
+            <a:avLst/>
+          </a:prstGeom>
+        </p:spPr>
+      </p:pic>
+      <p:pic>
+        <p:nvPicPr>
+          <p:cNvPr id="9" name="Picture 8">
+            <a:extLst>
+              <a:ext uri="{FF2B5EF4-FFF2-40B4-BE49-F238E27FC236}">
+                <a16:creationId xmlns:a16="http://schemas.microsoft.com/office/drawing/2014/main" id="{B85D6947-F415-5042-B3EC-5F65DB81DA59}"/>
+              </a:ext>
+            </a:extLst>
+          </p:cNvPr>
+          <p:cNvPicPr>
+            <a:picLocks noChangeAspect="1"/>
+          </p:cNvPicPr>
+          <p:nvPr/>
+        </p:nvPicPr>
+        <p:blipFill>
+          <a:blip r:embed="rId4"/>
+          <a:stretch>
+            <a:fillRect/>
+          </a:stretch>
+        </p:blipFill>
+        <p:spPr>
+          <a:xfrm>
+            <a:off x="8397026" y="1593487"/>
+            <a:ext cx="3581222" cy="3526218"/>
+          </a:xfrm>
+          <a:prstGeom prst="rect">
+            <a:avLst/>
+          </a:prstGeom>
+        </p:spPr>
+      </p:pic>
     </p:spTree>
     <p:extLst>
       <p:ext uri="{BB962C8B-B14F-4D97-AF65-F5344CB8AC3E}">
@@ -6772,6 +6813,36 @@
           <a:chExt cx="0" cy="0"/>
         </a:xfrm>
       </p:grpSpPr>
+    </p:spTree>
+    <p:extLst>
+      <p:ext uri="{BB962C8B-B14F-4D97-AF65-F5344CB8AC3E}">
+        <p14:creationId xmlns:p14="http://schemas.microsoft.com/office/powerpoint/2010/main" val="1199673059"/>
+      </p:ext>
+    </p:extLst>
+  </p:cSld>
+  <p:clrMapOvr>
+    <a:masterClrMapping/>
+  </p:clrMapOvr>
+</p:sld>
+</file>
+
+<file path=ppt/slides/slide19.xml><?xml version="1.0" encoding="utf-8"?>
+<p:sld xmlns:a="http://schemas.openxmlformats.org/drawingml/2006/main" xmlns:r="http://schemas.openxmlformats.org/officeDocument/2006/relationships" xmlns:p="http://schemas.openxmlformats.org/presentationml/2006/main">
+  <p:cSld>
+    <p:spTree>
+      <p:nvGrpSpPr>
+        <p:cNvPr id="1" name=""/>
+        <p:cNvGrpSpPr/>
+        <p:nvPr/>
+      </p:nvGrpSpPr>
+      <p:grpSpPr>
+        <a:xfrm>
+          <a:off x="0" y="0"/>
+          <a:ext cx="0" cy="0"/>
+          <a:chOff x="0" y="0"/>
+          <a:chExt cx="0" cy="0"/>
+        </a:xfrm>
+      </p:grpSpPr>
       <p:sp>
         <p:nvSpPr>
           <p:cNvPr id="2" name="Title 1">
@@ -6821,7 +6892,106 @@
 </p:sld>
 </file>
 
-<file path=ppt/slides/slide19.xml><?xml version="1.0" encoding="utf-8"?>
+<file path=ppt/slides/slide2.xml><?xml version="1.0" encoding="utf-8"?>
+<p:sld xmlns:a="http://schemas.openxmlformats.org/drawingml/2006/main" xmlns:r="http://schemas.openxmlformats.org/officeDocument/2006/relationships" xmlns:p="http://schemas.openxmlformats.org/presentationml/2006/main">
+  <p:cSld>
+    <p:spTree>
+      <p:nvGrpSpPr>
+        <p:cNvPr id="1" name=""/>
+        <p:cNvGrpSpPr/>
+        <p:nvPr/>
+      </p:nvGrpSpPr>
+      <p:grpSpPr>
+        <a:xfrm>
+          <a:off x="0" y="0"/>
+          <a:ext cx="0" cy="0"/>
+          <a:chOff x="0" y="0"/>
+          <a:chExt cx="0" cy="0"/>
+        </a:xfrm>
+      </p:grpSpPr>
+      <p:sp>
+        <p:nvSpPr>
+          <p:cNvPr id="2" name="Title 1">
+            <a:extLst>
+              <a:ext uri="{FF2B5EF4-FFF2-40B4-BE49-F238E27FC236}">
+                <a16:creationId xmlns:a16="http://schemas.microsoft.com/office/drawing/2014/main" id="{AE134967-8954-FC48-8512-EA91495A94AF}"/>
+              </a:ext>
+            </a:extLst>
+          </p:cNvPr>
+          <p:cNvSpPr>
+            <a:spLocks noGrp="1"/>
+          </p:cNvSpPr>
+          <p:nvPr>
+            <p:ph type="title"/>
+          </p:nvPr>
+        </p:nvSpPr>
+        <p:spPr/>
+        <p:txBody>
+          <a:bodyPr/>
+          <a:lstStyle/>
+          <a:p>
+            <a:pPr algn="ctr"/>
+            <a:r>
+              <a:rPr lang="en-US" i="1" cap="none" dirty="0"/>
+              <a:t>What is PASSNYC?</a:t>
+            </a:r>
+          </a:p>
+        </p:txBody>
+      </p:sp>
+      <p:sp>
+        <p:nvSpPr>
+          <p:cNvPr id="3" name="Content Placeholder 2">
+            <a:extLst>
+              <a:ext uri="{FF2B5EF4-FFF2-40B4-BE49-F238E27FC236}">
+                <a16:creationId xmlns:a16="http://schemas.microsoft.com/office/drawing/2014/main" id="{E3A8C40F-788C-534D-A51B-237674A1F51B}"/>
+              </a:ext>
+            </a:extLst>
+          </p:cNvPr>
+          <p:cNvSpPr>
+            <a:spLocks noGrp="1"/>
+          </p:cNvSpPr>
+          <p:nvPr>
+            <p:ph idx="1"/>
+          </p:nvPr>
+        </p:nvSpPr>
+        <p:spPr/>
+        <p:txBody>
+          <a:bodyPr/>
+          <a:lstStyle/>
+          <a:p>
+            <a:r>
+              <a:rPr lang="en-US" dirty="0"/>
+              <a:t>PASSNYC is a non profit organization that facilitates the provision of educational services to talented individuals at underserved schools in New York.</a:t>
+            </a:r>
+          </a:p>
+          <a:p>
+            <a:r>
+              <a:rPr lang="en-US" dirty="0"/>
+              <a:t>PASSNYC researches how to develop more paths for talented students to register in the SHSAT for placement in specialized schools.</a:t>
+            </a:r>
+          </a:p>
+          <a:p>
+            <a:r>
+              <a:rPr lang="en-US" dirty="0"/>
+              <a:t>PASSNYC and their partners develop outreach programs to under privileged schools to improve educational opportunity and increase placement in specialized schools.</a:t>
+            </a:r>
+          </a:p>
+        </p:txBody>
+      </p:sp>
+    </p:spTree>
+    <p:extLst>
+      <p:ext uri="{BB962C8B-B14F-4D97-AF65-F5344CB8AC3E}">
+        <p14:creationId xmlns:p14="http://schemas.microsoft.com/office/powerpoint/2010/main" val="1659312958"/>
+      </p:ext>
+    </p:extLst>
+  </p:cSld>
+  <p:clrMapOvr>
+    <a:masterClrMapping/>
+  </p:clrMapOvr>
+</p:sld>
+</file>
+
+<file path=ppt/slides/slide20.xml><?xml version="1.0" encoding="utf-8"?>
 <p:sld xmlns:a="http://schemas.openxmlformats.org/drawingml/2006/main" xmlns:r="http://schemas.openxmlformats.org/officeDocument/2006/relationships" xmlns:p="http://schemas.openxmlformats.org/presentationml/2006/main">
   <p:cSld>
     <p:spTree>
@@ -6951,201 +7121,6 @@
 </p:sld>
 </file>
 
-<file path=ppt/slides/slide2.xml><?xml version="1.0" encoding="utf-8"?>
-<p:sld xmlns:a="http://schemas.openxmlformats.org/drawingml/2006/main" xmlns:r="http://schemas.openxmlformats.org/officeDocument/2006/relationships" xmlns:p="http://schemas.openxmlformats.org/presentationml/2006/main">
-  <p:cSld>
-    <p:spTree>
-      <p:nvGrpSpPr>
-        <p:cNvPr id="1" name=""/>
-        <p:cNvGrpSpPr/>
-        <p:nvPr/>
-      </p:nvGrpSpPr>
-      <p:grpSpPr>
-        <a:xfrm>
-          <a:off x="0" y="0"/>
-          <a:ext cx="0" cy="0"/>
-          <a:chOff x="0" y="0"/>
-          <a:chExt cx="0" cy="0"/>
-        </a:xfrm>
-      </p:grpSpPr>
-      <p:sp>
-        <p:nvSpPr>
-          <p:cNvPr id="2" name="Title 1">
-            <a:extLst>
-              <a:ext uri="{FF2B5EF4-FFF2-40B4-BE49-F238E27FC236}">
-                <a16:creationId xmlns:a16="http://schemas.microsoft.com/office/drawing/2014/main" id="{AE134967-8954-FC48-8512-EA91495A94AF}"/>
-              </a:ext>
-            </a:extLst>
-          </p:cNvPr>
-          <p:cNvSpPr>
-            <a:spLocks noGrp="1"/>
-          </p:cNvSpPr>
-          <p:nvPr>
-            <p:ph type="title"/>
-          </p:nvPr>
-        </p:nvSpPr>
-        <p:spPr/>
-        <p:txBody>
-          <a:bodyPr/>
-          <a:lstStyle/>
-          <a:p>
-            <a:pPr algn="ctr"/>
-            <a:r>
-              <a:rPr lang="en-US" i="1" cap="none" dirty="0"/>
-              <a:t>What is PASSNYC?</a:t>
-            </a:r>
-          </a:p>
-        </p:txBody>
-      </p:sp>
-      <p:sp>
-        <p:nvSpPr>
-          <p:cNvPr id="3" name="Content Placeholder 2">
-            <a:extLst>
-              <a:ext uri="{FF2B5EF4-FFF2-40B4-BE49-F238E27FC236}">
-                <a16:creationId xmlns:a16="http://schemas.microsoft.com/office/drawing/2014/main" id="{E3A8C40F-788C-534D-A51B-237674A1F51B}"/>
-              </a:ext>
-            </a:extLst>
-          </p:cNvPr>
-          <p:cNvSpPr>
-            <a:spLocks noGrp="1"/>
-          </p:cNvSpPr>
-          <p:nvPr>
-            <p:ph idx="1"/>
-          </p:nvPr>
-        </p:nvSpPr>
-        <p:spPr/>
-        <p:txBody>
-          <a:bodyPr/>
-          <a:lstStyle/>
-          <a:p>
-            <a:r>
-              <a:rPr lang="en-US" dirty="0"/>
-              <a:t>PASSNYC is a non profit organization that facilitates the provision of educational services to talented individuals at underserved schools in New York.</a:t>
-            </a:r>
-          </a:p>
-          <a:p>
-            <a:r>
-              <a:rPr lang="en-US" dirty="0"/>
-              <a:t>PASSNYC researches how to develop more paths for talented students to register in the SHSAT for placement in specialized schools.</a:t>
-            </a:r>
-          </a:p>
-          <a:p>
-            <a:r>
-              <a:rPr lang="en-US" dirty="0"/>
-              <a:t>PASSNYC and their partners develop outreach programs to under privileged schools to improve educational opportunity and increase placement in specialized schools.</a:t>
-            </a:r>
-          </a:p>
-        </p:txBody>
-      </p:sp>
-    </p:spTree>
-    <p:extLst>
-      <p:ext uri="{BB962C8B-B14F-4D97-AF65-F5344CB8AC3E}">
-        <p14:creationId xmlns:p14="http://schemas.microsoft.com/office/powerpoint/2010/main" val="1659312958"/>
-      </p:ext>
-    </p:extLst>
-  </p:cSld>
-  <p:clrMapOvr>
-    <a:masterClrMapping/>
-  </p:clrMapOvr>
-</p:sld>
-</file>
-
-<file path=ppt/slides/slide20.xml><?xml version="1.0" encoding="utf-8"?>
-<p:sld xmlns:a="http://schemas.openxmlformats.org/drawingml/2006/main" xmlns:r="http://schemas.openxmlformats.org/officeDocument/2006/relationships" xmlns:p="http://schemas.openxmlformats.org/presentationml/2006/main">
-  <p:cSld>
-    <p:spTree>
-      <p:nvGrpSpPr>
-        <p:cNvPr id="1" name=""/>
-        <p:cNvGrpSpPr/>
-        <p:nvPr/>
-      </p:nvGrpSpPr>
-      <p:grpSpPr>
-        <a:xfrm>
-          <a:off x="0" y="0"/>
-          <a:ext cx="0" cy="0"/>
-          <a:chOff x="0" y="0"/>
-          <a:chExt cx="0" cy="0"/>
-        </a:xfrm>
-      </p:grpSpPr>
-      <p:sp>
-        <p:nvSpPr>
-          <p:cNvPr id="2" name="Title 1">
-            <a:extLst>
-              <a:ext uri="{FF2B5EF4-FFF2-40B4-BE49-F238E27FC236}">
-                <a16:creationId xmlns:a16="http://schemas.microsoft.com/office/drawing/2014/main" id="{F9A784D3-4AA3-E842-BF97-CC11DF9342E0}"/>
-              </a:ext>
-            </a:extLst>
-          </p:cNvPr>
-          <p:cNvSpPr>
-            <a:spLocks noGrp="1"/>
-          </p:cNvSpPr>
-          <p:nvPr>
-            <p:ph type="title"/>
-          </p:nvPr>
-        </p:nvSpPr>
-        <p:spPr/>
-        <p:txBody>
-          <a:bodyPr/>
-          <a:lstStyle/>
-          <a:p>
-            <a:pPr algn="ctr"/>
-            <a:r>
-              <a:rPr lang="en-US" i="1" cap="none" dirty="0"/>
-              <a:t>Gradient Boosted Classifier Model</a:t>
-            </a:r>
-          </a:p>
-        </p:txBody>
-      </p:sp>
-      <p:sp>
-        <p:nvSpPr>
-          <p:cNvPr id="3" name="Content Placeholder 2">
-            <a:extLst>
-              <a:ext uri="{FF2B5EF4-FFF2-40B4-BE49-F238E27FC236}">
-                <a16:creationId xmlns:a16="http://schemas.microsoft.com/office/drawing/2014/main" id="{74EBAA50-D83D-F543-81BB-F68E5EC25098}"/>
-              </a:ext>
-            </a:extLst>
-          </p:cNvPr>
-          <p:cNvSpPr>
-            <a:spLocks noGrp="1"/>
-          </p:cNvSpPr>
-          <p:nvPr>
-            <p:ph idx="1"/>
-          </p:nvPr>
-        </p:nvSpPr>
-        <p:spPr/>
-        <p:txBody>
-          <a:bodyPr/>
-          <a:lstStyle/>
-          <a:p>
-            <a:r>
-              <a:rPr lang="en-US" dirty="0"/>
-              <a:t>The Weak Learners model has extremely high predictive power at 98.10%. </a:t>
-            </a:r>
-          </a:p>
-          <a:p>
-            <a:r>
-              <a:rPr lang="en-US" dirty="0"/>
-              <a:t>0% Type I error as our model correctly identifies all cases in which attendance rate is "good" (is 1) and 4.6%  Type II error indicating that it incorrectly predicts that a school has a "good" attendance rate is only 4.6% of the time.</a:t>
-            </a:r>
-          </a:p>
-          <a:p>
-            <a:endParaRPr lang="en-US" dirty="0"/>
-          </a:p>
-        </p:txBody>
-      </p:sp>
-    </p:spTree>
-    <p:extLst>
-      <p:ext uri="{BB962C8B-B14F-4D97-AF65-F5344CB8AC3E}">
-        <p14:creationId xmlns:p14="http://schemas.microsoft.com/office/powerpoint/2010/main" val="1695039748"/>
-      </p:ext>
-    </p:extLst>
-  </p:cSld>
-  <p:clrMapOvr>
-    <a:masterClrMapping/>
-  </p:clrMapOvr>
-</p:sld>
-</file>
-
 <file path=ppt/slides/slide21.xml><?xml version="1.0" encoding="utf-8"?>
 <p:sld xmlns:a="http://schemas.openxmlformats.org/drawingml/2006/main" xmlns:r="http://schemas.openxmlformats.org/officeDocument/2006/relationships" xmlns:p="http://schemas.openxmlformats.org/presentationml/2006/main">
   <p:cSld>
@@ -7168,6 +7143,102 @@
           <p:cNvPr id="2" name="Title 1">
             <a:extLst>
               <a:ext uri="{FF2B5EF4-FFF2-40B4-BE49-F238E27FC236}">
+                <a16:creationId xmlns:a16="http://schemas.microsoft.com/office/drawing/2014/main" id="{F9A784D3-4AA3-E842-BF97-CC11DF9342E0}"/>
+              </a:ext>
+            </a:extLst>
+          </p:cNvPr>
+          <p:cNvSpPr>
+            <a:spLocks noGrp="1"/>
+          </p:cNvSpPr>
+          <p:nvPr>
+            <p:ph type="title"/>
+          </p:nvPr>
+        </p:nvSpPr>
+        <p:spPr/>
+        <p:txBody>
+          <a:bodyPr/>
+          <a:lstStyle/>
+          <a:p>
+            <a:pPr algn="ctr"/>
+            <a:r>
+              <a:rPr lang="en-US" i="1" cap="none" dirty="0"/>
+              <a:t>Gradient Boosted Classifier Model</a:t>
+            </a:r>
+          </a:p>
+        </p:txBody>
+      </p:sp>
+      <p:sp>
+        <p:nvSpPr>
+          <p:cNvPr id="3" name="Content Placeholder 2">
+            <a:extLst>
+              <a:ext uri="{FF2B5EF4-FFF2-40B4-BE49-F238E27FC236}">
+                <a16:creationId xmlns:a16="http://schemas.microsoft.com/office/drawing/2014/main" id="{74EBAA50-D83D-F543-81BB-F68E5EC25098}"/>
+              </a:ext>
+            </a:extLst>
+          </p:cNvPr>
+          <p:cNvSpPr>
+            <a:spLocks noGrp="1"/>
+          </p:cNvSpPr>
+          <p:nvPr>
+            <p:ph idx="1"/>
+          </p:nvPr>
+        </p:nvSpPr>
+        <p:spPr/>
+        <p:txBody>
+          <a:bodyPr/>
+          <a:lstStyle/>
+          <a:p>
+            <a:r>
+              <a:rPr lang="en-US" dirty="0"/>
+              <a:t>The Weak Learners model has extremely high predictive power at 98.10%. </a:t>
+            </a:r>
+          </a:p>
+          <a:p>
+            <a:r>
+              <a:rPr lang="en-US" dirty="0"/>
+              <a:t>0% Type I error as our model correctly identifies all cases in which attendance rate is "good" (is 1) and 4.6%  Type II error indicating that it incorrectly predicts that a school has a "good" attendance rate is only 4.6% of the time.</a:t>
+            </a:r>
+          </a:p>
+          <a:p>
+            <a:endParaRPr lang="en-US" dirty="0"/>
+          </a:p>
+        </p:txBody>
+      </p:sp>
+    </p:spTree>
+    <p:extLst>
+      <p:ext uri="{BB962C8B-B14F-4D97-AF65-F5344CB8AC3E}">
+        <p14:creationId xmlns:p14="http://schemas.microsoft.com/office/powerpoint/2010/main" val="1695039748"/>
+      </p:ext>
+    </p:extLst>
+  </p:cSld>
+  <p:clrMapOvr>
+    <a:masterClrMapping/>
+  </p:clrMapOvr>
+</p:sld>
+</file>
+
+<file path=ppt/slides/slide22.xml><?xml version="1.0" encoding="utf-8"?>
+<p:sld xmlns:a="http://schemas.openxmlformats.org/drawingml/2006/main" xmlns:r="http://schemas.openxmlformats.org/officeDocument/2006/relationships" xmlns:p="http://schemas.openxmlformats.org/presentationml/2006/main">
+  <p:cSld>
+    <p:spTree>
+      <p:nvGrpSpPr>
+        <p:cNvPr id="1" name=""/>
+        <p:cNvGrpSpPr/>
+        <p:nvPr/>
+      </p:nvGrpSpPr>
+      <p:grpSpPr>
+        <a:xfrm>
+          <a:off x="0" y="0"/>
+          <a:ext cx="0" cy="0"/>
+          <a:chOff x="0" y="0"/>
+          <a:chExt cx="0" cy="0"/>
+        </a:xfrm>
+      </p:grpSpPr>
+      <p:sp>
+        <p:nvSpPr>
+          <p:cNvPr id="2" name="Title 1">
+            <a:extLst>
+              <a:ext uri="{FF2B5EF4-FFF2-40B4-BE49-F238E27FC236}">
                 <a16:creationId xmlns:a16="http://schemas.microsoft.com/office/drawing/2014/main" id="{2BB46D81-02BB-6940-863A-C797DF9E6121}"/>
               </a:ext>
             </a:extLst>
@@ -7239,7 +7310,7 @@
 </p:sld>
 </file>
 
-<file path=ppt/slides/slide22.xml><?xml version="1.0" encoding="utf-8"?>
+<file path=ppt/slides/slide23.xml><?xml version="1.0" encoding="utf-8"?>
 <p:sld xmlns:a="http://schemas.openxmlformats.org/drawingml/2006/main" xmlns:r="http://schemas.openxmlformats.org/officeDocument/2006/relationships" xmlns:p="http://schemas.openxmlformats.org/presentationml/2006/main">
   <p:cSld>
     <p:spTree>
@@ -7362,139 +7433,6 @@
 </p:sld>
 </file>
 
-<file path=ppt/slides/slide23.xml><?xml version="1.0" encoding="utf-8"?>
-<p:sld xmlns:a="http://schemas.openxmlformats.org/drawingml/2006/main" xmlns:r="http://schemas.openxmlformats.org/officeDocument/2006/relationships" xmlns:p="http://schemas.openxmlformats.org/presentationml/2006/main">
-  <p:cSld>
-    <p:spTree>
-      <p:nvGrpSpPr>
-        <p:cNvPr id="1" name=""/>
-        <p:cNvGrpSpPr/>
-        <p:nvPr/>
-      </p:nvGrpSpPr>
-      <p:grpSpPr>
-        <a:xfrm>
-          <a:off x="0" y="0"/>
-          <a:ext cx="0" cy="0"/>
-          <a:chOff x="0" y="0"/>
-          <a:chExt cx="0" cy="0"/>
-        </a:xfrm>
-      </p:grpSpPr>
-      <p:sp>
-        <p:nvSpPr>
-          <p:cNvPr id="2" name="Title 1">
-            <a:extLst>
-              <a:ext uri="{FF2B5EF4-FFF2-40B4-BE49-F238E27FC236}">
-                <a16:creationId xmlns:a16="http://schemas.microsoft.com/office/drawing/2014/main" id="{E558C09C-4426-9D49-84F6-AC0BE16A3315}"/>
-              </a:ext>
-            </a:extLst>
-          </p:cNvPr>
-          <p:cNvSpPr>
-            <a:spLocks noGrp="1"/>
-          </p:cNvSpPr>
-          <p:nvPr>
-            <p:ph type="title"/>
-          </p:nvPr>
-        </p:nvSpPr>
-        <p:spPr/>
-        <p:txBody>
-          <a:bodyPr/>
-          <a:lstStyle/>
-          <a:p>
-            <a:pPr algn="ctr"/>
-            <a:r>
-              <a:rPr lang="en-US" i="1" cap="none" dirty="0"/>
-              <a:t>Important Factors related to Attendance Rate</a:t>
-            </a:r>
-            <a:endParaRPr lang="en-US" dirty="0"/>
-          </a:p>
-        </p:txBody>
-      </p:sp>
-      <p:sp>
-        <p:nvSpPr>
-          <p:cNvPr id="3" name="Content Placeholder 2">
-            <a:extLst>
-              <a:ext uri="{FF2B5EF4-FFF2-40B4-BE49-F238E27FC236}">
-                <a16:creationId xmlns:a16="http://schemas.microsoft.com/office/drawing/2014/main" id="{7578F5C7-7667-D84C-B1FA-28BDCD106A51}"/>
-              </a:ext>
-            </a:extLst>
-          </p:cNvPr>
-          <p:cNvSpPr>
-            <a:spLocks noGrp="1"/>
-          </p:cNvSpPr>
-          <p:nvPr>
-            <p:ph idx="1"/>
-          </p:nvPr>
-        </p:nvSpPr>
-        <p:spPr/>
-        <p:txBody>
-          <a:bodyPr/>
-          <a:lstStyle/>
-          <a:p>
-            <a:r>
-              <a:rPr lang="en-US" dirty="0"/>
-              <a:t>School income </a:t>
-            </a:r>
-          </a:p>
-          <a:p>
-            <a:r>
-              <a:rPr lang="en-US" dirty="0"/>
-              <a:t>Longitude and latitude</a:t>
-            </a:r>
-          </a:p>
-          <a:p>
-            <a:r>
-              <a:rPr lang="en-US" dirty="0"/>
-              <a:t>Demographic</a:t>
-            </a:r>
-          </a:p>
-          <a:p>
-            <a:r>
-              <a:rPr lang="en-US" dirty="0"/>
-              <a:t>Economic Need Index </a:t>
-            </a:r>
-          </a:p>
-          <a:p>
-            <a:r>
-              <a:rPr lang="en-US" dirty="0"/>
-              <a:t>Support system and educational quality </a:t>
-            </a:r>
-          </a:p>
-          <a:p>
-            <a:r>
-              <a:rPr lang="en-US" dirty="0"/>
-              <a:t>Select cities tend to have more of an impact on student attendance than others</a:t>
-            </a:r>
-          </a:p>
-          <a:p>
-            <a:r>
-              <a:rPr lang="en-US" dirty="0"/>
-              <a:t>Percent of Students Chronically Absent" </a:t>
-            </a:r>
-          </a:p>
-          <a:p>
-            <a:r>
-              <a:rPr lang="en-US" dirty="0"/>
-              <a:t>Language and math proficiency</a:t>
-            </a:r>
-          </a:p>
-          <a:p>
-            <a:endParaRPr lang="en-US" dirty="0"/>
-          </a:p>
-        </p:txBody>
-      </p:sp>
-    </p:spTree>
-    <p:extLst>
-      <p:ext uri="{BB962C8B-B14F-4D97-AF65-F5344CB8AC3E}">
-        <p14:creationId xmlns:p14="http://schemas.microsoft.com/office/powerpoint/2010/main" val="2354942379"/>
-      </p:ext>
-    </p:extLst>
-  </p:cSld>
-  <p:clrMapOvr>
-    <a:masterClrMapping/>
-  </p:clrMapOvr>
-</p:sld>
-</file>
-
 <file path=ppt/slides/slide24.xml><?xml version="1.0" encoding="utf-8"?>
 <p:sld xmlns:a="http://schemas.openxmlformats.org/drawingml/2006/main" xmlns:r="http://schemas.openxmlformats.org/officeDocument/2006/relationships" xmlns:p="http://schemas.openxmlformats.org/presentationml/2006/main">
   <p:cSld>
@@ -7517,7 +7455,7 @@
           <p:cNvPr id="2" name="Title 1">
             <a:extLst>
               <a:ext uri="{FF2B5EF4-FFF2-40B4-BE49-F238E27FC236}">
-                <a16:creationId xmlns:a16="http://schemas.microsoft.com/office/drawing/2014/main" id="{0AE1244D-FE2D-3746-80A3-E164A57393DD}"/>
+                <a16:creationId xmlns:a16="http://schemas.microsoft.com/office/drawing/2014/main" id="{E558C09C-4426-9D49-84F6-AC0BE16A3315}"/>
               </a:ext>
             </a:extLst>
           </p:cNvPr>
@@ -7536,8 +7474,9 @@
             <a:pPr algn="ctr"/>
             <a:r>
               <a:rPr lang="en-US" i="1" cap="none" dirty="0"/>
-              <a:t>Biases and Weaknesses</a:t>
-            </a:r>
+              <a:t>Important Factors related to Attendance Rate</a:t>
+            </a:r>
+            <a:endParaRPr lang="en-US" dirty="0"/>
           </a:p>
         </p:txBody>
       </p:sp>
@@ -7546,7 +7485,7 @@
           <p:cNvPr id="3" name="Content Placeholder 2">
             <a:extLst>
               <a:ext uri="{FF2B5EF4-FFF2-40B4-BE49-F238E27FC236}">
-                <a16:creationId xmlns:a16="http://schemas.microsoft.com/office/drawing/2014/main" id="{DDAB466B-2859-3F42-9BDE-04288F77827E}"/>
+                <a16:creationId xmlns:a16="http://schemas.microsoft.com/office/drawing/2014/main" id="{7578F5C7-7667-D84C-B1FA-28BDCD106A51}"/>
               </a:ext>
             </a:extLst>
           </p:cNvPr>
@@ -7557,66 +7496,56 @@
             <p:ph idx="1"/>
           </p:nvPr>
         </p:nvSpPr>
-        <p:spPr>
-          <a:xfrm>
-            <a:off x="685801" y="2142067"/>
-            <a:ext cx="10131425" cy="4258733"/>
-          </a:xfrm>
-        </p:spPr>
-        <p:txBody>
-          <a:bodyPr>
-            <a:normAutofit fontScale="85000" lnSpcReduction="20000"/>
-          </a:bodyPr>
-          <a:lstStyle/>
-          <a:p>
-            <a:endParaRPr lang="en-US" dirty="0"/>
-          </a:p>
-          <a:p>
-            <a:r>
-              <a:rPr lang="en-US" dirty="0"/>
-              <a:t>I purposefully dropped over 100 columns of dummy variables that had extremely specific information on grade, demographic, certain test scores, etc. </a:t>
-            </a:r>
-          </a:p>
-          <a:p>
-            <a:r>
-              <a:rPr lang="en-US" dirty="0"/>
-              <a:t>Final Data set consisted of 790 rows of information. This isn't a very large data set.</a:t>
-            </a:r>
-          </a:p>
-          <a:p>
-            <a:r>
-              <a:rPr lang="en-US" dirty="0"/>
-              <a:t>Many of our predictor variables are districts, and cities. This makes our model very specific to New York. Thus it isn't a reliable model for other states.</a:t>
-            </a:r>
-          </a:p>
-          <a:p>
-            <a:r>
-              <a:rPr lang="en-US" dirty="0"/>
-              <a:t>Many of these variables look like their from surveys so there might be lots of bias in the questionnaires such as misreporting. These variables include "Supportive School Environment %" and "Trust %". It's not clear how PASSNYC described this data quantitatively and how they rated it. Furthermore, the variable is a bit obscure as we don't know how they defined an ambiguous term like "Trust".</a:t>
-            </a:r>
-          </a:p>
-          <a:p>
-            <a:r>
-              <a:rPr lang="en-US" dirty="0"/>
-              <a:t>The Economic Need Index variable is a black box rating system that PASSNYC derived to rate how much a given school needs external support. </a:t>
-            </a:r>
-          </a:p>
-          <a:p>
-            <a:r>
-              <a:rPr lang="en-US" dirty="0"/>
-              <a:t>We observe a few outliers in the distribution and scatterplot of the residual errors of the OLS model that require further investigation. However, overall the errors had a normal distribution and homogenous variance so the model seems reliable.</a:t>
-            </a:r>
-          </a:p>
-          <a:p>
-            <a:r>
-              <a:rPr lang="en-US" dirty="0"/>
-              <a:t>Type II errors</a:t>
-            </a:r>
-          </a:p>
-          <a:p>
-            <a:r>
-              <a:rPr lang="en-US" dirty="0"/>
-              <a:t>No cross-validation in Weak Learners classifier</a:t>
+        <p:spPr/>
+        <p:txBody>
+          <a:bodyPr/>
+          <a:lstStyle/>
+          <a:p>
+            <a:r>
+              <a:rPr lang="en-US" dirty="0"/>
+              <a:t>School income </a:t>
+            </a:r>
+          </a:p>
+          <a:p>
+            <a:r>
+              <a:rPr lang="en-US" dirty="0"/>
+              <a:t>Longitude and latitude</a:t>
+            </a:r>
+          </a:p>
+          <a:p>
+            <a:r>
+              <a:rPr lang="en-US" dirty="0"/>
+              <a:t>Demographic</a:t>
+            </a:r>
+          </a:p>
+          <a:p>
+            <a:r>
+              <a:rPr lang="en-US" dirty="0"/>
+              <a:t>Economic Need Index </a:t>
+            </a:r>
+          </a:p>
+          <a:p>
+            <a:r>
+              <a:rPr lang="en-US" dirty="0"/>
+              <a:t>Support system and educational quality </a:t>
+            </a:r>
+          </a:p>
+          <a:p>
+            <a:r>
+              <a:rPr lang="en-US" dirty="0"/>
+              <a:t>Select cities tend to have more of an impact on student attendance than others</a:t>
+            </a:r>
+          </a:p>
+          <a:p>
+            <a:r>
+              <a:rPr lang="en-US" dirty="0"/>
+              <a:t>Percent of Students Chronically Absent" </a:t>
+            </a:r>
+          </a:p>
+          <a:p>
+            <a:r>
+              <a:rPr lang="en-US" dirty="0"/>
+              <a:t>Language and math proficiency</a:t>
             </a:r>
           </a:p>
           <a:p>
@@ -7627,7 +7556,7 @@
     </p:spTree>
     <p:extLst>
       <p:ext uri="{BB962C8B-B14F-4D97-AF65-F5344CB8AC3E}">
-        <p14:creationId xmlns:p14="http://schemas.microsoft.com/office/powerpoint/2010/main" val="850957371"/>
+        <p14:creationId xmlns:p14="http://schemas.microsoft.com/office/powerpoint/2010/main" val="2354942379"/>
       </p:ext>
     </p:extLst>
   </p:cSld>
@@ -7659,6 +7588,148 @@
           <p:cNvPr id="2" name="Title 1">
             <a:extLst>
               <a:ext uri="{FF2B5EF4-FFF2-40B4-BE49-F238E27FC236}">
+                <a16:creationId xmlns:a16="http://schemas.microsoft.com/office/drawing/2014/main" id="{0AE1244D-FE2D-3746-80A3-E164A57393DD}"/>
+              </a:ext>
+            </a:extLst>
+          </p:cNvPr>
+          <p:cNvSpPr>
+            <a:spLocks noGrp="1"/>
+          </p:cNvSpPr>
+          <p:nvPr>
+            <p:ph type="title"/>
+          </p:nvPr>
+        </p:nvSpPr>
+        <p:spPr/>
+        <p:txBody>
+          <a:bodyPr/>
+          <a:lstStyle/>
+          <a:p>
+            <a:pPr algn="ctr"/>
+            <a:r>
+              <a:rPr lang="en-US" i="1" cap="none" dirty="0"/>
+              <a:t>Biases and Weaknesses</a:t>
+            </a:r>
+          </a:p>
+        </p:txBody>
+      </p:sp>
+      <p:sp>
+        <p:nvSpPr>
+          <p:cNvPr id="3" name="Content Placeholder 2">
+            <a:extLst>
+              <a:ext uri="{FF2B5EF4-FFF2-40B4-BE49-F238E27FC236}">
+                <a16:creationId xmlns:a16="http://schemas.microsoft.com/office/drawing/2014/main" id="{DDAB466B-2859-3F42-9BDE-04288F77827E}"/>
+              </a:ext>
+            </a:extLst>
+          </p:cNvPr>
+          <p:cNvSpPr>
+            <a:spLocks noGrp="1"/>
+          </p:cNvSpPr>
+          <p:nvPr>
+            <p:ph idx="1"/>
+          </p:nvPr>
+        </p:nvSpPr>
+        <p:spPr>
+          <a:xfrm>
+            <a:off x="685801" y="2142067"/>
+            <a:ext cx="10131425" cy="4258733"/>
+          </a:xfrm>
+        </p:spPr>
+        <p:txBody>
+          <a:bodyPr>
+            <a:normAutofit fontScale="85000" lnSpcReduction="20000"/>
+          </a:bodyPr>
+          <a:lstStyle/>
+          <a:p>
+            <a:endParaRPr lang="en-US" dirty="0"/>
+          </a:p>
+          <a:p>
+            <a:r>
+              <a:rPr lang="en-US" dirty="0"/>
+              <a:t>I purposefully dropped over 100 columns of dummy variables that had extremely specific information on grade, demographic, certain test scores, etc. </a:t>
+            </a:r>
+          </a:p>
+          <a:p>
+            <a:r>
+              <a:rPr lang="en-US" dirty="0"/>
+              <a:t>Final Data set consisted of 790 rows of information. This isn't a very large data set.</a:t>
+            </a:r>
+          </a:p>
+          <a:p>
+            <a:r>
+              <a:rPr lang="en-US" dirty="0"/>
+              <a:t>Many of our predictor variables are districts, and cities. This makes our model very specific to New York. Thus it isn't a reliable model for other states.</a:t>
+            </a:r>
+          </a:p>
+          <a:p>
+            <a:r>
+              <a:rPr lang="en-US" dirty="0"/>
+              <a:t>Many of these variables look like their from surveys so there might be lots of bias in the questionnaires such as misreporting. These variables include "Supportive School Environment %" and "Trust %". It's not clear how PASSNYC described this data quantitatively and how they rated it. Furthermore, the variable is a bit obscure as we don't know how they defined an ambiguous term like "Trust".</a:t>
+            </a:r>
+          </a:p>
+          <a:p>
+            <a:r>
+              <a:rPr lang="en-US" dirty="0"/>
+              <a:t>The Economic Need Index variable is a black box rating system that PASSNYC derived to rate how much a given school needs external support. </a:t>
+            </a:r>
+          </a:p>
+          <a:p>
+            <a:r>
+              <a:rPr lang="en-US" dirty="0"/>
+              <a:t>We observe a few outliers in the distribution and scatterplot of the residual errors of the OLS model that require further investigation. However, overall the errors had a normal distribution and homogenous variance so the model seems reliable.</a:t>
+            </a:r>
+          </a:p>
+          <a:p>
+            <a:r>
+              <a:rPr lang="en-US" dirty="0"/>
+              <a:t>Type II errors</a:t>
+            </a:r>
+          </a:p>
+          <a:p>
+            <a:r>
+              <a:rPr lang="en-US" dirty="0"/>
+              <a:t>No cross-validation in Weak Learners classifier</a:t>
+            </a:r>
+          </a:p>
+          <a:p>
+            <a:endParaRPr lang="en-US" dirty="0"/>
+          </a:p>
+        </p:txBody>
+      </p:sp>
+    </p:spTree>
+    <p:extLst>
+      <p:ext uri="{BB962C8B-B14F-4D97-AF65-F5344CB8AC3E}">
+        <p14:creationId xmlns:p14="http://schemas.microsoft.com/office/powerpoint/2010/main" val="850957371"/>
+      </p:ext>
+    </p:extLst>
+  </p:cSld>
+  <p:clrMapOvr>
+    <a:masterClrMapping/>
+  </p:clrMapOvr>
+</p:sld>
+</file>
+
+<file path=ppt/slides/slide26.xml><?xml version="1.0" encoding="utf-8"?>
+<p:sld xmlns:a="http://schemas.openxmlformats.org/drawingml/2006/main" xmlns:r="http://schemas.openxmlformats.org/officeDocument/2006/relationships" xmlns:p="http://schemas.openxmlformats.org/presentationml/2006/main">
+  <p:cSld>
+    <p:spTree>
+      <p:nvGrpSpPr>
+        <p:cNvPr id="1" name=""/>
+        <p:cNvGrpSpPr/>
+        <p:nvPr/>
+      </p:nvGrpSpPr>
+      <p:grpSpPr>
+        <a:xfrm>
+          <a:off x="0" y="0"/>
+          <a:ext cx="0" cy="0"/>
+          <a:chOff x="0" y="0"/>
+          <a:chExt cx="0" cy="0"/>
+        </a:xfrm>
+      </p:grpSpPr>
+      <p:sp>
+        <p:nvSpPr>
+          <p:cNvPr id="2" name="Title 1">
+            <a:extLst>
+              <a:ext uri="{FF2B5EF4-FFF2-40B4-BE49-F238E27FC236}">
                 <a16:creationId xmlns:a16="http://schemas.microsoft.com/office/drawing/2014/main" id="{2EC70B15-CA6B-E949-85D0-3AFE1762E7A9}"/>
               </a:ext>
             </a:extLst>
@@ -7738,7 +7809,7 @@
 </p:sld>
 </file>
 
-<file path=ppt/slides/slide26.xml><?xml version="1.0" encoding="utf-8"?>
+<file path=ppt/slides/slide27.xml><?xml version="1.0" encoding="utf-8"?>
 <p:sld xmlns:a="http://schemas.openxmlformats.org/drawingml/2006/main" xmlns:r="http://schemas.openxmlformats.org/officeDocument/2006/relationships" xmlns:p="http://schemas.openxmlformats.org/presentationml/2006/main">
   <p:cSld>
     <p:spTree>

--- a/Bootcamp/Unit 3 Deeper into Supervised Learning/Supervised Learning Capstone/data-science-for-good/PASSNYC Capstone Predicting Attendance .pptx
+++ b/Bootcamp/Unit 3 Deeper into Supervised Learning/Supervised Learning Capstone/data-science-for-good/PASSNYC Capstone Predicting Attendance .pptx
@@ -29,9 +29,10 @@
     <p:sldId id="269" r:id="rId23"/>
     <p:sldId id="270" r:id="rId24"/>
     <p:sldId id="281" r:id="rId25"/>
-    <p:sldId id="271" r:id="rId26"/>
-    <p:sldId id="272" r:id="rId27"/>
-    <p:sldId id="273" r:id="rId28"/>
+    <p:sldId id="287" r:id="rId26"/>
+    <p:sldId id="271" r:id="rId27"/>
+    <p:sldId id="272" r:id="rId28"/>
+    <p:sldId id="273" r:id="rId29"/>
   </p:sldIdLst>
   <p:sldSz cx="12192000" cy="6858000"/>
   <p:notesSz cx="6858000" cy="9144000"/>
@@ -368,7 +369,7 @@
             <a:fld id="{B61BEF0D-F0BB-DE4B-95CE-6DB70DBA9567}" type="datetimeFigureOut">
               <a:rPr lang="en-US" dirty="0"/>
               <a:pPr/>
-              <a:t>10/24/18</a:t>
+              <a:t>10/27/18</a:t>
             </a:fld>
             <a:endParaRPr lang="en-US" dirty="0"/>
           </a:p>
@@ -699,7 +700,7 @@
             <a:fld id="{B61BEF0D-F0BB-DE4B-95CE-6DB70DBA9567}" type="datetimeFigureOut">
               <a:rPr lang="en-US" dirty="0"/>
               <a:pPr/>
-              <a:t>10/24/18</a:t>
+              <a:t>10/27/18</a:t>
             </a:fld>
             <a:endParaRPr lang="en-US" dirty="0"/>
           </a:p>
@@ -974,7 +975,7 @@
             <a:fld id="{B61BEF0D-F0BB-DE4B-95CE-6DB70DBA9567}" type="datetimeFigureOut">
               <a:rPr lang="en-US" dirty="0"/>
               <a:pPr/>
-              <a:t>10/24/18</a:t>
+              <a:t>10/27/18</a:t>
             </a:fld>
             <a:endParaRPr lang="en-US" dirty="0"/>
           </a:p>
@@ -1539,7 +1540,7 @@
             <a:fld id="{B61BEF0D-F0BB-DE4B-95CE-6DB70DBA9567}" type="datetimeFigureOut">
               <a:rPr lang="en-US" dirty="0"/>
               <a:pPr/>
-              <a:t>10/24/18</a:t>
+              <a:t>10/27/18</a:t>
             </a:fld>
             <a:endParaRPr lang="en-US" dirty="0"/>
           </a:p>
@@ -1814,7 +1815,7 @@
             <a:fld id="{B61BEF0D-F0BB-DE4B-95CE-6DB70DBA9567}" type="datetimeFigureOut">
               <a:rPr lang="en-US" dirty="0"/>
               <a:pPr/>
-              <a:t>10/24/18</a:t>
+              <a:t>10/27/18</a:t>
             </a:fld>
             <a:endParaRPr lang="en-US" dirty="0"/>
           </a:p>
@@ -2373,7 +2374,7 @@
             <a:fld id="{B61BEF0D-F0BB-DE4B-95CE-6DB70DBA9567}" type="datetimeFigureOut">
               <a:rPr lang="en-US" dirty="0"/>
               <a:pPr/>
-              <a:t>10/24/18</a:t>
+              <a:t>10/27/18</a:t>
             </a:fld>
             <a:endParaRPr lang="en-US" dirty="0"/>
           </a:p>
@@ -2697,7 +2698,7 @@
             <a:fld id="{B61BEF0D-F0BB-DE4B-95CE-6DB70DBA9567}" type="datetimeFigureOut">
               <a:rPr lang="en-US" dirty="0"/>
               <a:pPr/>
-              <a:t>10/24/18</a:t>
+              <a:t>10/27/18</a:t>
             </a:fld>
             <a:endParaRPr lang="en-US" dirty="0"/>
           </a:p>
@@ -2871,7 +2872,7 @@
             <a:fld id="{B61BEF0D-F0BB-DE4B-95CE-6DB70DBA9567}" type="datetimeFigureOut">
               <a:rPr lang="en-US" dirty="0"/>
               <a:pPr/>
-              <a:t>10/24/18</a:t>
+              <a:t>10/27/18</a:t>
             </a:fld>
             <a:endParaRPr lang="en-US" dirty="0"/>
           </a:p>
@@ -3106,7 +3107,7 @@
             <a:fld id="{B61BEF0D-F0BB-DE4B-95CE-6DB70DBA9567}" type="datetimeFigureOut">
               <a:rPr lang="en-US" dirty="0"/>
               <a:pPr/>
-              <a:t>10/24/18</a:t>
+              <a:t>10/27/18</a:t>
             </a:fld>
             <a:endParaRPr lang="en-US" dirty="0"/>
           </a:p>
@@ -3303,7 +3304,7 @@
             <a:fld id="{B61BEF0D-F0BB-DE4B-95CE-6DB70DBA9567}" type="datetimeFigureOut">
               <a:rPr lang="en-US" dirty="0"/>
               <a:pPr/>
-              <a:t>10/24/18</a:t>
+              <a:t>10/27/18</a:t>
             </a:fld>
             <a:endParaRPr lang="en-US" dirty="0"/>
           </a:p>
@@ -3576,7 +3577,7 @@
             <a:fld id="{B61BEF0D-F0BB-DE4B-95CE-6DB70DBA9567}" type="datetimeFigureOut">
               <a:rPr lang="en-US" dirty="0"/>
               <a:pPr/>
-              <a:t>10/24/18</a:t>
+              <a:t>10/27/18</a:t>
             </a:fld>
             <a:endParaRPr lang="en-US" dirty="0"/>
           </a:p>
@@ -3839,7 +3840,7 @@
             <a:fld id="{B61BEF0D-F0BB-DE4B-95CE-6DB70DBA9567}" type="datetimeFigureOut">
               <a:rPr lang="en-US" dirty="0"/>
               <a:pPr/>
-              <a:t>10/24/18</a:t>
+              <a:t>10/27/18</a:t>
             </a:fld>
             <a:endParaRPr lang="en-US" dirty="0"/>
           </a:p>
@@ -4210,7 +4211,7 @@
             <a:fld id="{B61BEF0D-F0BB-DE4B-95CE-6DB70DBA9567}" type="datetimeFigureOut">
               <a:rPr lang="en-US" dirty="0"/>
               <a:pPr/>
-              <a:t>10/24/18</a:t>
+              <a:t>10/27/18</a:t>
             </a:fld>
             <a:endParaRPr lang="en-US" dirty="0"/>
           </a:p>
@@ -4355,7 +4356,7 @@
             <a:fld id="{B61BEF0D-F0BB-DE4B-95CE-6DB70DBA9567}" type="datetimeFigureOut">
               <a:rPr lang="en-US" dirty="0"/>
               <a:pPr/>
-              <a:t>10/24/18</a:t>
+              <a:t>10/27/18</a:t>
             </a:fld>
             <a:endParaRPr lang="en-US" dirty="0"/>
           </a:p>
@@ -4477,7 +4478,7 @@
             <a:fld id="{B61BEF0D-F0BB-DE4B-95CE-6DB70DBA9567}" type="datetimeFigureOut">
               <a:rPr lang="en-US" dirty="0"/>
               <a:pPr/>
-              <a:t>10/24/18</a:t>
+              <a:t>10/27/18</a:t>
             </a:fld>
             <a:endParaRPr lang="en-US" dirty="0"/>
           </a:p>
@@ -4759,7 +4760,7 @@
             <a:fld id="{B61BEF0D-F0BB-DE4B-95CE-6DB70DBA9567}" type="datetimeFigureOut">
               <a:rPr lang="en-US" dirty="0"/>
               <a:pPr/>
-              <a:t>10/24/18</a:t>
+              <a:t>10/27/18</a:t>
             </a:fld>
             <a:endParaRPr lang="en-US" dirty="0"/>
           </a:p>
@@ -5080,7 +5081,7 @@
             <a:fld id="{B61BEF0D-F0BB-DE4B-95CE-6DB70DBA9567}" type="datetimeFigureOut">
               <a:rPr lang="en-US" dirty="0"/>
               <a:pPr/>
-              <a:t>10/24/18</a:t>
+              <a:t>10/27/18</a:t>
             </a:fld>
             <a:endParaRPr lang="en-US" dirty="0"/>
           </a:p>
@@ -5291,7 +5292,7 @@
             <a:fld id="{B61BEF0D-F0BB-DE4B-95CE-6DB70DBA9567}" type="datetimeFigureOut">
               <a:rPr lang="en-US" dirty="0"/>
               <a:pPr/>
-              <a:t>10/24/18</a:t>
+              <a:t>10/27/18</a:t>
             </a:fld>
             <a:endParaRPr lang="en-US" dirty="0"/>
           </a:p>
@@ -6813,6 +6814,36 @@
           <a:chExt cx="0" cy="0"/>
         </a:xfrm>
       </p:grpSpPr>
+      <p:pic>
+        <p:nvPicPr>
+          <p:cNvPr id="3" name="Picture 2">
+            <a:extLst>
+              <a:ext uri="{FF2B5EF4-FFF2-40B4-BE49-F238E27FC236}">
+                <a16:creationId xmlns:a16="http://schemas.microsoft.com/office/drawing/2014/main" id="{930AA063-C06B-5649-BF59-1A308D3AE1C3}"/>
+              </a:ext>
+            </a:extLst>
+          </p:cNvPr>
+          <p:cNvPicPr>
+            <a:picLocks noChangeAspect="1"/>
+          </p:cNvPicPr>
+          <p:nvPr/>
+        </p:nvPicPr>
+        <p:blipFill>
+          <a:blip r:embed="rId2"/>
+          <a:stretch>
+            <a:fillRect/>
+          </a:stretch>
+        </p:blipFill>
+        <p:spPr>
+          <a:xfrm>
+            <a:off x="3480605" y="1187450"/>
+            <a:ext cx="4432300" cy="4483100"/>
+          </a:xfrm>
+          <a:prstGeom prst="rect">
+            <a:avLst/>
+          </a:prstGeom>
+        </p:spPr>
+      </p:pic>
     </p:spTree>
     <p:extLst>
       <p:ext uri="{BB962C8B-B14F-4D97-AF65-F5344CB8AC3E}">
@@ -7583,122 +7614,40 @@
           <a:chExt cx="0" cy="0"/>
         </a:xfrm>
       </p:grpSpPr>
-      <p:sp>
-        <p:nvSpPr>
-          <p:cNvPr id="2" name="Title 1">
+      <p:pic>
+        <p:nvPicPr>
+          <p:cNvPr id="5" name="Picture 4">
             <a:extLst>
               <a:ext uri="{FF2B5EF4-FFF2-40B4-BE49-F238E27FC236}">
-                <a16:creationId xmlns:a16="http://schemas.microsoft.com/office/drawing/2014/main" id="{0AE1244D-FE2D-3746-80A3-E164A57393DD}"/>
+                <a16:creationId xmlns:a16="http://schemas.microsoft.com/office/drawing/2014/main" id="{EC906814-F7BC-A447-A281-BB40537C70DE}"/>
               </a:ext>
             </a:extLst>
           </p:cNvPr>
-          <p:cNvSpPr>
-            <a:spLocks noGrp="1"/>
-          </p:cNvSpPr>
-          <p:nvPr>
-            <p:ph type="title"/>
-          </p:nvPr>
-        </p:nvSpPr>
-        <p:spPr/>
-        <p:txBody>
-          <a:bodyPr/>
-          <a:lstStyle/>
-          <a:p>
-            <a:pPr algn="ctr"/>
-            <a:r>
-              <a:rPr lang="en-US" i="1" cap="none" dirty="0"/>
-              <a:t>Biases and Weaknesses</a:t>
-            </a:r>
-          </a:p>
-        </p:txBody>
-      </p:sp>
-      <p:sp>
-        <p:nvSpPr>
-          <p:cNvPr id="3" name="Content Placeholder 2">
-            <a:extLst>
-              <a:ext uri="{FF2B5EF4-FFF2-40B4-BE49-F238E27FC236}">
-                <a16:creationId xmlns:a16="http://schemas.microsoft.com/office/drawing/2014/main" id="{DDAB466B-2859-3F42-9BDE-04288F77827E}"/>
-              </a:ext>
-            </a:extLst>
-          </p:cNvPr>
-          <p:cNvSpPr>
-            <a:spLocks noGrp="1"/>
-          </p:cNvSpPr>
-          <p:nvPr>
-            <p:ph idx="1"/>
-          </p:nvPr>
-        </p:nvSpPr>
+          <p:cNvPicPr>
+            <a:picLocks noChangeAspect="1"/>
+          </p:cNvPicPr>
+          <p:nvPr/>
+        </p:nvPicPr>
+        <p:blipFill>
+          <a:blip r:embed="rId2"/>
+          <a:stretch>
+            <a:fillRect/>
+          </a:stretch>
+        </p:blipFill>
         <p:spPr>
           <a:xfrm>
-            <a:off x="685801" y="2142067"/>
-            <a:ext cx="10131425" cy="4258733"/>
+            <a:off x="2705100" y="260350"/>
+            <a:ext cx="6781800" cy="6337300"/>
           </a:xfrm>
+          <a:prstGeom prst="rect">
+            <a:avLst/>
+          </a:prstGeom>
         </p:spPr>
-        <p:txBody>
-          <a:bodyPr>
-            <a:normAutofit fontScale="85000" lnSpcReduction="20000"/>
-          </a:bodyPr>
-          <a:lstStyle/>
-          <a:p>
-            <a:endParaRPr lang="en-US" dirty="0"/>
-          </a:p>
-          <a:p>
-            <a:r>
-              <a:rPr lang="en-US" dirty="0"/>
-              <a:t>I purposefully dropped over 100 columns of dummy variables that had extremely specific information on grade, demographic, certain test scores, etc. </a:t>
-            </a:r>
-          </a:p>
-          <a:p>
-            <a:r>
-              <a:rPr lang="en-US" dirty="0"/>
-              <a:t>Final Data set consisted of 790 rows of information. This isn't a very large data set.</a:t>
-            </a:r>
-          </a:p>
-          <a:p>
-            <a:r>
-              <a:rPr lang="en-US" dirty="0"/>
-              <a:t>Many of our predictor variables are districts, and cities. This makes our model very specific to New York. Thus it isn't a reliable model for other states.</a:t>
-            </a:r>
-          </a:p>
-          <a:p>
-            <a:r>
-              <a:rPr lang="en-US" dirty="0"/>
-              <a:t>Many of these variables look like their from surveys so there might be lots of bias in the questionnaires such as misreporting. These variables include "Supportive School Environment %" and "Trust %". It's not clear how PASSNYC described this data quantitatively and how they rated it. Furthermore, the variable is a bit obscure as we don't know how they defined an ambiguous term like "Trust".</a:t>
-            </a:r>
-          </a:p>
-          <a:p>
-            <a:r>
-              <a:rPr lang="en-US" dirty="0"/>
-              <a:t>The Economic Need Index variable is a black box rating system that PASSNYC derived to rate how much a given school needs external support. </a:t>
-            </a:r>
-          </a:p>
-          <a:p>
-            <a:r>
-              <a:rPr lang="en-US" dirty="0"/>
-              <a:t>We observe a few outliers in the distribution and scatterplot of the residual errors of the OLS model that require further investigation. However, overall the errors had a normal distribution and homogenous variance so the model seems reliable.</a:t>
-            </a:r>
-          </a:p>
-          <a:p>
-            <a:r>
-              <a:rPr lang="en-US" dirty="0"/>
-              <a:t>Type II errors</a:t>
-            </a:r>
-          </a:p>
-          <a:p>
-            <a:r>
-              <a:rPr lang="en-US" dirty="0"/>
-              <a:t>No cross-validation in Weak Learners classifier</a:t>
-            </a:r>
-          </a:p>
-          <a:p>
-            <a:endParaRPr lang="en-US" dirty="0"/>
-          </a:p>
-        </p:txBody>
-      </p:sp>
+      </p:pic>
     </p:spTree>
     <p:extLst>
       <p:ext uri="{BB962C8B-B14F-4D97-AF65-F5344CB8AC3E}">
-        <p14:creationId xmlns:p14="http://schemas.microsoft.com/office/powerpoint/2010/main" val="850957371"/>
+        <p14:creationId xmlns:p14="http://schemas.microsoft.com/office/powerpoint/2010/main" val="3473198567"/>
       </p:ext>
     </p:extLst>
   </p:cSld>
@@ -7730,6 +7679,148 @@
           <p:cNvPr id="2" name="Title 1">
             <a:extLst>
               <a:ext uri="{FF2B5EF4-FFF2-40B4-BE49-F238E27FC236}">
+                <a16:creationId xmlns:a16="http://schemas.microsoft.com/office/drawing/2014/main" id="{0AE1244D-FE2D-3746-80A3-E164A57393DD}"/>
+              </a:ext>
+            </a:extLst>
+          </p:cNvPr>
+          <p:cNvSpPr>
+            <a:spLocks noGrp="1"/>
+          </p:cNvSpPr>
+          <p:nvPr>
+            <p:ph type="title"/>
+          </p:nvPr>
+        </p:nvSpPr>
+        <p:spPr/>
+        <p:txBody>
+          <a:bodyPr/>
+          <a:lstStyle/>
+          <a:p>
+            <a:pPr algn="ctr"/>
+            <a:r>
+              <a:rPr lang="en-US" i="1" cap="none" dirty="0"/>
+              <a:t>Biases and Weaknesses</a:t>
+            </a:r>
+          </a:p>
+        </p:txBody>
+      </p:sp>
+      <p:sp>
+        <p:nvSpPr>
+          <p:cNvPr id="3" name="Content Placeholder 2">
+            <a:extLst>
+              <a:ext uri="{FF2B5EF4-FFF2-40B4-BE49-F238E27FC236}">
+                <a16:creationId xmlns:a16="http://schemas.microsoft.com/office/drawing/2014/main" id="{DDAB466B-2859-3F42-9BDE-04288F77827E}"/>
+              </a:ext>
+            </a:extLst>
+          </p:cNvPr>
+          <p:cNvSpPr>
+            <a:spLocks noGrp="1"/>
+          </p:cNvSpPr>
+          <p:nvPr>
+            <p:ph idx="1"/>
+          </p:nvPr>
+        </p:nvSpPr>
+        <p:spPr>
+          <a:xfrm>
+            <a:off x="685801" y="2142067"/>
+            <a:ext cx="10131425" cy="4258733"/>
+          </a:xfrm>
+        </p:spPr>
+        <p:txBody>
+          <a:bodyPr>
+            <a:normAutofit fontScale="85000" lnSpcReduction="20000"/>
+          </a:bodyPr>
+          <a:lstStyle/>
+          <a:p>
+            <a:endParaRPr lang="en-US" dirty="0"/>
+          </a:p>
+          <a:p>
+            <a:r>
+              <a:rPr lang="en-US" dirty="0"/>
+              <a:t>I purposefully dropped over 100 columns of dummy variables that had extremely specific information on grade, demographic, certain test scores, etc. </a:t>
+            </a:r>
+          </a:p>
+          <a:p>
+            <a:r>
+              <a:rPr lang="en-US" dirty="0"/>
+              <a:t>Final Data set consisted of 790 rows of information. This isn't a very large data set.</a:t>
+            </a:r>
+          </a:p>
+          <a:p>
+            <a:r>
+              <a:rPr lang="en-US" dirty="0"/>
+              <a:t>Many of our predictor variables are districts, and cities. This makes our model very specific to New York. Thus it isn't a reliable model for other states.</a:t>
+            </a:r>
+          </a:p>
+          <a:p>
+            <a:r>
+              <a:rPr lang="en-US" dirty="0"/>
+              <a:t>Many of these variables look like their from surveys so there might be lots of bias in the questionnaires such as misreporting. These variables include "Supportive School Environment %" and "Trust %". It's not clear how PASSNYC described this data quantitatively and how they rated it. Furthermore, the variable is a bit obscure as we don't know how they defined an ambiguous term like "Trust".</a:t>
+            </a:r>
+          </a:p>
+          <a:p>
+            <a:r>
+              <a:rPr lang="en-US" dirty="0"/>
+              <a:t>The Economic Need Index variable is a black box rating system that PASSNYC derived to rate how much a given school needs external support. </a:t>
+            </a:r>
+          </a:p>
+          <a:p>
+            <a:r>
+              <a:rPr lang="en-US" dirty="0"/>
+              <a:t>We observe a few outliers in the distribution and scatterplot of the residual errors of the OLS model that require further investigation. However, overall the errors had a normal distribution and homogenous variance so the model seems reliable.</a:t>
+            </a:r>
+          </a:p>
+          <a:p>
+            <a:r>
+              <a:rPr lang="en-US" dirty="0"/>
+              <a:t>Type II errors</a:t>
+            </a:r>
+          </a:p>
+          <a:p>
+            <a:r>
+              <a:rPr lang="en-US" dirty="0"/>
+              <a:t>No cross-validation in Weak Learners classifier</a:t>
+            </a:r>
+          </a:p>
+          <a:p>
+            <a:endParaRPr lang="en-US" dirty="0"/>
+          </a:p>
+        </p:txBody>
+      </p:sp>
+    </p:spTree>
+    <p:extLst>
+      <p:ext uri="{BB962C8B-B14F-4D97-AF65-F5344CB8AC3E}">
+        <p14:creationId xmlns:p14="http://schemas.microsoft.com/office/powerpoint/2010/main" val="850957371"/>
+      </p:ext>
+    </p:extLst>
+  </p:cSld>
+  <p:clrMapOvr>
+    <a:masterClrMapping/>
+  </p:clrMapOvr>
+</p:sld>
+</file>
+
+<file path=ppt/slides/slide27.xml><?xml version="1.0" encoding="utf-8"?>
+<p:sld xmlns:a="http://schemas.openxmlformats.org/drawingml/2006/main" xmlns:r="http://schemas.openxmlformats.org/officeDocument/2006/relationships" xmlns:p="http://schemas.openxmlformats.org/presentationml/2006/main">
+  <p:cSld>
+    <p:spTree>
+      <p:nvGrpSpPr>
+        <p:cNvPr id="1" name=""/>
+        <p:cNvGrpSpPr/>
+        <p:nvPr/>
+      </p:nvGrpSpPr>
+      <p:grpSpPr>
+        <a:xfrm>
+          <a:off x="0" y="0"/>
+          <a:ext cx="0" cy="0"/>
+          <a:chOff x="0" y="0"/>
+          <a:chExt cx="0" cy="0"/>
+        </a:xfrm>
+      </p:grpSpPr>
+      <p:sp>
+        <p:nvSpPr>
+          <p:cNvPr id="2" name="Title 1">
+            <a:extLst>
+              <a:ext uri="{FF2B5EF4-FFF2-40B4-BE49-F238E27FC236}">
                 <a16:creationId xmlns:a16="http://schemas.microsoft.com/office/drawing/2014/main" id="{2EC70B15-CA6B-E949-85D0-3AFE1762E7A9}"/>
               </a:ext>
             </a:extLst>
@@ -7809,7 +7900,7 @@
 </p:sld>
 </file>
 
-<file path=ppt/slides/slide27.xml><?xml version="1.0" encoding="utf-8"?>
+<file path=ppt/slides/slide28.xml><?xml version="1.0" encoding="utf-8"?>
 <p:sld xmlns:a="http://schemas.openxmlformats.org/drawingml/2006/main" xmlns:r="http://schemas.openxmlformats.org/officeDocument/2006/relationships" xmlns:p="http://schemas.openxmlformats.org/presentationml/2006/main">
   <p:cSld>
     <p:spTree>

--- a/Bootcamp/Unit 3 Deeper into Supervised Learning/Supervised Learning Capstone/data-science-for-good/PASSNYC Capstone Predicting Attendance .pptx
+++ b/Bootcamp/Unit 3 Deeper into Supervised Learning/Supervised Learning Capstone/data-science-for-good/PASSNYC Capstone Predicting Attendance .pptx
@@ -369,7 +369,7 @@
             <a:fld id="{B61BEF0D-F0BB-DE4B-95CE-6DB70DBA9567}" type="datetimeFigureOut">
               <a:rPr lang="en-US" dirty="0"/>
               <a:pPr/>
-              <a:t>10/27/18</a:t>
+              <a:t>10/29/18</a:t>
             </a:fld>
             <a:endParaRPr lang="en-US" dirty="0"/>
           </a:p>
@@ -700,7 +700,7 @@
             <a:fld id="{B61BEF0D-F0BB-DE4B-95CE-6DB70DBA9567}" type="datetimeFigureOut">
               <a:rPr lang="en-US" dirty="0"/>
               <a:pPr/>
-              <a:t>10/27/18</a:t>
+              <a:t>10/29/18</a:t>
             </a:fld>
             <a:endParaRPr lang="en-US" dirty="0"/>
           </a:p>
@@ -975,7 +975,7 @@
             <a:fld id="{B61BEF0D-F0BB-DE4B-95CE-6DB70DBA9567}" type="datetimeFigureOut">
               <a:rPr lang="en-US" dirty="0"/>
               <a:pPr/>
-              <a:t>10/27/18</a:t>
+              <a:t>10/29/18</a:t>
             </a:fld>
             <a:endParaRPr lang="en-US" dirty="0"/>
           </a:p>
@@ -1540,7 +1540,7 @@
             <a:fld id="{B61BEF0D-F0BB-DE4B-95CE-6DB70DBA9567}" type="datetimeFigureOut">
               <a:rPr lang="en-US" dirty="0"/>
               <a:pPr/>
-              <a:t>10/27/18</a:t>
+              <a:t>10/29/18</a:t>
             </a:fld>
             <a:endParaRPr lang="en-US" dirty="0"/>
           </a:p>
@@ -1815,7 +1815,7 @@
             <a:fld id="{B61BEF0D-F0BB-DE4B-95CE-6DB70DBA9567}" type="datetimeFigureOut">
               <a:rPr lang="en-US" dirty="0"/>
               <a:pPr/>
-              <a:t>10/27/18</a:t>
+              <a:t>10/29/18</a:t>
             </a:fld>
             <a:endParaRPr lang="en-US" dirty="0"/>
           </a:p>
@@ -2374,7 +2374,7 @@
             <a:fld id="{B61BEF0D-F0BB-DE4B-95CE-6DB70DBA9567}" type="datetimeFigureOut">
               <a:rPr lang="en-US" dirty="0"/>
               <a:pPr/>
-              <a:t>10/27/18</a:t>
+              <a:t>10/29/18</a:t>
             </a:fld>
             <a:endParaRPr lang="en-US" dirty="0"/>
           </a:p>
@@ -2698,7 +2698,7 @@
             <a:fld id="{B61BEF0D-F0BB-DE4B-95CE-6DB70DBA9567}" type="datetimeFigureOut">
               <a:rPr lang="en-US" dirty="0"/>
               <a:pPr/>
-              <a:t>10/27/18</a:t>
+              <a:t>10/29/18</a:t>
             </a:fld>
             <a:endParaRPr lang="en-US" dirty="0"/>
           </a:p>
@@ -2872,7 +2872,7 @@
             <a:fld id="{B61BEF0D-F0BB-DE4B-95CE-6DB70DBA9567}" type="datetimeFigureOut">
               <a:rPr lang="en-US" dirty="0"/>
               <a:pPr/>
-              <a:t>10/27/18</a:t>
+              <a:t>10/29/18</a:t>
             </a:fld>
             <a:endParaRPr lang="en-US" dirty="0"/>
           </a:p>
@@ -3107,7 +3107,7 @@
             <a:fld id="{B61BEF0D-F0BB-DE4B-95CE-6DB70DBA9567}" type="datetimeFigureOut">
               <a:rPr lang="en-US" dirty="0"/>
               <a:pPr/>
-              <a:t>10/27/18</a:t>
+              <a:t>10/29/18</a:t>
             </a:fld>
             <a:endParaRPr lang="en-US" dirty="0"/>
           </a:p>
@@ -3304,7 +3304,7 @@
             <a:fld id="{B61BEF0D-F0BB-DE4B-95CE-6DB70DBA9567}" type="datetimeFigureOut">
               <a:rPr lang="en-US" dirty="0"/>
               <a:pPr/>
-              <a:t>10/27/18</a:t>
+              <a:t>10/29/18</a:t>
             </a:fld>
             <a:endParaRPr lang="en-US" dirty="0"/>
           </a:p>
@@ -3577,7 +3577,7 @@
             <a:fld id="{B61BEF0D-F0BB-DE4B-95CE-6DB70DBA9567}" type="datetimeFigureOut">
               <a:rPr lang="en-US" dirty="0"/>
               <a:pPr/>
-              <a:t>10/27/18</a:t>
+              <a:t>10/29/18</a:t>
             </a:fld>
             <a:endParaRPr lang="en-US" dirty="0"/>
           </a:p>
@@ -3840,7 +3840,7 @@
             <a:fld id="{B61BEF0D-F0BB-DE4B-95CE-6DB70DBA9567}" type="datetimeFigureOut">
               <a:rPr lang="en-US" dirty="0"/>
               <a:pPr/>
-              <a:t>10/27/18</a:t>
+              <a:t>10/29/18</a:t>
             </a:fld>
             <a:endParaRPr lang="en-US" dirty="0"/>
           </a:p>
@@ -4211,7 +4211,7 @@
             <a:fld id="{B61BEF0D-F0BB-DE4B-95CE-6DB70DBA9567}" type="datetimeFigureOut">
               <a:rPr lang="en-US" dirty="0"/>
               <a:pPr/>
-              <a:t>10/27/18</a:t>
+              <a:t>10/29/18</a:t>
             </a:fld>
             <a:endParaRPr lang="en-US" dirty="0"/>
           </a:p>
@@ -4356,7 +4356,7 @@
             <a:fld id="{B61BEF0D-F0BB-DE4B-95CE-6DB70DBA9567}" type="datetimeFigureOut">
               <a:rPr lang="en-US" dirty="0"/>
               <a:pPr/>
-              <a:t>10/27/18</a:t>
+              <a:t>10/29/18</a:t>
             </a:fld>
             <a:endParaRPr lang="en-US" dirty="0"/>
           </a:p>
@@ -4478,7 +4478,7 @@
             <a:fld id="{B61BEF0D-F0BB-DE4B-95CE-6DB70DBA9567}" type="datetimeFigureOut">
               <a:rPr lang="en-US" dirty="0"/>
               <a:pPr/>
-              <a:t>10/27/18</a:t>
+              <a:t>10/29/18</a:t>
             </a:fld>
             <a:endParaRPr lang="en-US" dirty="0"/>
           </a:p>
@@ -4760,7 +4760,7 @@
             <a:fld id="{B61BEF0D-F0BB-DE4B-95CE-6DB70DBA9567}" type="datetimeFigureOut">
               <a:rPr lang="en-US" dirty="0"/>
               <a:pPr/>
-              <a:t>10/27/18</a:t>
+              <a:t>10/29/18</a:t>
             </a:fld>
             <a:endParaRPr lang="en-US" dirty="0"/>
           </a:p>
@@ -5081,7 +5081,7 @@
             <a:fld id="{B61BEF0D-F0BB-DE4B-95CE-6DB70DBA9567}" type="datetimeFigureOut">
               <a:rPr lang="en-US" dirty="0"/>
               <a:pPr/>
-              <a:t>10/27/18</a:t>
+              <a:t>10/29/18</a:t>
             </a:fld>
             <a:endParaRPr lang="en-US" dirty="0"/>
           </a:p>
@@ -5292,7 +5292,7 @@
             <a:fld id="{B61BEF0D-F0BB-DE4B-95CE-6DB70DBA9567}" type="datetimeFigureOut">
               <a:rPr lang="en-US" dirty="0"/>
               <a:pPr/>
-              <a:t>10/27/18</a:t>
+              <a:t>10/29/18</a:t>
             </a:fld>
             <a:endParaRPr lang="en-US" dirty="0"/>
           </a:p>
@@ -6048,13 +6048,8 @@
           <a:p>
             <a:r>
               <a:rPr lang="en-US" dirty="0"/>
-              <a:t>1. One-hot encoding for </a:t>
-            </a:r>
-            <a:r>
-              <a:rPr lang="en-US"/>
-              <a:t>categorical variables.</a:t>
-            </a:r>
-            <a:endParaRPr lang="en-US" dirty="0"/>
+              <a:t>1. One-hot encoding for categorical variables.</a:t>
+            </a:r>
           </a:p>
           <a:p>
             <a:r>
@@ -6071,19 +6066,19 @@
           <a:p>
             <a:r>
               <a:rPr lang="en-US" dirty="0"/>
-              <a:t>4. Filter out irrelevant variables that compromises the efficiency of our model more so than actually improving. </a:t>
-            </a:r>
-          </a:p>
-          <a:p>
-            <a:r>
-              <a:rPr lang="en-US" dirty="0"/>
-              <a:t>5. Combine correlated features that'll improve the accuracy of our model and reduce overfitting. </a:t>
-            </a:r>
-          </a:p>
-          <a:p>
-            <a:r>
-              <a:rPr lang="en-US" dirty="0"/>
-              <a:t>6. Repeat this process iteratively until we can no longer improve the model. This should improve both the consistency of our model predictions and their accuracy.</a:t>
+              <a:t>4. Filter out insignificant variables based on ranking. </a:t>
+            </a:r>
+          </a:p>
+          <a:p>
+            <a:r>
+              <a:rPr lang="en-US" dirty="0"/>
+              <a:t>5. Combine correlated features to reduce overfitting. </a:t>
+            </a:r>
+          </a:p>
+          <a:p>
+            <a:r>
+              <a:rPr lang="en-US" dirty="0"/>
+              <a:t>6. Repeat this process iteratively until we can no longer improve the model. </a:t>
             </a:r>
           </a:p>
         </p:txBody>
@@ -6283,7 +6278,7 @@
           <a:p>
             <a:r>
               <a:rPr lang="en-US" dirty="0"/>
-              <a:t>Minimum accuracy score on our holdout-groups in the cross validation is 91% and maximum is 96% with a total difference range of 4% between hold-out groups.</a:t>
+              <a:t>Cross validation ranges from 91% to 96% with a total difference range of 5%.</a:t>
             </a:r>
           </a:p>
           <a:p>
@@ -6377,7 +6372,7 @@
             </a:r>
             <a:r>
               <a:rPr lang="en-US" dirty="0"/>
-              <a:t>power on the test set is high at 88.17% and the cross validation scores range between 87% and 95%. </a:t>
+              <a:t>power on the test set is high at about 88% and the cross validation scores range between 87% and 95%. </a:t>
             </a:r>
           </a:p>
           <a:p>
@@ -6389,7 +6384,7 @@
           <a:p>
             <a:r>
               <a:rPr lang="en-US" dirty="0"/>
-              <a:t>Cross validation scores are far more consistent as it ranges between 91.29% and 92.22%. </a:t>
+              <a:t>Cross validation scores ranges between 91.29% and 92.22% with a difference of 1%. </a:t>
             </a:r>
           </a:p>
         </p:txBody>
@@ -6481,7 +6476,7 @@
           <a:p>
             <a:r>
               <a:rPr lang="en-US" dirty="0"/>
-              <a:t>Gradient Boosted Ensemble model is the more reliable model for use on future data sets. This model has a combination of both high predictive power and consistent cross-validation scores that meet our success metrics of at least 85% predictive accuracy and 3% variance in cross validation. </a:t>
+              <a:t>Gradient Boosted Ensemble model is the more reliable model for use on future data sets. This model has a combination of both high predictive power and consistent cross-validation scores that meet our success metrics of at least 85% predictive accuracy and less than 3% range in cross validation. </a:t>
             </a:r>
           </a:p>
           <a:p>
@@ -6491,10 +6486,10 @@
       </p:sp>
       <p:pic>
         <p:nvPicPr>
-          <p:cNvPr id="5" name="Picture 4">
+          <p:cNvPr id="6" name="Picture 5">
             <a:extLst>
               <a:ext uri="{FF2B5EF4-FFF2-40B4-BE49-F238E27FC236}">
-                <a16:creationId xmlns:a16="http://schemas.microsoft.com/office/drawing/2014/main" id="{26BF7C51-2C74-D949-A2E3-4F05D85BC190}"/>
+                <a16:creationId xmlns:a16="http://schemas.microsoft.com/office/drawing/2014/main" id="{5D568065-4C74-3143-AD20-132356EE12FD}"/>
               </a:ext>
             </a:extLst>
           </p:cNvPr>
@@ -6511,8 +6506,8 @@
         </p:blipFill>
         <p:spPr>
           <a:xfrm>
-            <a:off x="2618317" y="3335866"/>
-            <a:ext cx="6515100" cy="3098800"/>
+            <a:off x="2544763" y="3419251"/>
+            <a:ext cx="6413500" cy="3187700"/>
           </a:xfrm>
           <a:prstGeom prst="rect">
             <a:avLst/>
@@ -6992,7 +6987,7 @@
           <a:p>
             <a:r>
               <a:rPr lang="en-US" dirty="0"/>
-              <a:t>PASSNYC is a non profit organization that facilitates the provision of educational services to talented individuals at underserved schools in New York.</a:t>
+              <a:t>PASSNYC is a nonprofit organization that facilitates the provision of educational services to talented individuals at underserved schools in New York.</a:t>
             </a:r>
           </a:p>
           <a:p>
@@ -7227,7 +7222,7 @@
           <a:p>
             <a:r>
               <a:rPr lang="en-US" dirty="0"/>
-              <a:t>0% Type I error as our model correctly identifies all cases in which attendance rate is "good" (is 1) and 4.6%  Type II error indicating that it incorrectly predicts that a school has a "good" attendance rate is only 4.6% of the time.</a:t>
+              <a:t>Type I error is 0% as our model correctly identifies all cases in which attendance rate is ”bad" (is 1) and 4.6%  Type II error indicating that it incorrectly predicts that a school has a ”bad" attendance rate is only 4.6% of the time.</a:t>
             </a:r>
           </a:p>
           <a:p>

--- a/Bootcamp/Unit 3 Deeper into Supervised Learning/Supervised Learning Capstone/data-science-for-good/PASSNYC Capstone Predicting Attendance .pptx
+++ b/Bootcamp/Unit 3 Deeper into Supervised Learning/Supervised Learning Capstone/data-science-for-good/PASSNYC Capstone Predicting Attendance .pptx
@@ -5831,7 +5831,7 @@
           <a:p>
             <a:r>
               <a:rPr lang="en-US" cap="none" dirty="0"/>
-              <a:t>Predicting Student Attendance and Analyzing Influential Factors at New York Public Schools</a:t>
+              <a:t>Predicting Student Attendance and Analyzing Influencing Factors at New York Public Schools</a:t>
             </a:r>
             <a:endParaRPr lang="en-US" dirty="0"/>
           </a:p>

--- a/Bootcamp/Unit 3 Deeper into Supervised Learning/Supervised Learning Capstone/data-science-for-good/PASSNYC Capstone Predicting Attendance .pptx
+++ b/Bootcamp/Unit 3 Deeper into Supervised Learning/Supervised Learning Capstone/data-science-for-good/PASSNYC Capstone Predicting Attendance .pptx
@@ -11,28 +11,25 @@
     <p:sldId id="274" r:id="rId5"/>
     <p:sldId id="259" r:id="rId6"/>
     <p:sldId id="260" r:id="rId7"/>
-    <p:sldId id="261" r:id="rId8"/>
-    <p:sldId id="262" r:id="rId9"/>
-    <p:sldId id="282" r:id="rId10"/>
-    <p:sldId id="263" r:id="rId11"/>
-    <p:sldId id="276" r:id="rId12"/>
-    <p:sldId id="277" r:id="rId13"/>
-    <p:sldId id="265" r:id="rId14"/>
-    <p:sldId id="266" r:id="rId15"/>
-    <p:sldId id="267" r:id="rId16"/>
-    <p:sldId id="278" r:id="rId17"/>
-    <p:sldId id="285" r:id="rId18"/>
-    <p:sldId id="286" r:id="rId19"/>
-    <p:sldId id="279" r:id="rId20"/>
-    <p:sldId id="280" r:id="rId21"/>
-    <p:sldId id="268" r:id="rId22"/>
-    <p:sldId id="269" r:id="rId23"/>
-    <p:sldId id="270" r:id="rId24"/>
-    <p:sldId id="281" r:id="rId25"/>
-    <p:sldId id="287" r:id="rId26"/>
-    <p:sldId id="271" r:id="rId27"/>
-    <p:sldId id="272" r:id="rId28"/>
-    <p:sldId id="273" r:id="rId29"/>
+    <p:sldId id="282" r:id="rId8"/>
+    <p:sldId id="263" r:id="rId9"/>
+    <p:sldId id="277" r:id="rId10"/>
+    <p:sldId id="265" r:id="rId11"/>
+    <p:sldId id="266" r:id="rId12"/>
+    <p:sldId id="267" r:id="rId13"/>
+    <p:sldId id="278" r:id="rId14"/>
+    <p:sldId id="285" r:id="rId15"/>
+    <p:sldId id="279" r:id="rId16"/>
+    <p:sldId id="280" r:id="rId17"/>
+    <p:sldId id="288" r:id="rId18"/>
+    <p:sldId id="268" r:id="rId19"/>
+    <p:sldId id="269" r:id="rId20"/>
+    <p:sldId id="270" r:id="rId21"/>
+    <p:sldId id="281" r:id="rId22"/>
+    <p:sldId id="287" r:id="rId23"/>
+    <p:sldId id="271" r:id="rId24"/>
+    <p:sldId id="272" r:id="rId25"/>
+    <p:sldId id="273" r:id="rId26"/>
   </p:sldIdLst>
   <p:sldSz cx="12192000" cy="6858000"/>
   <p:notesSz cx="6858000" cy="9144000"/>
@@ -5900,7 +5897,7 @@
           <p:cNvPr id="2" name="Title 1">
             <a:extLst>
               <a:ext uri="{FF2B5EF4-FFF2-40B4-BE49-F238E27FC236}">
-                <a16:creationId xmlns:a16="http://schemas.microsoft.com/office/drawing/2014/main" id="{07795BFB-38F7-6245-ACD5-FE8AC607C0B0}"/>
+                <a16:creationId xmlns:a16="http://schemas.microsoft.com/office/drawing/2014/main" id="{045A2952-DED1-8B47-8992-ADE6E5EEC078}"/>
               </a:ext>
             </a:extLst>
           </p:cNvPr>
@@ -5911,59 +5908,74 @@
             <p:ph type="title"/>
           </p:nvPr>
         </p:nvSpPr>
-        <p:spPr>
-          <a:xfrm>
-            <a:off x="685801" y="609601"/>
-            <a:ext cx="10131425" cy="609599"/>
-          </a:xfrm>
-        </p:spPr>
-        <p:txBody>
-          <a:bodyPr>
-            <a:normAutofit fontScale="90000"/>
-          </a:bodyPr>
+        <p:spPr/>
+        <p:txBody>
+          <a:bodyPr/>
           <a:lstStyle/>
           <a:p>
             <a:pPr algn="ctr"/>
             <a:r>
               <a:rPr lang="en-US" i="1" cap="none" dirty="0"/>
-              <a:t>Target Variable: Student Attendance Rate</a:t>
-            </a:r>
-          </a:p>
-        </p:txBody>
-      </p:sp>
-      <p:pic>
-        <p:nvPicPr>
-          <p:cNvPr id="5" name="Content Placeholder 4">
+              <a:t>Ordinary Least Squares Regression Model</a:t>
+            </a:r>
+          </a:p>
+        </p:txBody>
+      </p:sp>
+      <p:sp>
+        <p:nvSpPr>
+          <p:cNvPr id="3" name="Content Placeholder 2">
             <a:extLst>
               <a:ext uri="{FF2B5EF4-FFF2-40B4-BE49-F238E27FC236}">
-                <a16:creationId xmlns:a16="http://schemas.microsoft.com/office/drawing/2014/main" id="{643389D6-2FFF-CD48-B987-9F176477EEB9}"/>
+                <a16:creationId xmlns:a16="http://schemas.microsoft.com/office/drawing/2014/main" id="{9D3734C0-BA8A-354D-8EBB-72FEB624A916}"/>
               </a:ext>
             </a:extLst>
           </p:cNvPr>
-          <p:cNvPicPr>
-            <a:picLocks noGrp="1" noChangeAspect="1"/>
-          </p:cNvPicPr>
+          <p:cNvSpPr>
+            <a:spLocks noGrp="1"/>
+          </p:cNvSpPr>
           <p:nvPr>
             <p:ph idx="1"/>
           </p:nvPr>
-        </p:nvPicPr>
-        <p:blipFill>
-          <a:blip r:embed="rId2"/>
-          <a:stretch>
-            <a:fillRect/>
-          </a:stretch>
-        </p:blipFill>
-        <p:spPr>
-          <a:xfrm>
-            <a:off x="1943100" y="1219200"/>
-            <a:ext cx="7616826" cy="5490415"/>
-          </a:xfrm>
-        </p:spPr>
-      </p:pic>
+        </p:nvSpPr>
+        <p:spPr/>
+        <p:txBody>
+          <a:bodyPr/>
+          <a:lstStyle/>
+          <a:p>
+            <a:r>
+              <a:rPr lang="en-US" dirty="0"/>
+              <a:t>OLS </a:t>
+            </a:r>
+            <a:r>
+              <a:rPr lang="en-US" b="1" dirty="0"/>
+              <a:t>baseline prediction </a:t>
+            </a:r>
+            <a:r>
+              <a:rPr lang="en-US" dirty="0"/>
+              <a:t>scores very highly on this data set at 89.17% on our test set which satisfies our success metric of at least 85%. But its cross validation scores range between 87% and 95%, which is an 8% difference.</a:t>
+            </a:r>
+          </a:p>
+          <a:p>
+            <a:r>
+              <a:rPr lang="en-US" dirty="0"/>
+              <a:t>Reducing features in our model based on importance, we've improved the accuracy of the model on our test set to 90.49% .</a:t>
+            </a:r>
+          </a:p>
+          <a:p>
+            <a:r>
+              <a:rPr lang="en-US" dirty="0"/>
+              <a:t>Cross validation ranges from 91% to 96% with a total difference range of 5%.</a:t>
+            </a:r>
+          </a:p>
+          <a:p>
+            <a:endParaRPr lang="en-US" dirty="0"/>
+          </a:p>
+        </p:txBody>
+      </p:sp>
     </p:spTree>
     <p:extLst>
       <p:ext uri="{BB962C8B-B14F-4D97-AF65-F5344CB8AC3E}">
-        <p14:creationId xmlns:p14="http://schemas.microsoft.com/office/powerpoint/2010/main" val="3530122175"/>
+        <p14:creationId xmlns:p14="http://schemas.microsoft.com/office/powerpoint/2010/main" val="1681056532"/>
       </p:ext>
     </p:extLst>
   </p:cSld>
@@ -5995,332 +6007,6 @@
           <p:cNvPr id="2" name="Title 1">
             <a:extLst>
               <a:ext uri="{FF2B5EF4-FFF2-40B4-BE49-F238E27FC236}">
-                <a16:creationId xmlns:a16="http://schemas.microsoft.com/office/drawing/2014/main" id="{90070C3E-A481-5749-9396-AAA75227EDDD}"/>
-              </a:ext>
-            </a:extLst>
-          </p:cNvPr>
-          <p:cNvSpPr>
-            <a:spLocks noGrp="1"/>
-          </p:cNvSpPr>
-          <p:nvPr>
-            <p:ph type="title"/>
-          </p:nvPr>
-        </p:nvSpPr>
-        <p:spPr/>
-        <p:txBody>
-          <a:bodyPr/>
-          <a:lstStyle/>
-          <a:p>
-            <a:pPr algn="ctr"/>
-            <a:r>
-              <a:rPr lang="en-US" i="1" cap="none" dirty="0"/>
-              <a:t>Feature Engineering and Selection Methodology</a:t>
-            </a:r>
-          </a:p>
-        </p:txBody>
-      </p:sp>
-      <p:sp>
-        <p:nvSpPr>
-          <p:cNvPr id="3" name="Content Placeholder 2">
-            <a:extLst>
-              <a:ext uri="{FF2B5EF4-FFF2-40B4-BE49-F238E27FC236}">
-                <a16:creationId xmlns:a16="http://schemas.microsoft.com/office/drawing/2014/main" id="{594D1B5F-EAB3-E349-BDCC-3D258DB38691}"/>
-              </a:ext>
-            </a:extLst>
-          </p:cNvPr>
-          <p:cNvSpPr>
-            <a:spLocks noGrp="1"/>
-          </p:cNvSpPr>
-          <p:nvPr>
-            <p:ph idx="1"/>
-          </p:nvPr>
-        </p:nvSpPr>
-        <p:spPr/>
-        <p:txBody>
-          <a:bodyPr/>
-          <a:lstStyle/>
-          <a:p>
-            <a:pPr marL="0" indent="0">
-              <a:buNone/>
-            </a:pPr>
-            <a:endParaRPr lang="en-US" dirty="0"/>
-          </a:p>
-          <a:p>
-            <a:r>
-              <a:rPr lang="en-US" dirty="0"/>
-              <a:t>1. One-hot encoding for categorical variables.</a:t>
-            </a:r>
-          </a:p>
-          <a:p>
-            <a:r>
-              <a:rPr lang="en-US" dirty="0"/>
-              <a:t>2. Train baseline regression models on the feature data set we have available. </a:t>
-            </a:r>
-          </a:p>
-          <a:p>
-            <a:r>
-              <a:rPr lang="en-US" dirty="0"/>
-              <a:t>3. Rank the significance of each variable as an indicator in our model</a:t>
-            </a:r>
-          </a:p>
-          <a:p>
-            <a:r>
-              <a:rPr lang="en-US" dirty="0"/>
-              <a:t>4. Filter out insignificant variables based on ranking. </a:t>
-            </a:r>
-          </a:p>
-          <a:p>
-            <a:r>
-              <a:rPr lang="en-US" dirty="0"/>
-              <a:t>5. Combine correlated features to reduce overfitting. </a:t>
-            </a:r>
-          </a:p>
-          <a:p>
-            <a:r>
-              <a:rPr lang="en-US" dirty="0"/>
-              <a:t>6. Repeat this process iteratively until we can no longer improve the model. </a:t>
-            </a:r>
-          </a:p>
-        </p:txBody>
-      </p:sp>
-    </p:spTree>
-    <p:extLst>
-      <p:ext uri="{BB962C8B-B14F-4D97-AF65-F5344CB8AC3E}">
-        <p14:creationId xmlns:p14="http://schemas.microsoft.com/office/powerpoint/2010/main" val="510875106"/>
-      </p:ext>
-    </p:extLst>
-  </p:cSld>
-  <p:clrMapOvr>
-    <a:masterClrMapping/>
-  </p:clrMapOvr>
-</p:sld>
-</file>
-
-<file path=ppt/slides/slide12.xml><?xml version="1.0" encoding="utf-8"?>
-<p:sld xmlns:a="http://schemas.openxmlformats.org/drawingml/2006/main" xmlns:r="http://schemas.openxmlformats.org/officeDocument/2006/relationships" xmlns:p="http://schemas.openxmlformats.org/presentationml/2006/main">
-  <p:cSld>
-    <p:spTree>
-      <p:nvGrpSpPr>
-        <p:cNvPr id="1" name=""/>
-        <p:cNvGrpSpPr/>
-        <p:nvPr/>
-      </p:nvGrpSpPr>
-      <p:grpSpPr>
-        <a:xfrm>
-          <a:off x="0" y="0"/>
-          <a:ext cx="0" cy="0"/>
-          <a:chOff x="0" y="0"/>
-          <a:chExt cx="0" cy="0"/>
-        </a:xfrm>
-      </p:grpSpPr>
-      <p:sp>
-        <p:nvSpPr>
-          <p:cNvPr id="2" name="Title 1">
-            <a:extLst>
-              <a:ext uri="{FF2B5EF4-FFF2-40B4-BE49-F238E27FC236}">
-                <a16:creationId xmlns:a16="http://schemas.microsoft.com/office/drawing/2014/main" id="{43FAC769-CC13-644D-BA3D-30F44A505E6E}"/>
-              </a:ext>
-            </a:extLst>
-          </p:cNvPr>
-          <p:cNvSpPr>
-            <a:spLocks noGrp="1"/>
-          </p:cNvSpPr>
-          <p:nvPr>
-            <p:ph type="title"/>
-          </p:nvPr>
-        </p:nvSpPr>
-        <p:spPr/>
-        <p:txBody>
-          <a:bodyPr/>
-          <a:lstStyle/>
-          <a:p>
-            <a:pPr algn="ctr"/>
-            <a:r>
-              <a:rPr lang="en-US" i="1" cap="none" dirty="0"/>
-              <a:t>Regression Parameters</a:t>
-            </a:r>
-          </a:p>
-        </p:txBody>
-      </p:sp>
-      <p:sp>
-        <p:nvSpPr>
-          <p:cNvPr id="3" name="Content Placeholder 2">
-            <a:extLst>
-              <a:ext uri="{FF2B5EF4-FFF2-40B4-BE49-F238E27FC236}">
-                <a16:creationId xmlns:a16="http://schemas.microsoft.com/office/drawing/2014/main" id="{C9880F35-19B9-6048-B2E4-F9D056B58174}"/>
-              </a:ext>
-            </a:extLst>
-          </p:cNvPr>
-          <p:cNvSpPr>
-            <a:spLocks noGrp="1"/>
-          </p:cNvSpPr>
-          <p:nvPr>
-            <p:ph idx="1"/>
-          </p:nvPr>
-        </p:nvSpPr>
-        <p:spPr/>
-        <p:txBody>
-          <a:bodyPr/>
-          <a:lstStyle/>
-          <a:p>
-            <a:r>
-              <a:rPr lang="en-US" dirty="0"/>
-              <a:t>Model trained on 80% of our data, then tested it on a sample of 20% of the data. </a:t>
-            </a:r>
-          </a:p>
-          <a:p>
-            <a:r>
-              <a:rPr lang="en-US" dirty="0"/>
-              <a:t>Evaluate consistency of our scores by applying cross validation methods that split the sample into 5 holdout groups. We'll repeat this process for all our predictive models that we'll employ, so that we can observe both the predictive power and consistency of the models.</a:t>
-            </a:r>
-          </a:p>
-        </p:txBody>
-      </p:sp>
-    </p:spTree>
-    <p:extLst>
-      <p:ext uri="{BB962C8B-B14F-4D97-AF65-F5344CB8AC3E}">
-        <p14:creationId xmlns:p14="http://schemas.microsoft.com/office/powerpoint/2010/main" val="1734487418"/>
-      </p:ext>
-    </p:extLst>
-  </p:cSld>
-  <p:clrMapOvr>
-    <a:masterClrMapping/>
-  </p:clrMapOvr>
-</p:sld>
-</file>
-
-<file path=ppt/slides/slide13.xml><?xml version="1.0" encoding="utf-8"?>
-<p:sld xmlns:a="http://schemas.openxmlformats.org/drawingml/2006/main" xmlns:r="http://schemas.openxmlformats.org/officeDocument/2006/relationships" xmlns:p="http://schemas.openxmlformats.org/presentationml/2006/main">
-  <p:cSld>
-    <p:spTree>
-      <p:nvGrpSpPr>
-        <p:cNvPr id="1" name=""/>
-        <p:cNvGrpSpPr/>
-        <p:nvPr/>
-      </p:nvGrpSpPr>
-      <p:grpSpPr>
-        <a:xfrm>
-          <a:off x="0" y="0"/>
-          <a:ext cx="0" cy="0"/>
-          <a:chOff x="0" y="0"/>
-          <a:chExt cx="0" cy="0"/>
-        </a:xfrm>
-      </p:grpSpPr>
-      <p:sp>
-        <p:nvSpPr>
-          <p:cNvPr id="2" name="Title 1">
-            <a:extLst>
-              <a:ext uri="{FF2B5EF4-FFF2-40B4-BE49-F238E27FC236}">
-                <a16:creationId xmlns:a16="http://schemas.microsoft.com/office/drawing/2014/main" id="{045A2952-DED1-8B47-8992-ADE6E5EEC078}"/>
-              </a:ext>
-            </a:extLst>
-          </p:cNvPr>
-          <p:cNvSpPr>
-            <a:spLocks noGrp="1"/>
-          </p:cNvSpPr>
-          <p:nvPr>
-            <p:ph type="title"/>
-          </p:nvPr>
-        </p:nvSpPr>
-        <p:spPr/>
-        <p:txBody>
-          <a:bodyPr/>
-          <a:lstStyle/>
-          <a:p>
-            <a:pPr algn="ctr"/>
-            <a:r>
-              <a:rPr lang="en-US" i="1" cap="none" dirty="0"/>
-              <a:t>Ordinary Least Squares Regression Model</a:t>
-            </a:r>
-          </a:p>
-        </p:txBody>
-      </p:sp>
-      <p:sp>
-        <p:nvSpPr>
-          <p:cNvPr id="3" name="Content Placeholder 2">
-            <a:extLst>
-              <a:ext uri="{FF2B5EF4-FFF2-40B4-BE49-F238E27FC236}">
-                <a16:creationId xmlns:a16="http://schemas.microsoft.com/office/drawing/2014/main" id="{9D3734C0-BA8A-354D-8EBB-72FEB624A916}"/>
-              </a:ext>
-            </a:extLst>
-          </p:cNvPr>
-          <p:cNvSpPr>
-            <a:spLocks noGrp="1"/>
-          </p:cNvSpPr>
-          <p:nvPr>
-            <p:ph idx="1"/>
-          </p:nvPr>
-        </p:nvSpPr>
-        <p:spPr/>
-        <p:txBody>
-          <a:bodyPr/>
-          <a:lstStyle/>
-          <a:p>
-            <a:r>
-              <a:rPr lang="en-US" dirty="0"/>
-              <a:t>OLS </a:t>
-            </a:r>
-            <a:r>
-              <a:rPr lang="en-US" b="1" dirty="0"/>
-              <a:t>baseline prediction </a:t>
-            </a:r>
-            <a:r>
-              <a:rPr lang="en-US" dirty="0"/>
-              <a:t>scores very highly on this data set at 89.17% on our test set which satisfies our success metric of at least 85%. But its cross validation scores range between 87% and 95%, which is an 8% difference.</a:t>
-            </a:r>
-          </a:p>
-          <a:p>
-            <a:r>
-              <a:rPr lang="en-US" dirty="0"/>
-              <a:t>Reducing features in our model based on importance, we've improved the accuracy of the model on our test set to 90.49% .</a:t>
-            </a:r>
-          </a:p>
-          <a:p>
-            <a:r>
-              <a:rPr lang="en-US" dirty="0"/>
-              <a:t>Cross validation ranges from 91% to 96% with a total difference range of 5%.</a:t>
-            </a:r>
-          </a:p>
-          <a:p>
-            <a:endParaRPr lang="en-US" dirty="0"/>
-          </a:p>
-        </p:txBody>
-      </p:sp>
-    </p:spTree>
-    <p:extLst>
-      <p:ext uri="{BB962C8B-B14F-4D97-AF65-F5344CB8AC3E}">
-        <p14:creationId xmlns:p14="http://schemas.microsoft.com/office/powerpoint/2010/main" val="1681056532"/>
-      </p:ext>
-    </p:extLst>
-  </p:cSld>
-  <p:clrMapOvr>
-    <a:masterClrMapping/>
-  </p:clrMapOvr>
-</p:sld>
-</file>
-
-<file path=ppt/slides/slide14.xml><?xml version="1.0" encoding="utf-8"?>
-<p:sld xmlns:a="http://schemas.openxmlformats.org/drawingml/2006/main" xmlns:r="http://schemas.openxmlformats.org/officeDocument/2006/relationships" xmlns:p="http://schemas.openxmlformats.org/presentationml/2006/main">
-  <p:cSld>
-    <p:spTree>
-      <p:nvGrpSpPr>
-        <p:cNvPr id="1" name=""/>
-        <p:cNvGrpSpPr/>
-        <p:nvPr/>
-      </p:nvGrpSpPr>
-      <p:grpSpPr>
-        <a:xfrm>
-          <a:off x="0" y="0"/>
-          <a:ext cx="0" cy="0"/>
-          <a:chOff x="0" y="0"/>
-          <a:chExt cx="0" cy="0"/>
-        </a:xfrm>
-      </p:grpSpPr>
-      <p:sp>
-        <p:nvSpPr>
-          <p:cNvPr id="2" name="Title 1">
-            <a:extLst>
-              <a:ext uri="{FF2B5EF4-FFF2-40B4-BE49-F238E27FC236}">
                 <a16:creationId xmlns:a16="http://schemas.microsoft.com/office/drawing/2014/main" id="{1143D9B6-C0F6-054F-BB95-093ACBDF995B}"/>
               </a:ext>
             </a:extLst>
@@ -6402,7 +6088,7 @@
 </p:sld>
 </file>
 
-<file path=ppt/slides/slide15.xml><?xml version="1.0" encoding="utf-8"?>
+<file path=ppt/slides/slide12.xml><?xml version="1.0" encoding="utf-8"?>
 <p:sld xmlns:a="http://schemas.openxmlformats.org/drawingml/2006/main" xmlns:r="http://schemas.openxmlformats.org/officeDocument/2006/relationships" xmlns:p="http://schemas.openxmlformats.org/presentationml/2006/main">
   <p:cSld>
     <p:spTree>
@@ -6527,7 +6213,7 @@
 </p:sld>
 </file>
 
-<file path=ppt/slides/slide16.xml><?xml version="1.0" encoding="utf-8"?>
+<file path=ppt/slides/slide13.xml><?xml version="1.0" encoding="utf-8"?>
 <p:sld xmlns:a="http://schemas.openxmlformats.org/drawingml/2006/main" xmlns:r="http://schemas.openxmlformats.org/officeDocument/2006/relationships" xmlns:p="http://schemas.openxmlformats.org/presentationml/2006/main">
   <p:cSld>
     <p:spTree>
@@ -6596,16 +6282,6 @@
           </a:bodyPr>
           <a:lstStyle/>
           <a:p>
-            <a:pPr marL="0" indent="0">
-              <a:buNone/>
-            </a:pPr>
-            <a:r>
-              <a:rPr lang="en-US" i="1" dirty="0"/>
-              <a:t>OLS Regression Model</a:t>
-            </a:r>
-            <a:endParaRPr lang="en-US" dirty="0"/>
-          </a:p>
-          <a:p>
             <a:r>
               <a:rPr lang="en-US" dirty="0"/>
               <a:t>Demographic</a:t>
@@ -6636,25 +6312,9 @@
             </a:r>
           </a:p>
           <a:p>
-            <a:pPr marL="0" indent="0">
-              <a:buNone/>
-            </a:pPr>
-            <a:r>
-              <a:rPr lang="en-US" i="1" dirty="0"/>
-              <a:t>Gradient Boosted Regression Model</a:t>
-            </a:r>
-            <a:endParaRPr lang="en-US" dirty="0"/>
-          </a:p>
-          <a:p>
             <a:r>
               <a:rPr lang="en-US" dirty="0"/>
               <a:t>Language and math proficiency</a:t>
-            </a:r>
-          </a:p>
-          <a:p>
-            <a:r>
-              <a:rPr lang="en-US" dirty="0"/>
-              <a:t>(Other important features same as in OLS Model)</a:t>
             </a:r>
           </a:p>
         </p:txBody>
@@ -6672,7 +6332,7 @@
 </p:sld>
 </file>
 
-<file path=ppt/slides/slide17.xml><?xml version="1.0" encoding="utf-8"?>
+<file path=ppt/slides/slide14.xml><?xml version="1.0" encoding="utf-8"?>
 <p:sld xmlns:a="http://schemas.openxmlformats.org/drawingml/2006/main" xmlns:r="http://schemas.openxmlformats.org/officeDocument/2006/relationships" xmlns:p="http://schemas.openxmlformats.org/presentationml/2006/main">
   <p:cSld>
     <p:spTree>
@@ -6792,7 +6452,7 @@
 </p:sld>
 </file>
 
-<file path=ppt/slides/slide18.xml><?xml version="1.0" encoding="utf-8"?>
+<file path=ppt/slides/slide15.xml><?xml version="1.0" encoding="utf-8"?>
 <p:sld xmlns:a="http://schemas.openxmlformats.org/drawingml/2006/main" xmlns:r="http://schemas.openxmlformats.org/officeDocument/2006/relationships" xmlns:p="http://schemas.openxmlformats.org/presentationml/2006/main">
   <p:cSld>
     <p:spTree>
@@ -6809,66 +6469,6 @@
           <a:chExt cx="0" cy="0"/>
         </a:xfrm>
       </p:grpSpPr>
-      <p:pic>
-        <p:nvPicPr>
-          <p:cNvPr id="3" name="Picture 2">
-            <a:extLst>
-              <a:ext uri="{FF2B5EF4-FFF2-40B4-BE49-F238E27FC236}">
-                <a16:creationId xmlns:a16="http://schemas.microsoft.com/office/drawing/2014/main" id="{930AA063-C06B-5649-BF59-1A308D3AE1C3}"/>
-              </a:ext>
-            </a:extLst>
-          </p:cNvPr>
-          <p:cNvPicPr>
-            <a:picLocks noChangeAspect="1"/>
-          </p:cNvPicPr>
-          <p:nvPr/>
-        </p:nvPicPr>
-        <p:blipFill>
-          <a:blip r:embed="rId2"/>
-          <a:stretch>
-            <a:fillRect/>
-          </a:stretch>
-        </p:blipFill>
-        <p:spPr>
-          <a:xfrm>
-            <a:off x="3480605" y="1187450"/>
-            <a:ext cx="4432300" cy="4483100"/>
-          </a:xfrm>
-          <a:prstGeom prst="rect">
-            <a:avLst/>
-          </a:prstGeom>
-        </p:spPr>
-      </p:pic>
-    </p:spTree>
-    <p:extLst>
-      <p:ext uri="{BB962C8B-B14F-4D97-AF65-F5344CB8AC3E}">
-        <p14:creationId xmlns:p14="http://schemas.microsoft.com/office/powerpoint/2010/main" val="1199673059"/>
-      </p:ext>
-    </p:extLst>
-  </p:cSld>
-  <p:clrMapOvr>
-    <a:masterClrMapping/>
-  </p:clrMapOvr>
-</p:sld>
-</file>
-
-<file path=ppt/slides/slide19.xml><?xml version="1.0" encoding="utf-8"?>
-<p:sld xmlns:a="http://schemas.openxmlformats.org/drawingml/2006/main" xmlns:r="http://schemas.openxmlformats.org/officeDocument/2006/relationships" xmlns:p="http://schemas.openxmlformats.org/presentationml/2006/main">
-  <p:cSld>
-    <p:spTree>
-      <p:nvGrpSpPr>
-        <p:cNvPr id="1" name=""/>
-        <p:cNvGrpSpPr/>
-        <p:nvPr/>
-      </p:nvGrpSpPr>
-      <p:grpSpPr>
-        <a:xfrm>
-          <a:off x="0" y="0"/>
-          <a:ext cx="0" cy="0"/>
-          <a:chOff x="0" y="0"/>
-          <a:chExt cx="0" cy="0"/>
-        </a:xfrm>
-      </p:grpSpPr>
       <p:sp>
         <p:nvSpPr>
           <p:cNvPr id="2" name="Title 1">
@@ -6918,106 +6518,7 @@
 </p:sld>
 </file>
 
-<file path=ppt/slides/slide2.xml><?xml version="1.0" encoding="utf-8"?>
-<p:sld xmlns:a="http://schemas.openxmlformats.org/drawingml/2006/main" xmlns:r="http://schemas.openxmlformats.org/officeDocument/2006/relationships" xmlns:p="http://schemas.openxmlformats.org/presentationml/2006/main">
-  <p:cSld>
-    <p:spTree>
-      <p:nvGrpSpPr>
-        <p:cNvPr id="1" name=""/>
-        <p:cNvGrpSpPr/>
-        <p:nvPr/>
-      </p:nvGrpSpPr>
-      <p:grpSpPr>
-        <a:xfrm>
-          <a:off x="0" y="0"/>
-          <a:ext cx="0" cy="0"/>
-          <a:chOff x="0" y="0"/>
-          <a:chExt cx="0" cy="0"/>
-        </a:xfrm>
-      </p:grpSpPr>
-      <p:sp>
-        <p:nvSpPr>
-          <p:cNvPr id="2" name="Title 1">
-            <a:extLst>
-              <a:ext uri="{FF2B5EF4-FFF2-40B4-BE49-F238E27FC236}">
-                <a16:creationId xmlns:a16="http://schemas.microsoft.com/office/drawing/2014/main" id="{AE134967-8954-FC48-8512-EA91495A94AF}"/>
-              </a:ext>
-            </a:extLst>
-          </p:cNvPr>
-          <p:cNvSpPr>
-            <a:spLocks noGrp="1"/>
-          </p:cNvSpPr>
-          <p:nvPr>
-            <p:ph type="title"/>
-          </p:nvPr>
-        </p:nvSpPr>
-        <p:spPr/>
-        <p:txBody>
-          <a:bodyPr/>
-          <a:lstStyle/>
-          <a:p>
-            <a:pPr algn="ctr"/>
-            <a:r>
-              <a:rPr lang="en-US" i="1" cap="none" dirty="0"/>
-              <a:t>What is PASSNYC?</a:t>
-            </a:r>
-          </a:p>
-        </p:txBody>
-      </p:sp>
-      <p:sp>
-        <p:nvSpPr>
-          <p:cNvPr id="3" name="Content Placeholder 2">
-            <a:extLst>
-              <a:ext uri="{FF2B5EF4-FFF2-40B4-BE49-F238E27FC236}">
-                <a16:creationId xmlns:a16="http://schemas.microsoft.com/office/drawing/2014/main" id="{E3A8C40F-788C-534D-A51B-237674A1F51B}"/>
-              </a:ext>
-            </a:extLst>
-          </p:cNvPr>
-          <p:cNvSpPr>
-            <a:spLocks noGrp="1"/>
-          </p:cNvSpPr>
-          <p:nvPr>
-            <p:ph idx="1"/>
-          </p:nvPr>
-        </p:nvSpPr>
-        <p:spPr/>
-        <p:txBody>
-          <a:bodyPr/>
-          <a:lstStyle/>
-          <a:p>
-            <a:r>
-              <a:rPr lang="en-US" dirty="0"/>
-              <a:t>PASSNYC is a nonprofit organization that facilitates the provision of educational services to talented individuals at underserved schools in New York.</a:t>
-            </a:r>
-          </a:p>
-          <a:p>
-            <a:r>
-              <a:rPr lang="en-US" dirty="0"/>
-              <a:t>PASSNYC researches how to develop more paths for talented students to register in the SHSAT for placement in specialized schools.</a:t>
-            </a:r>
-          </a:p>
-          <a:p>
-            <a:r>
-              <a:rPr lang="en-US" dirty="0"/>
-              <a:t>PASSNYC and their partners develop outreach programs to under privileged schools to improve educational opportunity and increase placement in specialized schools.</a:t>
-            </a:r>
-          </a:p>
-        </p:txBody>
-      </p:sp>
-    </p:spTree>
-    <p:extLst>
-      <p:ext uri="{BB962C8B-B14F-4D97-AF65-F5344CB8AC3E}">
-        <p14:creationId xmlns:p14="http://schemas.microsoft.com/office/powerpoint/2010/main" val="1659312958"/>
-      </p:ext>
-    </p:extLst>
-  </p:cSld>
-  <p:clrMapOvr>
-    <a:masterClrMapping/>
-  </p:clrMapOvr>
-</p:sld>
-</file>
-
-<file path=ppt/slides/slide20.xml><?xml version="1.0" encoding="utf-8"?>
+<file path=ppt/slides/slide16.xml><?xml version="1.0" encoding="utf-8"?>
 <p:sld xmlns:a="http://schemas.openxmlformats.org/drawingml/2006/main" xmlns:r="http://schemas.openxmlformats.org/officeDocument/2006/relationships" xmlns:p="http://schemas.openxmlformats.org/presentationml/2006/main">
   <p:cSld>
     <p:spTree>
@@ -7147,7 +6648,7 @@
 </p:sld>
 </file>
 
-<file path=ppt/slides/slide21.xml><?xml version="1.0" encoding="utf-8"?>
+<file path=ppt/slides/slide17.xml><?xml version="1.0" encoding="utf-8"?>
 <p:sld xmlns:a="http://schemas.openxmlformats.org/drawingml/2006/main" xmlns:r="http://schemas.openxmlformats.org/officeDocument/2006/relationships" xmlns:p="http://schemas.openxmlformats.org/presentationml/2006/main">
   <p:cSld>
     <p:spTree>
@@ -7169,7 +6670,7 @@
           <p:cNvPr id="2" name="Title 1">
             <a:extLst>
               <a:ext uri="{FF2B5EF4-FFF2-40B4-BE49-F238E27FC236}">
-                <a16:creationId xmlns:a16="http://schemas.microsoft.com/office/drawing/2014/main" id="{F9A784D3-4AA3-E842-BF97-CC11DF9342E0}"/>
+                <a16:creationId xmlns:a16="http://schemas.microsoft.com/office/drawing/2014/main" id="{60A0BB58-89E2-6344-B1BE-75644AFEE830}"/>
               </a:ext>
             </a:extLst>
           </p:cNvPr>
@@ -7180,7 +6681,12 @@
             <p:ph type="title"/>
           </p:nvPr>
         </p:nvSpPr>
-        <p:spPr/>
+        <p:spPr>
+          <a:xfrm>
+            <a:off x="685801" y="609600"/>
+            <a:ext cx="10131425" cy="744187"/>
+          </a:xfrm>
+        </p:spPr>
         <p:txBody>
           <a:bodyPr/>
           <a:lstStyle/>
@@ -7188,8 +6694,9 @@
             <a:pPr algn="ctr"/>
             <a:r>
               <a:rPr lang="en-US" i="1" cap="none" dirty="0"/>
-              <a:t>Gradient Boosted Classifier Model</a:t>
-            </a:r>
+              <a:t>Success Metric</a:t>
+            </a:r>
+            <a:endParaRPr lang="en-US" dirty="0"/>
           </a:p>
         </p:txBody>
       </p:sp>
@@ -7198,7 +6705,7 @@
           <p:cNvPr id="3" name="Content Placeholder 2">
             <a:extLst>
               <a:ext uri="{FF2B5EF4-FFF2-40B4-BE49-F238E27FC236}">
-                <a16:creationId xmlns:a16="http://schemas.microsoft.com/office/drawing/2014/main" id="{74EBAA50-D83D-F543-81BB-F68E5EC25098}"/>
+                <a16:creationId xmlns:a16="http://schemas.microsoft.com/office/drawing/2014/main" id="{6F6A4DB2-764F-574B-AC64-6506EC20B454}"/>
               </a:ext>
             </a:extLst>
           </p:cNvPr>
@@ -7216,24 +6723,15 @@
           <a:p>
             <a:r>
               <a:rPr lang="en-US" dirty="0"/>
-              <a:t>The Weak Learners model has extremely high predictive power at 98.10%. </a:t>
-            </a:r>
-          </a:p>
-          <a:p>
-            <a:r>
-              <a:rPr lang="en-US" dirty="0"/>
-              <a:t>Type I error is 0% as our model correctly identifies all cases in which attendance rate is ”bad" (is 1) and 4.6%  Type II error indicating that it incorrectly predicts that a school has a ”bad" attendance rate is only 4.6% of the time.</a:t>
-            </a:r>
-          </a:p>
-          <a:p>
-            <a:endParaRPr lang="en-US" dirty="0"/>
+              <a:t>Our Classification Model must accurately predict "Low Attendance" Schools at least 90% accuracy, with Type I and Type II errors below 6%.</a:t>
+            </a:r>
           </a:p>
         </p:txBody>
       </p:sp>
     </p:spTree>
     <p:extLst>
       <p:ext uri="{BB962C8B-B14F-4D97-AF65-F5344CB8AC3E}">
-        <p14:creationId xmlns:p14="http://schemas.microsoft.com/office/powerpoint/2010/main" val="1695039748"/>
+        <p14:creationId xmlns:p14="http://schemas.microsoft.com/office/powerpoint/2010/main" val="4254193064"/>
       </p:ext>
     </p:extLst>
   </p:cSld>
@@ -7243,7 +6741,7 @@
 </p:sld>
 </file>
 
-<file path=ppt/slides/slide22.xml><?xml version="1.0" encoding="utf-8"?>
+<file path=ppt/slides/slide18.xml><?xml version="1.0" encoding="utf-8"?>
 <p:sld xmlns:a="http://schemas.openxmlformats.org/drawingml/2006/main" xmlns:r="http://schemas.openxmlformats.org/officeDocument/2006/relationships" xmlns:p="http://schemas.openxmlformats.org/presentationml/2006/main">
   <p:cSld>
     <p:spTree>
@@ -7265,6 +6763,102 @@
           <p:cNvPr id="2" name="Title 1">
             <a:extLst>
               <a:ext uri="{FF2B5EF4-FFF2-40B4-BE49-F238E27FC236}">
+                <a16:creationId xmlns:a16="http://schemas.microsoft.com/office/drawing/2014/main" id="{F9A784D3-4AA3-E842-BF97-CC11DF9342E0}"/>
+              </a:ext>
+            </a:extLst>
+          </p:cNvPr>
+          <p:cNvSpPr>
+            <a:spLocks noGrp="1"/>
+          </p:cNvSpPr>
+          <p:nvPr>
+            <p:ph type="title"/>
+          </p:nvPr>
+        </p:nvSpPr>
+        <p:spPr/>
+        <p:txBody>
+          <a:bodyPr/>
+          <a:lstStyle/>
+          <a:p>
+            <a:pPr algn="ctr"/>
+            <a:r>
+              <a:rPr lang="en-US" i="1" cap="none" dirty="0"/>
+              <a:t>Gradient Boosted Classifier Model</a:t>
+            </a:r>
+          </a:p>
+        </p:txBody>
+      </p:sp>
+      <p:sp>
+        <p:nvSpPr>
+          <p:cNvPr id="3" name="Content Placeholder 2">
+            <a:extLst>
+              <a:ext uri="{FF2B5EF4-FFF2-40B4-BE49-F238E27FC236}">
+                <a16:creationId xmlns:a16="http://schemas.microsoft.com/office/drawing/2014/main" id="{74EBAA50-D83D-F543-81BB-F68E5EC25098}"/>
+              </a:ext>
+            </a:extLst>
+          </p:cNvPr>
+          <p:cNvSpPr>
+            <a:spLocks noGrp="1"/>
+          </p:cNvSpPr>
+          <p:nvPr>
+            <p:ph idx="1"/>
+          </p:nvPr>
+        </p:nvSpPr>
+        <p:spPr/>
+        <p:txBody>
+          <a:bodyPr/>
+          <a:lstStyle/>
+          <a:p>
+            <a:r>
+              <a:rPr lang="en-US" dirty="0"/>
+              <a:t>The Weak Learners model has extremely high predictive power at 98.10%. </a:t>
+            </a:r>
+          </a:p>
+          <a:p>
+            <a:r>
+              <a:rPr lang="en-US" dirty="0"/>
+              <a:t>Type I error is 0% as our model incorrectly identifies all cases in which attendance rate is ”bad" (is 1) and 4.6%  Type II error indicating that it incorrectly predicts that a school’s attendance is ”good" only 4.6% of the time.</a:t>
+            </a:r>
+          </a:p>
+          <a:p>
+            <a:endParaRPr lang="en-US" dirty="0"/>
+          </a:p>
+        </p:txBody>
+      </p:sp>
+    </p:spTree>
+    <p:extLst>
+      <p:ext uri="{BB962C8B-B14F-4D97-AF65-F5344CB8AC3E}">
+        <p14:creationId xmlns:p14="http://schemas.microsoft.com/office/powerpoint/2010/main" val="1695039748"/>
+      </p:ext>
+    </p:extLst>
+  </p:cSld>
+  <p:clrMapOvr>
+    <a:masterClrMapping/>
+  </p:clrMapOvr>
+</p:sld>
+</file>
+
+<file path=ppt/slides/slide19.xml><?xml version="1.0" encoding="utf-8"?>
+<p:sld xmlns:a="http://schemas.openxmlformats.org/drawingml/2006/main" xmlns:r="http://schemas.openxmlformats.org/officeDocument/2006/relationships" xmlns:p="http://schemas.openxmlformats.org/presentationml/2006/main">
+  <p:cSld>
+    <p:spTree>
+      <p:nvGrpSpPr>
+        <p:cNvPr id="1" name=""/>
+        <p:cNvGrpSpPr/>
+        <p:nvPr/>
+      </p:nvGrpSpPr>
+      <p:grpSpPr>
+        <a:xfrm>
+          <a:off x="0" y="0"/>
+          <a:ext cx="0" cy="0"/>
+          <a:chOff x="0" y="0"/>
+          <a:chExt cx="0" cy="0"/>
+        </a:xfrm>
+      </p:grpSpPr>
+      <p:sp>
+        <p:nvSpPr>
+          <p:cNvPr id="2" name="Title 1">
+            <a:extLst>
+              <a:ext uri="{FF2B5EF4-FFF2-40B4-BE49-F238E27FC236}">
                 <a16:creationId xmlns:a16="http://schemas.microsoft.com/office/drawing/2014/main" id="{2BB46D81-02BB-6940-863A-C797DF9E6121}"/>
               </a:ext>
             </a:extLst>
@@ -7336,7 +6930,106 @@
 </p:sld>
 </file>
 
-<file path=ppt/slides/slide23.xml><?xml version="1.0" encoding="utf-8"?>
+<file path=ppt/slides/slide2.xml><?xml version="1.0" encoding="utf-8"?>
+<p:sld xmlns:a="http://schemas.openxmlformats.org/drawingml/2006/main" xmlns:r="http://schemas.openxmlformats.org/officeDocument/2006/relationships" xmlns:p="http://schemas.openxmlformats.org/presentationml/2006/main">
+  <p:cSld>
+    <p:spTree>
+      <p:nvGrpSpPr>
+        <p:cNvPr id="1" name=""/>
+        <p:cNvGrpSpPr/>
+        <p:nvPr/>
+      </p:nvGrpSpPr>
+      <p:grpSpPr>
+        <a:xfrm>
+          <a:off x="0" y="0"/>
+          <a:ext cx="0" cy="0"/>
+          <a:chOff x="0" y="0"/>
+          <a:chExt cx="0" cy="0"/>
+        </a:xfrm>
+      </p:grpSpPr>
+      <p:sp>
+        <p:nvSpPr>
+          <p:cNvPr id="2" name="Title 1">
+            <a:extLst>
+              <a:ext uri="{FF2B5EF4-FFF2-40B4-BE49-F238E27FC236}">
+                <a16:creationId xmlns:a16="http://schemas.microsoft.com/office/drawing/2014/main" id="{AE134967-8954-FC48-8512-EA91495A94AF}"/>
+              </a:ext>
+            </a:extLst>
+          </p:cNvPr>
+          <p:cNvSpPr>
+            <a:spLocks noGrp="1"/>
+          </p:cNvSpPr>
+          <p:nvPr>
+            <p:ph type="title"/>
+          </p:nvPr>
+        </p:nvSpPr>
+        <p:spPr/>
+        <p:txBody>
+          <a:bodyPr/>
+          <a:lstStyle/>
+          <a:p>
+            <a:pPr algn="ctr"/>
+            <a:r>
+              <a:rPr lang="en-US" i="1" cap="none" dirty="0"/>
+              <a:t>What is PASSNYC?</a:t>
+            </a:r>
+          </a:p>
+        </p:txBody>
+      </p:sp>
+      <p:sp>
+        <p:nvSpPr>
+          <p:cNvPr id="3" name="Content Placeholder 2">
+            <a:extLst>
+              <a:ext uri="{FF2B5EF4-FFF2-40B4-BE49-F238E27FC236}">
+                <a16:creationId xmlns:a16="http://schemas.microsoft.com/office/drawing/2014/main" id="{E3A8C40F-788C-534D-A51B-237674A1F51B}"/>
+              </a:ext>
+            </a:extLst>
+          </p:cNvPr>
+          <p:cNvSpPr>
+            <a:spLocks noGrp="1"/>
+          </p:cNvSpPr>
+          <p:nvPr>
+            <p:ph idx="1"/>
+          </p:nvPr>
+        </p:nvSpPr>
+        <p:spPr/>
+        <p:txBody>
+          <a:bodyPr/>
+          <a:lstStyle/>
+          <a:p>
+            <a:r>
+              <a:rPr lang="en-US" dirty="0"/>
+              <a:t>PASSNYC is a nonprofit organization that facilitates the provision of educational services to talented individuals at underserved schools in New York.</a:t>
+            </a:r>
+          </a:p>
+          <a:p>
+            <a:r>
+              <a:rPr lang="en-US" dirty="0"/>
+              <a:t>PASSNYC researches how to develop more paths for talented students to register in the Specialized High School Admissions Test (SHSAT) for placement in specialized schools.</a:t>
+            </a:r>
+          </a:p>
+          <a:p>
+            <a:r>
+              <a:rPr lang="en-US" dirty="0"/>
+              <a:t>PASSNYC and their partners develop outreach programs to under privileged schools to improve educational opportunity and increase placement in specialized schools.</a:t>
+            </a:r>
+          </a:p>
+        </p:txBody>
+      </p:sp>
+    </p:spTree>
+    <p:extLst>
+      <p:ext uri="{BB962C8B-B14F-4D97-AF65-F5344CB8AC3E}">
+        <p14:creationId xmlns:p14="http://schemas.microsoft.com/office/powerpoint/2010/main" val="1659312958"/>
+      </p:ext>
+    </p:extLst>
+  </p:cSld>
+  <p:clrMapOvr>
+    <a:masterClrMapping/>
+  </p:clrMapOvr>
+</p:sld>
+</file>
+
+<file path=ppt/slides/slide20.xml><?xml version="1.0" encoding="utf-8"?>
 <p:sld xmlns:a="http://schemas.openxmlformats.org/drawingml/2006/main" xmlns:r="http://schemas.openxmlformats.org/officeDocument/2006/relationships" xmlns:p="http://schemas.openxmlformats.org/presentationml/2006/main">
   <p:cSld>
     <p:spTree>
@@ -7459,7 +7152,7 @@
 </p:sld>
 </file>
 
-<file path=ppt/slides/slide24.xml><?xml version="1.0" encoding="utf-8"?>
+<file path=ppt/slides/slide21.xml><?xml version="1.0" encoding="utf-8"?>
 <p:sld xmlns:a="http://schemas.openxmlformats.org/drawingml/2006/main" xmlns:r="http://schemas.openxmlformats.org/officeDocument/2006/relationships" xmlns:p="http://schemas.openxmlformats.org/presentationml/2006/main">
   <p:cSld>
     <p:spTree>
@@ -7592,7 +7285,7 @@
 </p:sld>
 </file>
 
-<file path=ppt/slides/slide25.xml><?xml version="1.0" encoding="utf-8"?>
+<file path=ppt/slides/slide22.xml><?xml version="1.0" encoding="utf-8"?>
 <p:sld xmlns:a="http://schemas.openxmlformats.org/drawingml/2006/main" xmlns:r="http://schemas.openxmlformats.org/officeDocument/2006/relationships" xmlns:p="http://schemas.openxmlformats.org/presentationml/2006/main">
   <p:cSld>
     <p:spTree>
@@ -7652,7 +7345,7 @@
 </p:sld>
 </file>
 
-<file path=ppt/slides/slide26.xml><?xml version="1.0" encoding="utf-8"?>
+<file path=ppt/slides/slide23.xml><?xml version="1.0" encoding="utf-8"?>
 <p:sld xmlns:a="http://schemas.openxmlformats.org/drawingml/2006/main" xmlns:r="http://schemas.openxmlformats.org/officeDocument/2006/relationships" xmlns:p="http://schemas.openxmlformats.org/presentationml/2006/main">
   <p:cSld>
     <p:spTree>
@@ -7794,7 +7487,7 @@
 </p:sld>
 </file>
 
-<file path=ppt/slides/slide27.xml><?xml version="1.0" encoding="utf-8"?>
+<file path=ppt/slides/slide24.xml><?xml version="1.0" encoding="utf-8"?>
 <p:sld xmlns:a="http://schemas.openxmlformats.org/drawingml/2006/main" xmlns:r="http://schemas.openxmlformats.org/officeDocument/2006/relationships" xmlns:p="http://schemas.openxmlformats.org/presentationml/2006/main">
   <p:cSld>
     <p:spTree>
@@ -7895,7 +7588,7 @@
 </p:sld>
 </file>
 
-<file path=ppt/slides/slide28.xml><?xml version="1.0" encoding="utf-8"?>
+<file path=ppt/slides/slide25.xml><?xml version="1.0" encoding="utf-8"?>
 <p:sld xmlns:a="http://schemas.openxmlformats.org/drawingml/2006/main" xmlns:r="http://schemas.openxmlformats.org/officeDocument/2006/relationships" xmlns:p="http://schemas.openxmlformats.org/presentationml/2006/main">
   <p:cSld>
     <p:spTree>
@@ -8406,79 +8099,39 @@
           <a:chExt cx="0" cy="0"/>
         </a:xfrm>
       </p:grpSpPr>
-      <p:sp>
-        <p:nvSpPr>
-          <p:cNvPr id="2" name="Title 1">
+      <p:pic>
+        <p:nvPicPr>
+          <p:cNvPr id="5" name="Content Placeholder 4">
             <a:extLst>
               <a:ext uri="{FF2B5EF4-FFF2-40B4-BE49-F238E27FC236}">
-                <a16:creationId xmlns:a16="http://schemas.microsoft.com/office/drawing/2014/main" id="{0ED48EAB-F2E6-9C4A-A02D-E92B68D0882F}"/>
+                <a16:creationId xmlns:a16="http://schemas.microsoft.com/office/drawing/2014/main" id="{AE1D0094-8AA7-6449-AAA5-D1129E068033}"/>
               </a:ext>
             </a:extLst>
           </p:cNvPr>
-          <p:cNvSpPr>
-            <a:spLocks noGrp="1"/>
-          </p:cNvSpPr>
-          <p:nvPr>
-            <p:ph type="title"/>
-          </p:nvPr>
-        </p:nvSpPr>
-        <p:spPr/>
-        <p:txBody>
-          <a:bodyPr/>
-          <a:lstStyle/>
-          <a:p>
-            <a:pPr algn="ctr"/>
-            <a:r>
-              <a:rPr lang="en-US" i="1" cap="none" dirty="0"/>
-              <a:t>Success Metrics</a:t>
-            </a:r>
-          </a:p>
-        </p:txBody>
-      </p:sp>
-      <p:sp>
-        <p:nvSpPr>
-          <p:cNvPr id="3" name="Content Placeholder 2">
-            <a:extLst>
-              <a:ext uri="{FF2B5EF4-FFF2-40B4-BE49-F238E27FC236}">
-                <a16:creationId xmlns:a16="http://schemas.microsoft.com/office/drawing/2014/main" id="{A8CFDD39-C2E2-5046-809D-491161A4A5A1}"/>
-              </a:ext>
-            </a:extLst>
-          </p:cNvPr>
-          <p:cNvSpPr>
-            <a:spLocks noGrp="1"/>
-          </p:cNvSpPr>
+          <p:cNvPicPr>
+            <a:picLocks noGrp="1" noChangeAspect="1"/>
+          </p:cNvPicPr>
           <p:nvPr>
             <p:ph idx="1"/>
           </p:nvPr>
-        </p:nvSpPr>
-        <p:spPr/>
-        <p:txBody>
-          <a:bodyPr/>
-          <a:lstStyle/>
-          <a:p>
-            <a:pPr marL="342900" indent="-342900">
-              <a:buAutoNum type="arabicPeriod"/>
-            </a:pPr>
-            <a:r>
-              <a:rPr lang="en-US" dirty="0"/>
-              <a:t>Our Regression Model must accurately predict Student Attendance Rate with at least 85% accuracy with cross validation scores ranging at most a 3% difference.</a:t>
-            </a:r>
-          </a:p>
-          <a:p>
-            <a:pPr marL="342900" indent="-342900">
-              <a:buAutoNum type="arabicPeriod"/>
-            </a:pPr>
-            <a:r>
-              <a:rPr lang="en-US" dirty="0"/>
-              <a:t>Our Classification Model must accurately predict "Low Attendance" Schools at least 90% accuracy, with Type I and Type II errors below 6%.</a:t>
-            </a:r>
-          </a:p>
-        </p:txBody>
-      </p:sp>
+        </p:nvPicPr>
+        <p:blipFill>
+          <a:blip r:embed="rId2"/>
+          <a:stretch>
+            <a:fillRect/>
+          </a:stretch>
+        </p:blipFill>
+        <p:spPr>
+          <a:xfrm>
+            <a:off x="1134534" y="21206"/>
+            <a:ext cx="9956800" cy="6836794"/>
+          </a:xfrm>
+        </p:spPr>
+      </p:pic>
     </p:spTree>
     <p:extLst>
       <p:ext uri="{BB962C8B-B14F-4D97-AF65-F5344CB8AC3E}">
-        <p14:creationId xmlns:p14="http://schemas.microsoft.com/office/powerpoint/2010/main" val="3403362144"/>
+        <p14:creationId xmlns:p14="http://schemas.microsoft.com/office/powerpoint/2010/main" val="959074497"/>
       </p:ext>
     </p:extLst>
   </p:cSld>
@@ -8510,7 +8163,7 @@
           <p:cNvPr id="2" name="Title 1">
             <a:extLst>
               <a:ext uri="{FF2B5EF4-FFF2-40B4-BE49-F238E27FC236}">
-                <a16:creationId xmlns:a16="http://schemas.microsoft.com/office/drawing/2014/main" id="{100C085C-AA16-F641-AC88-C0F606106D8A}"/>
+                <a16:creationId xmlns:a16="http://schemas.microsoft.com/office/drawing/2014/main" id="{07795BFB-38F7-6245-ACD5-FE8AC607C0B0}"/>
               </a:ext>
             </a:extLst>
           </p:cNvPr>
@@ -8521,69 +8174,59 @@
             <p:ph type="title"/>
           </p:nvPr>
         </p:nvSpPr>
-        <p:spPr/>
-        <p:txBody>
-          <a:bodyPr/>
+        <p:spPr>
+          <a:xfrm>
+            <a:off x="685801" y="609601"/>
+            <a:ext cx="10131425" cy="609599"/>
+          </a:xfrm>
+        </p:spPr>
+        <p:txBody>
+          <a:bodyPr>
+            <a:normAutofit fontScale="90000"/>
+          </a:bodyPr>
           <a:lstStyle/>
           <a:p>
             <a:pPr algn="ctr"/>
             <a:r>
               <a:rPr lang="en-US" i="1" cap="none" dirty="0"/>
-              <a:t>Data Cleaning and Formatting</a:t>
-            </a:r>
-          </a:p>
-        </p:txBody>
-      </p:sp>
-      <p:sp>
-        <p:nvSpPr>
-          <p:cNvPr id="3" name="Content Placeholder 2">
+              <a:t>Target Variable: Student Attendance Rate</a:t>
+            </a:r>
+          </a:p>
+        </p:txBody>
+      </p:sp>
+      <p:pic>
+        <p:nvPicPr>
+          <p:cNvPr id="5" name="Content Placeholder 4">
             <a:extLst>
               <a:ext uri="{FF2B5EF4-FFF2-40B4-BE49-F238E27FC236}">
-                <a16:creationId xmlns:a16="http://schemas.microsoft.com/office/drawing/2014/main" id="{DCCF92F6-6C7D-1149-A604-2CF1EFE75067}"/>
+                <a16:creationId xmlns:a16="http://schemas.microsoft.com/office/drawing/2014/main" id="{643389D6-2FFF-CD48-B987-9F176477EEB9}"/>
               </a:ext>
             </a:extLst>
           </p:cNvPr>
-          <p:cNvSpPr>
-            <a:spLocks noGrp="1"/>
-          </p:cNvSpPr>
+          <p:cNvPicPr>
+            <a:picLocks noGrp="1" noChangeAspect="1"/>
+          </p:cNvPicPr>
           <p:nvPr>
             <p:ph idx="1"/>
           </p:nvPr>
-        </p:nvSpPr>
-        <p:spPr/>
-        <p:txBody>
-          <a:bodyPr/>
-          <a:lstStyle/>
-          <a:p>
-            <a:r>
-              <a:rPr lang="en-US" dirty="0"/>
-              <a:t>Problems with the data set included null values, unwanted symbols (such as dollar signs, percent and commas) object data that was meant to be numeric and empty columns. </a:t>
-            </a:r>
-          </a:p>
-          <a:p>
-            <a:r>
-              <a:rPr lang="en-US" dirty="0"/>
-              <a:t>Dropped all the rows with null values, converted all the percentage ratings to values between 0 and 1 and removed the currency symbols. All variables that were meant to be continuous were converted to numeric variables.</a:t>
-            </a:r>
-          </a:p>
-          <a:p>
-            <a:r>
-              <a:rPr lang="en-US" dirty="0"/>
-              <a:t>All rows where "Student Attendance Rate" is equal to 0 was removed because they were outliers.</a:t>
-            </a:r>
-          </a:p>
-          <a:p>
-            <a:r>
-              <a:rPr lang="en-US" dirty="0"/>
-              <a:t>Dummy variables on specific information like grade, demographic, test scores were removed because they were incomplete and slowed down the models’ performance.</a:t>
-            </a:r>
-          </a:p>
-        </p:txBody>
-      </p:sp>
+        </p:nvPicPr>
+        <p:blipFill>
+          <a:blip r:embed="rId2"/>
+          <a:stretch>
+            <a:fillRect/>
+          </a:stretch>
+        </p:blipFill>
+        <p:spPr>
+          <a:xfrm>
+            <a:off x="1943100" y="1219200"/>
+            <a:ext cx="7616826" cy="5490415"/>
+          </a:xfrm>
+        </p:spPr>
+      </p:pic>
     </p:spTree>
     <p:extLst>
       <p:ext uri="{BB962C8B-B14F-4D97-AF65-F5344CB8AC3E}">
-        <p14:creationId xmlns:p14="http://schemas.microsoft.com/office/powerpoint/2010/main" val="3512019555"/>
+        <p14:creationId xmlns:p14="http://schemas.microsoft.com/office/powerpoint/2010/main" val="3530122175"/>
       </p:ext>
     </p:extLst>
   </p:cSld>
@@ -8610,39 +8253,443 @@
           <a:chExt cx="0" cy="0"/>
         </a:xfrm>
       </p:grpSpPr>
-      <p:pic>
-        <p:nvPicPr>
-          <p:cNvPr id="5" name="Content Placeholder 4">
+      <p:sp>
+        <p:nvSpPr>
+          <p:cNvPr id="2" name="Title 1">
             <a:extLst>
               <a:ext uri="{FF2B5EF4-FFF2-40B4-BE49-F238E27FC236}">
-                <a16:creationId xmlns:a16="http://schemas.microsoft.com/office/drawing/2014/main" id="{AE1D0094-8AA7-6449-AAA5-D1129E068033}"/>
+                <a16:creationId xmlns:a16="http://schemas.microsoft.com/office/drawing/2014/main" id="{43FAC769-CC13-644D-BA3D-30F44A505E6E}"/>
               </a:ext>
             </a:extLst>
           </p:cNvPr>
-          <p:cNvPicPr>
-            <a:picLocks noGrp="1" noChangeAspect="1"/>
-          </p:cNvPicPr>
-          <p:nvPr>
-            <p:ph idx="1"/>
-          </p:nvPr>
-        </p:nvPicPr>
-        <p:blipFill>
-          <a:blip r:embed="rId2"/>
-          <a:stretch>
-            <a:fillRect/>
-          </a:stretch>
-        </p:blipFill>
+          <p:cNvSpPr>
+            <a:spLocks noGrp="1"/>
+          </p:cNvSpPr>
+          <p:nvPr>
+            <p:ph type="title"/>
+          </p:nvPr>
+        </p:nvSpPr>
         <p:spPr>
           <a:xfrm>
-            <a:off x="1134534" y="21206"/>
-            <a:ext cx="9956800" cy="6836794"/>
+            <a:off x="685801" y="609600"/>
+            <a:ext cx="10131425" cy="1052945"/>
           </a:xfrm>
         </p:spPr>
-      </p:pic>
+        <p:txBody>
+          <a:bodyPr/>
+          <a:lstStyle/>
+          <a:p>
+            <a:pPr algn="ctr"/>
+            <a:r>
+              <a:rPr lang="en-US" i="1" cap="none" dirty="0"/>
+              <a:t>Model Parameters</a:t>
+            </a:r>
+          </a:p>
+        </p:txBody>
+      </p:sp>
+      <p:sp>
+        <p:nvSpPr>
+          <p:cNvPr id="3" name="Content Placeholder 2">
+            <a:extLst>
+              <a:ext uri="{FF2B5EF4-FFF2-40B4-BE49-F238E27FC236}">
+                <a16:creationId xmlns:a16="http://schemas.microsoft.com/office/drawing/2014/main" id="{C9880F35-19B9-6048-B2E4-F9D056B58174}"/>
+              </a:ext>
+            </a:extLst>
+          </p:cNvPr>
+          <p:cNvSpPr>
+            <a:spLocks noGrp="1"/>
+          </p:cNvSpPr>
+          <p:nvPr>
+            <p:ph idx="1"/>
+          </p:nvPr>
+        </p:nvSpPr>
+        <p:spPr>
+          <a:xfrm>
+            <a:off x="685799" y="1662545"/>
+            <a:ext cx="10131425" cy="1515533"/>
+          </a:xfrm>
+        </p:spPr>
+        <p:txBody>
+          <a:bodyPr/>
+          <a:lstStyle/>
+          <a:p>
+            <a:r>
+              <a:rPr lang="en-US" dirty="0"/>
+              <a:t>Model trained on 80% of our data, then tested it on a sample of 20% of the data. </a:t>
+            </a:r>
+          </a:p>
+          <a:p>
+            <a:r>
+              <a:rPr lang="en-US" dirty="0"/>
+              <a:t>Evaluate consistency of our scores by applying cross validation methods that split the sample into 5 holdout groups. We'll repeat this process for all our predictive models that we'll employ, so that we can observe both the predictive power and consistency of the models.</a:t>
+            </a:r>
+          </a:p>
+        </p:txBody>
+      </p:sp>
+      <p:sp>
+        <p:nvSpPr>
+          <p:cNvPr id="4" name="Content Placeholder 2">
+            <a:extLst>
+              <a:ext uri="{FF2B5EF4-FFF2-40B4-BE49-F238E27FC236}">
+                <a16:creationId xmlns:a16="http://schemas.microsoft.com/office/drawing/2014/main" id="{DF055512-8BE2-3F4B-AFD0-422CACAECBED}"/>
+              </a:ext>
+            </a:extLst>
+          </p:cNvPr>
+          <p:cNvSpPr txBox="1">
+            <a:spLocks/>
+          </p:cNvSpPr>
+          <p:nvPr/>
+        </p:nvSpPr>
+        <p:spPr>
+          <a:xfrm>
+            <a:off x="685799" y="4265770"/>
+            <a:ext cx="10131425" cy="1515533"/>
+          </a:xfrm>
+          <a:prstGeom prst="rect">
+            <a:avLst/>
+          </a:prstGeom>
+        </p:spPr>
+        <p:txBody>
+          <a:bodyPr vert="horz" lIns="91440" tIns="45720" rIns="91440" bIns="45720" rtlCol="0" anchor="ctr">
+            <a:normAutofit/>
+          </a:bodyPr>
+          <a:lstStyle>
+            <a:lvl1pPr marL="285750" indent="-285750" algn="l" defTabSz="457200" rtl="0" eaLnBrk="1" latinLnBrk="0" hangingPunct="1">
+              <a:spcBef>
+                <a:spcPts val="0"/>
+              </a:spcBef>
+              <a:spcAft>
+                <a:spcPts val="1000"/>
+              </a:spcAft>
+              <a:buClr>
+                <a:schemeClr val="tx1"/>
+              </a:buClr>
+              <a:buSzPct val="100000"/>
+              <a:buFont typeface="Arial"/>
+              <a:buChar char="•"/>
+              <a:defRPr sz="1800" kern="1200" cap="none">
+                <a:solidFill>
+                  <a:schemeClr val="tx1"/>
+                </a:solidFill>
+                <a:effectLst/>
+                <a:latin typeface="+mn-lt"/>
+                <a:ea typeface="+mn-ea"/>
+                <a:cs typeface="+mn-cs"/>
+              </a:defRPr>
+            </a:lvl1pPr>
+            <a:lvl2pPr marL="742950" indent="-285750" algn="l" defTabSz="457200" rtl="0" eaLnBrk="1" latinLnBrk="0" hangingPunct="1">
+              <a:spcBef>
+                <a:spcPts val="0"/>
+              </a:spcBef>
+              <a:spcAft>
+                <a:spcPts val="1000"/>
+              </a:spcAft>
+              <a:buClr>
+                <a:schemeClr val="tx1"/>
+              </a:buClr>
+              <a:buSzPct val="100000"/>
+              <a:buFont typeface="Arial"/>
+              <a:buChar char="•"/>
+              <a:defRPr sz="1600" kern="1200" cap="none">
+                <a:solidFill>
+                  <a:schemeClr val="tx1"/>
+                </a:solidFill>
+                <a:effectLst/>
+                <a:latin typeface="+mn-lt"/>
+                <a:ea typeface="+mn-ea"/>
+                <a:cs typeface="+mn-cs"/>
+              </a:defRPr>
+            </a:lvl2pPr>
+            <a:lvl3pPr marL="1200150" indent="-285750" algn="l" defTabSz="457200" rtl="0" eaLnBrk="1" latinLnBrk="0" hangingPunct="1">
+              <a:spcBef>
+                <a:spcPts val="0"/>
+              </a:spcBef>
+              <a:spcAft>
+                <a:spcPts val="1000"/>
+              </a:spcAft>
+              <a:buClr>
+                <a:schemeClr val="tx1"/>
+              </a:buClr>
+              <a:buSzPct val="100000"/>
+              <a:buFont typeface="Arial"/>
+              <a:buChar char="•"/>
+              <a:defRPr sz="1400" kern="1200" cap="none">
+                <a:solidFill>
+                  <a:schemeClr val="tx1"/>
+                </a:solidFill>
+                <a:effectLst/>
+                <a:latin typeface="+mn-lt"/>
+                <a:ea typeface="+mn-ea"/>
+                <a:cs typeface="+mn-cs"/>
+              </a:defRPr>
+            </a:lvl3pPr>
+            <a:lvl4pPr marL="1543050" indent="-171450" algn="l" defTabSz="457200" rtl="0" eaLnBrk="1" latinLnBrk="0" hangingPunct="1">
+              <a:spcBef>
+                <a:spcPts val="0"/>
+              </a:spcBef>
+              <a:spcAft>
+                <a:spcPts val="1000"/>
+              </a:spcAft>
+              <a:buClr>
+                <a:schemeClr val="tx1"/>
+              </a:buClr>
+              <a:buSzPct val="100000"/>
+              <a:buFont typeface="Arial"/>
+              <a:buChar char="•"/>
+              <a:defRPr sz="1200" kern="1200" cap="none">
+                <a:solidFill>
+                  <a:schemeClr val="tx1"/>
+                </a:solidFill>
+                <a:effectLst/>
+                <a:latin typeface="+mn-lt"/>
+                <a:ea typeface="+mn-ea"/>
+                <a:cs typeface="+mn-cs"/>
+              </a:defRPr>
+            </a:lvl4pPr>
+            <a:lvl5pPr marL="2000250" indent="-171450" algn="l" defTabSz="457200" rtl="0" eaLnBrk="1" latinLnBrk="0" hangingPunct="1">
+              <a:spcBef>
+                <a:spcPts val="0"/>
+              </a:spcBef>
+              <a:spcAft>
+                <a:spcPts val="1000"/>
+              </a:spcAft>
+              <a:buClr>
+                <a:schemeClr val="tx1"/>
+              </a:buClr>
+              <a:buSzPct val="100000"/>
+              <a:buFont typeface="Arial"/>
+              <a:buChar char="•"/>
+              <a:defRPr sz="1200" kern="1200" cap="none">
+                <a:solidFill>
+                  <a:schemeClr val="tx1"/>
+                </a:solidFill>
+                <a:effectLst/>
+                <a:latin typeface="+mn-lt"/>
+                <a:ea typeface="+mn-ea"/>
+                <a:cs typeface="+mn-cs"/>
+              </a:defRPr>
+            </a:lvl5pPr>
+            <a:lvl6pPr marL="2514600" indent="-228600" algn="l" defTabSz="457200" rtl="0" eaLnBrk="1" latinLnBrk="0" hangingPunct="1">
+              <a:spcBef>
+                <a:spcPts val="0"/>
+              </a:spcBef>
+              <a:spcAft>
+                <a:spcPts val="1000"/>
+              </a:spcAft>
+              <a:buClr>
+                <a:schemeClr val="tx1"/>
+              </a:buClr>
+              <a:buSzPct val="100000"/>
+              <a:buFont typeface="Arial"/>
+              <a:buChar char="•"/>
+              <a:defRPr sz="1200" kern="1200" cap="none">
+                <a:solidFill>
+                  <a:schemeClr val="tx1"/>
+                </a:solidFill>
+                <a:effectLst/>
+                <a:latin typeface="+mn-lt"/>
+                <a:ea typeface="+mn-ea"/>
+                <a:cs typeface="+mn-cs"/>
+              </a:defRPr>
+            </a:lvl6pPr>
+            <a:lvl7pPr marL="2971800" indent="-228600" algn="l" defTabSz="457200" rtl="0" eaLnBrk="1" latinLnBrk="0" hangingPunct="1">
+              <a:spcBef>
+                <a:spcPts val="0"/>
+              </a:spcBef>
+              <a:spcAft>
+                <a:spcPts val="1000"/>
+              </a:spcAft>
+              <a:buClr>
+                <a:schemeClr val="tx1"/>
+              </a:buClr>
+              <a:buSzPct val="100000"/>
+              <a:buFont typeface="Arial"/>
+              <a:buChar char="•"/>
+              <a:defRPr sz="1200" kern="1200" cap="none">
+                <a:solidFill>
+                  <a:schemeClr val="tx1"/>
+                </a:solidFill>
+                <a:effectLst/>
+                <a:latin typeface="+mn-lt"/>
+                <a:ea typeface="+mn-ea"/>
+                <a:cs typeface="+mn-cs"/>
+              </a:defRPr>
+            </a:lvl7pPr>
+            <a:lvl8pPr marL="3429000" indent="-228600" algn="l" defTabSz="457200" rtl="0" eaLnBrk="1" latinLnBrk="0" hangingPunct="1">
+              <a:spcBef>
+                <a:spcPts val="0"/>
+              </a:spcBef>
+              <a:spcAft>
+                <a:spcPts val="1000"/>
+              </a:spcAft>
+              <a:buClr>
+                <a:schemeClr val="tx1"/>
+              </a:buClr>
+              <a:buSzPct val="100000"/>
+              <a:buFont typeface="Arial"/>
+              <a:buChar char="•"/>
+              <a:defRPr sz="1200" kern="1200" cap="none">
+                <a:solidFill>
+                  <a:schemeClr val="tx1"/>
+                </a:solidFill>
+                <a:effectLst/>
+                <a:latin typeface="+mn-lt"/>
+                <a:ea typeface="+mn-ea"/>
+                <a:cs typeface="+mn-cs"/>
+              </a:defRPr>
+            </a:lvl8pPr>
+            <a:lvl9pPr marL="3886200" indent="-228600" algn="l" defTabSz="457200" rtl="0" eaLnBrk="1" latinLnBrk="0" hangingPunct="1">
+              <a:spcBef>
+                <a:spcPts val="0"/>
+              </a:spcBef>
+              <a:spcAft>
+                <a:spcPts val="1000"/>
+              </a:spcAft>
+              <a:buClr>
+                <a:schemeClr val="tx1"/>
+              </a:buClr>
+              <a:buSzPct val="100000"/>
+              <a:buFont typeface="Arial"/>
+              <a:buChar char="•"/>
+              <a:defRPr sz="1200" kern="1200" cap="none">
+                <a:solidFill>
+                  <a:schemeClr val="tx1"/>
+                </a:solidFill>
+                <a:effectLst/>
+                <a:latin typeface="+mn-lt"/>
+                <a:ea typeface="+mn-ea"/>
+                <a:cs typeface="+mn-cs"/>
+              </a:defRPr>
+            </a:lvl9pPr>
+          </a:lstStyle>
+          <a:p>
+            <a:pPr marL="342900" indent="-342900">
+              <a:buAutoNum type="arabicPeriod"/>
+            </a:pPr>
+            <a:r>
+              <a:rPr lang="en-US" dirty="0"/>
+              <a:t>Our Regression Model must accurately predict Student Attendance Rate with at least 85% accuracy with cross validation scores ranging at most a 3% difference.</a:t>
+            </a:r>
+          </a:p>
+        </p:txBody>
+      </p:sp>
+      <p:sp>
+        <p:nvSpPr>
+          <p:cNvPr id="7" name="Title 1">
+            <a:extLst>
+              <a:ext uri="{FF2B5EF4-FFF2-40B4-BE49-F238E27FC236}">
+                <a16:creationId xmlns:a16="http://schemas.microsoft.com/office/drawing/2014/main" id="{6AEAC361-DC61-1D41-AE50-776D8011E890}"/>
+              </a:ext>
+            </a:extLst>
+          </p:cNvPr>
+          <p:cNvSpPr txBox="1">
+            <a:spLocks/>
+          </p:cNvSpPr>
+          <p:nvPr/>
+        </p:nvSpPr>
+        <p:spPr>
+          <a:xfrm>
+            <a:off x="685800" y="3154933"/>
+            <a:ext cx="10131425" cy="1110837"/>
+          </a:xfrm>
+          <a:prstGeom prst="rect">
+            <a:avLst/>
+          </a:prstGeom>
+          <a:effectLst/>
+        </p:spPr>
+        <p:txBody>
+          <a:bodyPr vert="horz" lIns="91440" tIns="45720" rIns="91440" bIns="45720" rtlCol="0" anchor="ctr">
+            <a:normAutofit/>
+          </a:bodyPr>
+          <a:lstStyle>
+            <a:lvl1pPr algn="l" defTabSz="457200" rtl="0" eaLnBrk="1" latinLnBrk="0" hangingPunct="1">
+              <a:spcBef>
+                <a:spcPct val="0"/>
+              </a:spcBef>
+              <a:buNone/>
+              <a:defRPr sz="3600" kern="1200" cap="all">
+                <a:ln w="3175" cmpd="sng">
+                  <a:noFill/>
+                </a:ln>
+                <a:solidFill>
+                  <a:schemeClr val="tx1"/>
+                </a:solidFill>
+                <a:effectLst/>
+                <a:latin typeface="+mj-lt"/>
+                <a:ea typeface="+mj-ea"/>
+                <a:cs typeface="+mj-cs"/>
+              </a:defRPr>
+            </a:lvl1pPr>
+            <a:lvl2pPr eaLnBrk="1" hangingPunct="1">
+              <a:defRPr>
+                <a:solidFill>
+                  <a:schemeClr val="tx2"/>
+                </a:solidFill>
+              </a:defRPr>
+            </a:lvl2pPr>
+            <a:lvl3pPr eaLnBrk="1" hangingPunct="1">
+              <a:defRPr>
+                <a:solidFill>
+                  <a:schemeClr val="tx2"/>
+                </a:solidFill>
+              </a:defRPr>
+            </a:lvl3pPr>
+            <a:lvl4pPr eaLnBrk="1" hangingPunct="1">
+              <a:defRPr>
+                <a:solidFill>
+                  <a:schemeClr val="tx2"/>
+                </a:solidFill>
+              </a:defRPr>
+            </a:lvl4pPr>
+            <a:lvl5pPr eaLnBrk="1" hangingPunct="1">
+              <a:defRPr>
+                <a:solidFill>
+                  <a:schemeClr val="tx2"/>
+                </a:solidFill>
+              </a:defRPr>
+            </a:lvl5pPr>
+            <a:lvl6pPr eaLnBrk="1" hangingPunct="1">
+              <a:defRPr>
+                <a:solidFill>
+                  <a:schemeClr val="tx2"/>
+                </a:solidFill>
+              </a:defRPr>
+            </a:lvl6pPr>
+            <a:lvl7pPr eaLnBrk="1" hangingPunct="1">
+              <a:defRPr>
+                <a:solidFill>
+                  <a:schemeClr val="tx2"/>
+                </a:solidFill>
+              </a:defRPr>
+            </a:lvl7pPr>
+            <a:lvl8pPr eaLnBrk="1" hangingPunct="1">
+              <a:defRPr>
+                <a:solidFill>
+                  <a:schemeClr val="tx2"/>
+                </a:solidFill>
+              </a:defRPr>
+            </a:lvl8pPr>
+            <a:lvl9pPr eaLnBrk="1" hangingPunct="1">
+              <a:defRPr>
+                <a:solidFill>
+                  <a:schemeClr val="tx2"/>
+                </a:solidFill>
+              </a:defRPr>
+            </a:lvl9pPr>
+          </a:lstStyle>
+          <a:p>
+            <a:pPr algn="ctr"/>
+            <a:r>
+              <a:rPr lang="en-US" i="1" cap="none" dirty="0"/>
+              <a:t>Success Metric</a:t>
+            </a:r>
+          </a:p>
+        </p:txBody>
+      </p:sp>
     </p:spTree>
     <p:extLst>
       <p:ext uri="{BB962C8B-B14F-4D97-AF65-F5344CB8AC3E}">
-        <p14:creationId xmlns:p14="http://schemas.microsoft.com/office/powerpoint/2010/main" val="959074497"/>
+        <p14:creationId xmlns:p14="http://schemas.microsoft.com/office/powerpoint/2010/main" val="1734487418"/>
       </p:ext>
     </p:extLst>
   </p:cSld>

--- a/Bootcamp/Unit 3 Deeper into Supervised Learning/Supervised Learning Capstone/data-science-for-good/PASSNYC Capstone Predicting Attendance .pptx
+++ b/Bootcamp/Unit 3 Deeper into Supervised Learning/Supervised Learning Capstone/data-science-for-good/PASSNYC Capstone Predicting Attendance .pptx
@@ -11,25 +11,24 @@
     <p:sldId id="274" r:id="rId5"/>
     <p:sldId id="259" r:id="rId6"/>
     <p:sldId id="260" r:id="rId7"/>
-    <p:sldId id="282" r:id="rId8"/>
-    <p:sldId id="263" r:id="rId9"/>
-    <p:sldId id="277" r:id="rId10"/>
-    <p:sldId id="265" r:id="rId11"/>
-    <p:sldId id="266" r:id="rId12"/>
-    <p:sldId id="267" r:id="rId13"/>
-    <p:sldId id="278" r:id="rId14"/>
-    <p:sldId id="285" r:id="rId15"/>
-    <p:sldId id="279" r:id="rId16"/>
-    <p:sldId id="280" r:id="rId17"/>
-    <p:sldId id="288" r:id="rId18"/>
-    <p:sldId id="268" r:id="rId19"/>
-    <p:sldId id="269" r:id="rId20"/>
-    <p:sldId id="270" r:id="rId21"/>
-    <p:sldId id="281" r:id="rId22"/>
-    <p:sldId id="287" r:id="rId23"/>
-    <p:sldId id="271" r:id="rId24"/>
-    <p:sldId id="272" r:id="rId25"/>
-    <p:sldId id="273" r:id="rId26"/>
+    <p:sldId id="263" r:id="rId8"/>
+    <p:sldId id="277" r:id="rId9"/>
+    <p:sldId id="265" r:id="rId10"/>
+    <p:sldId id="266" r:id="rId11"/>
+    <p:sldId id="267" r:id="rId12"/>
+    <p:sldId id="278" r:id="rId13"/>
+    <p:sldId id="285" r:id="rId14"/>
+    <p:sldId id="279" r:id="rId15"/>
+    <p:sldId id="280" r:id="rId16"/>
+    <p:sldId id="288" r:id="rId17"/>
+    <p:sldId id="268" r:id="rId18"/>
+    <p:sldId id="269" r:id="rId19"/>
+    <p:sldId id="270" r:id="rId20"/>
+    <p:sldId id="281" r:id="rId21"/>
+    <p:sldId id="287" r:id="rId22"/>
+    <p:sldId id="271" r:id="rId23"/>
+    <p:sldId id="272" r:id="rId24"/>
+    <p:sldId id="273" r:id="rId25"/>
   </p:sldIdLst>
   <p:sldSz cx="12192000" cy="6858000"/>
   <p:notesSz cx="6858000" cy="9144000"/>
@@ -366,7 +365,7 @@
             <a:fld id="{B61BEF0D-F0BB-DE4B-95CE-6DB70DBA9567}" type="datetimeFigureOut">
               <a:rPr lang="en-US" dirty="0"/>
               <a:pPr/>
-              <a:t>10/29/18</a:t>
+              <a:t>10/30/18</a:t>
             </a:fld>
             <a:endParaRPr lang="en-US" dirty="0"/>
           </a:p>
@@ -697,7 +696,7 @@
             <a:fld id="{B61BEF0D-F0BB-DE4B-95CE-6DB70DBA9567}" type="datetimeFigureOut">
               <a:rPr lang="en-US" dirty="0"/>
               <a:pPr/>
-              <a:t>10/29/18</a:t>
+              <a:t>10/30/18</a:t>
             </a:fld>
             <a:endParaRPr lang="en-US" dirty="0"/>
           </a:p>
@@ -972,7 +971,7 @@
             <a:fld id="{B61BEF0D-F0BB-DE4B-95CE-6DB70DBA9567}" type="datetimeFigureOut">
               <a:rPr lang="en-US" dirty="0"/>
               <a:pPr/>
-              <a:t>10/29/18</a:t>
+              <a:t>10/30/18</a:t>
             </a:fld>
             <a:endParaRPr lang="en-US" dirty="0"/>
           </a:p>
@@ -1537,7 +1536,7 @@
             <a:fld id="{B61BEF0D-F0BB-DE4B-95CE-6DB70DBA9567}" type="datetimeFigureOut">
               <a:rPr lang="en-US" dirty="0"/>
               <a:pPr/>
-              <a:t>10/29/18</a:t>
+              <a:t>10/30/18</a:t>
             </a:fld>
             <a:endParaRPr lang="en-US" dirty="0"/>
           </a:p>
@@ -1812,7 +1811,7 @@
             <a:fld id="{B61BEF0D-F0BB-DE4B-95CE-6DB70DBA9567}" type="datetimeFigureOut">
               <a:rPr lang="en-US" dirty="0"/>
               <a:pPr/>
-              <a:t>10/29/18</a:t>
+              <a:t>10/30/18</a:t>
             </a:fld>
             <a:endParaRPr lang="en-US" dirty="0"/>
           </a:p>
@@ -2371,7 +2370,7 @@
             <a:fld id="{B61BEF0D-F0BB-DE4B-95CE-6DB70DBA9567}" type="datetimeFigureOut">
               <a:rPr lang="en-US" dirty="0"/>
               <a:pPr/>
-              <a:t>10/29/18</a:t>
+              <a:t>10/30/18</a:t>
             </a:fld>
             <a:endParaRPr lang="en-US" dirty="0"/>
           </a:p>
@@ -2695,7 +2694,7 @@
             <a:fld id="{B61BEF0D-F0BB-DE4B-95CE-6DB70DBA9567}" type="datetimeFigureOut">
               <a:rPr lang="en-US" dirty="0"/>
               <a:pPr/>
-              <a:t>10/29/18</a:t>
+              <a:t>10/30/18</a:t>
             </a:fld>
             <a:endParaRPr lang="en-US" dirty="0"/>
           </a:p>
@@ -2869,7 +2868,7 @@
             <a:fld id="{B61BEF0D-F0BB-DE4B-95CE-6DB70DBA9567}" type="datetimeFigureOut">
               <a:rPr lang="en-US" dirty="0"/>
               <a:pPr/>
-              <a:t>10/29/18</a:t>
+              <a:t>10/30/18</a:t>
             </a:fld>
             <a:endParaRPr lang="en-US" dirty="0"/>
           </a:p>
@@ -3104,7 +3103,7 @@
             <a:fld id="{B61BEF0D-F0BB-DE4B-95CE-6DB70DBA9567}" type="datetimeFigureOut">
               <a:rPr lang="en-US" dirty="0"/>
               <a:pPr/>
-              <a:t>10/29/18</a:t>
+              <a:t>10/30/18</a:t>
             </a:fld>
             <a:endParaRPr lang="en-US" dirty="0"/>
           </a:p>
@@ -3301,7 +3300,7 @@
             <a:fld id="{B61BEF0D-F0BB-DE4B-95CE-6DB70DBA9567}" type="datetimeFigureOut">
               <a:rPr lang="en-US" dirty="0"/>
               <a:pPr/>
-              <a:t>10/29/18</a:t>
+              <a:t>10/30/18</a:t>
             </a:fld>
             <a:endParaRPr lang="en-US" dirty="0"/>
           </a:p>
@@ -3574,7 +3573,7 @@
             <a:fld id="{B61BEF0D-F0BB-DE4B-95CE-6DB70DBA9567}" type="datetimeFigureOut">
               <a:rPr lang="en-US" dirty="0"/>
               <a:pPr/>
-              <a:t>10/29/18</a:t>
+              <a:t>10/30/18</a:t>
             </a:fld>
             <a:endParaRPr lang="en-US" dirty="0"/>
           </a:p>
@@ -3837,7 +3836,7 @@
             <a:fld id="{B61BEF0D-F0BB-DE4B-95CE-6DB70DBA9567}" type="datetimeFigureOut">
               <a:rPr lang="en-US" dirty="0"/>
               <a:pPr/>
-              <a:t>10/29/18</a:t>
+              <a:t>10/30/18</a:t>
             </a:fld>
             <a:endParaRPr lang="en-US" dirty="0"/>
           </a:p>
@@ -4208,7 +4207,7 @@
             <a:fld id="{B61BEF0D-F0BB-DE4B-95CE-6DB70DBA9567}" type="datetimeFigureOut">
               <a:rPr lang="en-US" dirty="0"/>
               <a:pPr/>
-              <a:t>10/29/18</a:t>
+              <a:t>10/30/18</a:t>
             </a:fld>
             <a:endParaRPr lang="en-US" dirty="0"/>
           </a:p>
@@ -4353,7 +4352,7 @@
             <a:fld id="{B61BEF0D-F0BB-DE4B-95CE-6DB70DBA9567}" type="datetimeFigureOut">
               <a:rPr lang="en-US" dirty="0"/>
               <a:pPr/>
-              <a:t>10/29/18</a:t>
+              <a:t>10/30/18</a:t>
             </a:fld>
             <a:endParaRPr lang="en-US" dirty="0"/>
           </a:p>
@@ -4475,7 +4474,7 @@
             <a:fld id="{B61BEF0D-F0BB-DE4B-95CE-6DB70DBA9567}" type="datetimeFigureOut">
               <a:rPr lang="en-US" dirty="0"/>
               <a:pPr/>
-              <a:t>10/29/18</a:t>
+              <a:t>10/30/18</a:t>
             </a:fld>
             <a:endParaRPr lang="en-US" dirty="0"/>
           </a:p>
@@ -4757,7 +4756,7 @@
             <a:fld id="{B61BEF0D-F0BB-DE4B-95CE-6DB70DBA9567}" type="datetimeFigureOut">
               <a:rPr lang="en-US" dirty="0"/>
               <a:pPr/>
-              <a:t>10/29/18</a:t>
+              <a:t>10/30/18</a:t>
             </a:fld>
             <a:endParaRPr lang="en-US" dirty="0"/>
           </a:p>
@@ -5078,7 +5077,7 @@
             <a:fld id="{B61BEF0D-F0BB-DE4B-95CE-6DB70DBA9567}" type="datetimeFigureOut">
               <a:rPr lang="en-US" dirty="0"/>
               <a:pPr/>
-              <a:t>10/29/18</a:t>
+              <a:t>10/30/18</a:t>
             </a:fld>
             <a:endParaRPr lang="en-US" dirty="0"/>
           </a:p>
@@ -5289,7 +5288,7 @@
             <a:fld id="{B61BEF0D-F0BB-DE4B-95CE-6DB70DBA9567}" type="datetimeFigureOut">
               <a:rPr lang="en-US" dirty="0"/>
               <a:pPr/>
-              <a:t>10/29/18</a:t>
+              <a:t>10/30/18</a:t>
             </a:fld>
             <a:endParaRPr lang="en-US" dirty="0"/>
           </a:p>
@@ -5897,116 +5896,6 @@
           <p:cNvPr id="2" name="Title 1">
             <a:extLst>
               <a:ext uri="{FF2B5EF4-FFF2-40B4-BE49-F238E27FC236}">
-                <a16:creationId xmlns:a16="http://schemas.microsoft.com/office/drawing/2014/main" id="{045A2952-DED1-8B47-8992-ADE6E5EEC078}"/>
-              </a:ext>
-            </a:extLst>
-          </p:cNvPr>
-          <p:cNvSpPr>
-            <a:spLocks noGrp="1"/>
-          </p:cNvSpPr>
-          <p:nvPr>
-            <p:ph type="title"/>
-          </p:nvPr>
-        </p:nvSpPr>
-        <p:spPr/>
-        <p:txBody>
-          <a:bodyPr/>
-          <a:lstStyle/>
-          <a:p>
-            <a:pPr algn="ctr"/>
-            <a:r>
-              <a:rPr lang="en-US" i="1" cap="none" dirty="0"/>
-              <a:t>Ordinary Least Squares Regression Model</a:t>
-            </a:r>
-          </a:p>
-        </p:txBody>
-      </p:sp>
-      <p:sp>
-        <p:nvSpPr>
-          <p:cNvPr id="3" name="Content Placeholder 2">
-            <a:extLst>
-              <a:ext uri="{FF2B5EF4-FFF2-40B4-BE49-F238E27FC236}">
-                <a16:creationId xmlns:a16="http://schemas.microsoft.com/office/drawing/2014/main" id="{9D3734C0-BA8A-354D-8EBB-72FEB624A916}"/>
-              </a:ext>
-            </a:extLst>
-          </p:cNvPr>
-          <p:cNvSpPr>
-            <a:spLocks noGrp="1"/>
-          </p:cNvSpPr>
-          <p:nvPr>
-            <p:ph idx="1"/>
-          </p:nvPr>
-        </p:nvSpPr>
-        <p:spPr/>
-        <p:txBody>
-          <a:bodyPr/>
-          <a:lstStyle/>
-          <a:p>
-            <a:r>
-              <a:rPr lang="en-US" dirty="0"/>
-              <a:t>OLS </a:t>
-            </a:r>
-            <a:r>
-              <a:rPr lang="en-US" b="1" dirty="0"/>
-              <a:t>baseline prediction </a:t>
-            </a:r>
-            <a:r>
-              <a:rPr lang="en-US" dirty="0"/>
-              <a:t>scores very highly on this data set at 89.17% on our test set which satisfies our success metric of at least 85%. But its cross validation scores range between 87% and 95%, which is an 8% difference.</a:t>
-            </a:r>
-          </a:p>
-          <a:p>
-            <a:r>
-              <a:rPr lang="en-US" dirty="0"/>
-              <a:t>Reducing features in our model based on importance, we've improved the accuracy of the model on our test set to 90.49% .</a:t>
-            </a:r>
-          </a:p>
-          <a:p>
-            <a:r>
-              <a:rPr lang="en-US" dirty="0"/>
-              <a:t>Cross validation ranges from 91% to 96% with a total difference range of 5%.</a:t>
-            </a:r>
-          </a:p>
-          <a:p>
-            <a:endParaRPr lang="en-US" dirty="0"/>
-          </a:p>
-        </p:txBody>
-      </p:sp>
-    </p:spTree>
-    <p:extLst>
-      <p:ext uri="{BB962C8B-B14F-4D97-AF65-F5344CB8AC3E}">
-        <p14:creationId xmlns:p14="http://schemas.microsoft.com/office/powerpoint/2010/main" val="1681056532"/>
-      </p:ext>
-    </p:extLst>
-  </p:cSld>
-  <p:clrMapOvr>
-    <a:masterClrMapping/>
-  </p:clrMapOvr>
-</p:sld>
-</file>
-
-<file path=ppt/slides/slide11.xml><?xml version="1.0" encoding="utf-8"?>
-<p:sld xmlns:a="http://schemas.openxmlformats.org/drawingml/2006/main" xmlns:r="http://schemas.openxmlformats.org/officeDocument/2006/relationships" xmlns:p="http://schemas.openxmlformats.org/presentationml/2006/main">
-  <p:cSld>
-    <p:spTree>
-      <p:nvGrpSpPr>
-        <p:cNvPr id="1" name=""/>
-        <p:cNvGrpSpPr/>
-        <p:nvPr/>
-      </p:nvGrpSpPr>
-      <p:grpSpPr>
-        <a:xfrm>
-          <a:off x="0" y="0"/>
-          <a:ext cx="0" cy="0"/>
-          <a:chOff x="0" y="0"/>
-          <a:chExt cx="0" cy="0"/>
-        </a:xfrm>
-      </p:grpSpPr>
-      <p:sp>
-        <p:nvSpPr>
-          <p:cNvPr id="2" name="Title 1">
-            <a:extLst>
-              <a:ext uri="{FF2B5EF4-FFF2-40B4-BE49-F238E27FC236}">
                 <a16:creationId xmlns:a16="http://schemas.microsoft.com/office/drawing/2014/main" id="{1143D9B6-C0F6-054F-BB95-093ACBDF995B}"/>
               </a:ext>
             </a:extLst>
@@ -6088,7 +5977,7 @@
 </p:sld>
 </file>
 
-<file path=ppt/slides/slide12.xml><?xml version="1.0" encoding="utf-8"?>
+<file path=ppt/slides/slide11.xml><?xml version="1.0" encoding="utf-8"?>
 <p:sld xmlns:a="http://schemas.openxmlformats.org/drawingml/2006/main" xmlns:r="http://schemas.openxmlformats.org/officeDocument/2006/relationships" xmlns:p="http://schemas.openxmlformats.org/presentationml/2006/main">
   <p:cSld>
     <p:spTree>
@@ -6213,7 +6102,7 @@
 </p:sld>
 </file>
 
-<file path=ppt/slides/slide13.xml><?xml version="1.0" encoding="utf-8"?>
+<file path=ppt/slides/slide12.xml><?xml version="1.0" encoding="utf-8"?>
 <p:sld xmlns:a="http://schemas.openxmlformats.org/drawingml/2006/main" xmlns:r="http://schemas.openxmlformats.org/officeDocument/2006/relationships" xmlns:p="http://schemas.openxmlformats.org/presentationml/2006/main">
   <p:cSld>
     <p:spTree>
@@ -6308,13 +6197,13 @@
           <a:p>
             <a:r>
               <a:rPr lang="en-US" dirty="0"/>
-              <a:t>Percent of Students Chronically Absent" </a:t>
+              <a:t>Percent of Students Chronically Absent</a:t>
             </a:r>
           </a:p>
           <a:p>
             <a:r>
               <a:rPr lang="en-US" dirty="0"/>
-              <a:t>Language and math proficiency</a:t>
+              <a:t>English and math proficiency</a:t>
             </a:r>
           </a:p>
         </p:txBody>
@@ -6332,7 +6221,7 @@
 </p:sld>
 </file>
 
-<file path=ppt/slides/slide14.xml><?xml version="1.0" encoding="utf-8"?>
+<file path=ppt/slides/slide13.xml><?xml version="1.0" encoding="utf-8"?>
 <p:sld xmlns:a="http://schemas.openxmlformats.org/drawingml/2006/main" xmlns:r="http://schemas.openxmlformats.org/officeDocument/2006/relationships" xmlns:p="http://schemas.openxmlformats.org/presentationml/2006/main">
   <p:cSld>
     <p:spTree>
@@ -6452,7 +6341,7 @@
 </p:sld>
 </file>
 
-<file path=ppt/slides/slide15.xml><?xml version="1.0" encoding="utf-8"?>
+<file path=ppt/slides/slide14.xml><?xml version="1.0" encoding="utf-8"?>
 <p:sld xmlns:a="http://schemas.openxmlformats.org/drawingml/2006/main" xmlns:r="http://schemas.openxmlformats.org/officeDocument/2006/relationships" xmlns:p="http://schemas.openxmlformats.org/presentationml/2006/main">
   <p:cSld>
     <p:spTree>
@@ -6518,7 +6407,7 @@
 </p:sld>
 </file>
 
-<file path=ppt/slides/slide16.xml><?xml version="1.0" encoding="utf-8"?>
+<file path=ppt/slides/slide15.xml><?xml version="1.0" encoding="utf-8"?>
 <p:sld xmlns:a="http://schemas.openxmlformats.org/drawingml/2006/main" xmlns:r="http://schemas.openxmlformats.org/officeDocument/2006/relationships" xmlns:p="http://schemas.openxmlformats.org/presentationml/2006/main">
   <p:cSld>
     <p:spTree>
@@ -6648,6 +6537,99 @@
 </p:sld>
 </file>
 
+<file path=ppt/slides/slide16.xml><?xml version="1.0" encoding="utf-8"?>
+<p:sld xmlns:a="http://schemas.openxmlformats.org/drawingml/2006/main" xmlns:r="http://schemas.openxmlformats.org/officeDocument/2006/relationships" xmlns:p="http://schemas.openxmlformats.org/presentationml/2006/main">
+  <p:cSld>
+    <p:spTree>
+      <p:nvGrpSpPr>
+        <p:cNvPr id="1" name=""/>
+        <p:cNvGrpSpPr/>
+        <p:nvPr/>
+      </p:nvGrpSpPr>
+      <p:grpSpPr>
+        <a:xfrm>
+          <a:off x="0" y="0"/>
+          <a:ext cx="0" cy="0"/>
+          <a:chOff x="0" y="0"/>
+          <a:chExt cx="0" cy="0"/>
+        </a:xfrm>
+      </p:grpSpPr>
+      <p:sp>
+        <p:nvSpPr>
+          <p:cNvPr id="2" name="Title 1">
+            <a:extLst>
+              <a:ext uri="{FF2B5EF4-FFF2-40B4-BE49-F238E27FC236}">
+                <a16:creationId xmlns:a16="http://schemas.microsoft.com/office/drawing/2014/main" id="{60A0BB58-89E2-6344-B1BE-75644AFEE830}"/>
+              </a:ext>
+            </a:extLst>
+          </p:cNvPr>
+          <p:cNvSpPr>
+            <a:spLocks noGrp="1"/>
+          </p:cNvSpPr>
+          <p:nvPr>
+            <p:ph type="title"/>
+          </p:nvPr>
+        </p:nvSpPr>
+        <p:spPr>
+          <a:xfrm>
+            <a:off x="685801" y="609600"/>
+            <a:ext cx="10131425" cy="744187"/>
+          </a:xfrm>
+        </p:spPr>
+        <p:txBody>
+          <a:bodyPr/>
+          <a:lstStyle/>
+          <a:p>
+            <a:pPr algn="ctr"/>
+            <a:r>
+              <a:rPr lang="en-US" i="1" cap="none" dirty="0"/>
+              <a:t>Success Metric</a:t>
+            </a:r>
+            <a:endParaRPr lang="en-US" dirty="0"/>
+          </a:p>
+        </p:txBody>
+      </p:sp>
+      <p:sp>
+        <p:nvSpPr>
+          <p:cNvPr id="3" name="Content Placeholder 2">
+            <a:extLst>
+              <a:ext uri="{FF2B5EF4-FFF2-40B4-BE49-F238E27FC236}">
+                <a16:creationId xmlns:a16="http://schemas.microsoft.com/office/drawing/2014/main" id="{6F6A4DB2-764F-574B-AC64-6506EC20B454}"/>
+              </a:ext>
+            </a:extLst>
+          </p:cNvPr>
+          <p:cNvSpPr>
+            <a:spLocks noGrp="1"/>
+          </p:cNvSpPr>
+          <p:nvPr>
+            <p:ph idx="1"/>
+          </p:nvPr>
+        </p:nvSpPr>
+        <p:spPr/>
+        <p:txBody>
+          <a:bodyPr/>
+          <a:lstStyle/>
+          <a:p>
+            <a:r>
+              <a:rPr lang="en-US" dirty="0"/>
+              <a:t>Our Classification Model must accurately predict "Low Attendance" Schools at least 90% accuracy, with Type I and Type II errors below 6%.</a:t>
+            </a:r>
+          </a:p>
+        </p:txBody>
+      </p:sp>
+    </p:spTree>
+    <p:extLst>
+      <p:ext uri="{BB962C8B-B14F-4D97-AF65-F5344CB8AC3E}">
+        <p14:creationId xmlns:p14="http://schemas.microsoft.com/office/powerpoint/2010/main" val="4254193064"/>
+      </p:ext>
+    </p:extLst>
+  </p:cSld>
+  <p:clrMapOvr>
+    <a:masterClrMapping/>
+  </p:clrMapOvr>
+</p:sld>
+</file>
+
 <file path=ppt/slides/slide17.xml><?xml version="1.0" encoding="utf-8"?>
 <p:sld xmlns:a="http://schemas.openxmlformats.org/drawingml/2006/main" xmlns:r="http://schemas.openxmlformats.org/officeDocument/2006/relationships" xmlns:p="http://schemas.openxmlformats.org/presentationml/2006/main">
   <p:cSld>
@@ -6670,7 +6652,7 @@
           <p:cNvPr id="2" name="Title 1">
             <a:extLst>
               <a:ext uri="{FF2B5EF4-FFF2-40B4-BE49-F238E27FC236}">
-                <a16:creationId xmlns:a16="http://schemas.microsoft.com/office/drawing/2014/main" id="{60A0BB58-89E2-6344-B1BE-75644AFEE830}"/>
+                <a16:creationId xmlns:a16="http://schemas.microsoft.com/office/drawing/2014/main" id="{F9A784D3-4AA3-E842-BF97-CC11DF9342E0}"/>
               </a:ext>
             </a:extLst>
           </p:cNvPr>
@@ -6681,12 +6663,7 @@
             <p:ph type="title"/>
           </p:nvPr>
         </p:nvSpPr>
-        <p:spPr>
-          <a:xfrm>
-            <a:off x="685801" y="609600"/>
-            <a:ext cx="10131425" cy="744187"/>
-          </a:xfrm>
-        </p:spPr>
+        <p:spPr/>
         <p:txBody>
           <a:bodyPr/>
           <a:lstStyle/>
@@ -6694,9 +6671,8 @@
             <a:pPr algn="ctr"/>
             <a:r>
               <a:rPr lang="en-US" i="1" cap="none" dirty="0"/>
-              <a:t>Success Metric</a:t>
-            </a:r>
-            <a:endParaRPr lang="en-US" dirty="0"/>
+              <a:t>Gradient Boosted Classifier Model</a:t>
+            </a:r>
           </a:p>
         </p:txBody>
       </p:sp>
@@ -6705,7 +6681,7 @@
           <p:cNvPr id="3" name="Content Placeholder 2">
             <a:extLst>
               <a:ext uri="{FF2B5EF4-FFF2-40B4-BE49-F238E27FC236}">
-                <a16:creationId xmlns:a16="http://schemas.microsoft.com/office/drawing/2014/main" id="{6F6A4DB2-764F-574B-AC64-6506EC20B454}"/>
+                <a16:creationId xmlns:a16="http://schemas.microsoft.com/office/drawing/2014/main" id="{74EBAA50-D83D-F543-81BB-F68E5EC25098}"/>
               </a:ext>
             </a:extLst>
           </p:cNvPr>
@@ -6723,15 +6699,24 @@
           <a:p>
             <a:r>
               <a:rPr lang="en-US" dirty="0"/>
-              <a:t>Our Classification Model must accurately predict "Low Attendance" Schools at least 90% accuracy, with Type I and Type II errors below 6%.</a:t>
-            </a:r>
+              <a:t>The Weak Learners model has extremely high predictive power at 98.10%. </a:t>
+            </a:r>
+          </a:p>
+          <a:p>
+            <a:r>
+              <a:rPr lang="en-US" dirty="0"/>
+              <a:t>Type I error is 0% as our model incorrectly identifies all cases in which attendance rate is ”bad" (is 1) and 4.6%  Type II error indicating that it incorrectly predicts that a school’s attendance is ”good" only 4.6% of the time.</a:t>
+            </a:r>
+          </a:p>
+          <a:p>
+            <a:endParaRPr lang="en-US" dirty="0"/>
           </a:p>
         </p:txBody>
       </p:sp>
     </p:spTree>
     <p:extLst>
       <p:ext uri="{BB962C8B-B14F-4D97-AF65-F5344CB8AC3E}">
-        <p14:creationId xmlns:p14="http://schemas.microsoft.com/office/powerpoint/2010/main" val="4254193064"/>
+        <p14:creationId xmlns:p14="http://schemas.microsoft.com/office/powerpoint/2010/main" val="1695039748"/>
       </p:ext>
     </p:extLst>
   </p:cSld>
@@ -6763,102 +6748,6 @@
           <p:cNvPr id="2" name="Title 1">
             <a:extLst>
               <a:ext uri="{FF2B5EF4-FFF2-40B4-BE49-F238E27FC236}">
-                <a16:creationId xmlns:a16="http://schemas.microsoft.com/office/drawing/2014/main" id="{F9A784D3-4AA3-E842-BF97-CC11DF9342E0}"/>
-              </a:ext>
-            </a:extLst>
-          </p:cNvPr>
-          <p:cNvSpPr>
-            <a:spLocks noGrp="1"/>
-          </p:cNvSpPr>
-          <p:nvPr>
-            <p:ph type="title"/>
-          </p:nvPr>
-        </p:nvSpPr>
-        <p:spPr/>
-        <p:txBody>
-          <a:bodyPr/>
-          <a:lstStyle/>
-          <a:p>
-            <a:pPr algn="ctr"/>
-            <a:r>
-              <a:rPr lang="en-US" i="1" cap="none" dirty="0"/>
-              <a:t>Gradient Boosted Classifier Model</a:t>
-            </a:r>
-          </a:p>
-        </p:txBody>
-      </p:sp>
-      <p:sp>
-        <p:nvSpPr>
-          <p:cNvPr id="3" name="Content Placeholder 2">
-            <a:extLst>
-              <a:ext uri="{FF2B5EF4-FFF2-40B4-BE49-F238E27FC236}">
-                <a16:creationId xmlns:a16="http://schemas.microsoft.com/office/drawing/2014/main" id="{74EBAA50-D83D-F543-81BB-F68E5EC25098}"/>
-              </a:ext>
-            </a:extLst>
-          </p:cNvPr>
-          <p:cNvSpPr>
-            <a:spLocks noGrp="1"/>
-          </p:cNvSpPr>
-          <p:nvPr>
-            <p:ph idx="1"/>
-          </p:nvPr>
-        </p:nvSpPr>
-        <p:spPr/>
-        <p:txBody>
-          <a:bodyPr/>
-          <a:lstStyle/>
-          <a:p>
-            <a:r>
-              <a:rPr lang="en-US" dirty="0"/>
-              <a:t>The Weak Learners model has extremely high predictive power at 98.10%. </a:t>
-            </a:r>
-          </a:p>
-          <a:p>
-            <a:r>
-              <a:rPr lang="en-US" dirty="0"/>
-              <a:t>Type I error is 0% as our model incorrectly identifies all cases in which attendance rate is ”bad" (is 1) and 4.6%  Type II error indicating that it incorrectly predicts that a school’s attendance is ”good" only 4.6% of the time.</a:t>
-            </a:r>
-          </a:p>
-          <a:p>
-            <a:endParaRPr lang="en-US" dirty="0"/>
-          </a:p>
-        </p:txBody>
-      </p:sp>
-    </p:spTree>
-    <p:extLst>
-      <p:ext uri="{BB962C8B-B14F-4D97-AF65-F5344CB8AC3E}">
-        <p14:creationId xmlns:p14="http://schemas.microsoft.com/office/powerpoint/2010/main" val="1695039748"/>
-      </p:ext>
-    </p:extLst>
-  </p:cSld>
-  <p:clrMapOvr>
-    <a:masterClrMapping/>
-  </p:clrMapOvr>
-</p:sld>
-</file>
-
-<file path=ppt/slides/slide19.xml><?xml version="1.0" encoding="utf-8"?>
-<p:sld xmlns:a="http://schemas.openxmlformats.org/drawingml/2006/main" xmlns:r="http://schemas.openxmlformats.org/officeDocument/2006/relationships" xmlns:p="http://schemas.openxmlformats.org/presentationml/2006/main">
-  <p:cSld>
-    <p:spTree>
-      <p:nvGrpSpPr>
-        <p:cNvPr id="1" name=""/>
-        <p:cNvGrpSpPr/>
-        <p:nvPr/>
-      </p:nvGrpSpPr>
-      <p:grpSpPr>
-        <a:xfrm>
-          <a:off x="0" y="0"/>
-          <a:ext cx="0" cy="0"/>
-          <a:chOff x="0" y="0"/>
-          <a:chExt cx="0" cy="0"/>
-        </a:xfrm>
-      </p:grpSpPr>
-      <p:sp>
-        <p:nvSpPr>
-          <p:cNvPr id="2" name="Title 1">
-            <a:extLst>
-              <a:ext uri="{FF2B5EF4-FFF2-40B4-BE49-F238E27FC236}">
                 <a16:creationId xmlns:a16="http://schemas.microsoft.com/office/drawing/2014/main" id="{2BB46D81-02BB-6940-863A-C797DF9E6121}"/>
               </a:ext>
             </a:extLst>
@@ -6930,106 +6819,7 @@
 </p:sld>
 </file>
 
-<file path=ppt/slides/slide2.xml><?xml version="1.0" encoding="utf-8"?>
-<p:sld xmlns:a="http://schemas.openxmlformats.org/drawingml/2006/main" xmlns:r="http://schemas.openxmlformats.org/officeDocument/2006/relationships" xmlns:p="http://schemas.openxmlformats.org/presentationml/2006/main">
-  <p:cSld>
-    <p:spTree>
-      <p:nvGrpSpPr>
-        <p:cNvPr id="1" name=""/>
-        <p:cNvGrpSpPr/>
-        <p:nvPr/>
-      </p:nvGrpSpPr>
-      <p:grpSpPr>
-        <a:xfrm>
-          <a:off x="0" y="0"/>
-          <a:ext cx="0" cy="0"/>
-          <a:chOff x="0" y="0"/>
-          <a:chExt cx="0" cy="0"/>
-        </a:xfrm>
-      </p:grpSpPr>
-      <p:sp>
-        <p:nvSpPr>
-          <p:cNvPr id="2" name="Title 1">
-            <a:extLst>
-              <a:ext uri="{FF2B5EF4-FFF2-40B4-BE49-F238E27FC236}">
-                <a16:creationId xmlns:a16="http://schemas.microsoft.com/office/drawing/2014/main" id="{AE134967-8954-FC48-8512-EA91495A94AF}"/>
-              </a:ext>
-            </a:extLst>
-          </p:cNvPr>
-          <p:cNvSpPr>
-            <a:spLocks noGrp="1"/>
-          </p:cNvSpPr>
-          <p:nvPr>
-            <p:ph type="title"/>
-          </p:nvPr>
-        </p:nvSpPr>
-        <p:spPr/>
-        <p:txBody>
-          <a:bodyPr/>
-          <a:lstStyle/>
-          <a:p>
-            <a:pPr algn="ctr"/>
-            <a:r>
-              <a:rPr lang="en-US" i="1" cap="none" dirty="0"/>
-              <a:t>What is PASSNYC?</a:t>
-            </a:r>
-          </a:p>
-        </p:txBody>
-      </p:sp>
-      <p:sp>
-        <p:nvSpPr>
-          <p:cNvPr id="3" name="Content Placeholder 2">
-            <a:extLst>
-              <a:ext uri="{FF2B5EF4-FFF2-40B4-BE49-F238E27FC236}">
-                <a16:creationId xmlns:a16="http://schemas.microsoft.com/office/drawing/2014/main" id="{E3A8C40F-788C-534D-A51B-237674A1F51B}"/>
-              </a:ext>
-            </a:extLst>
-          </p:cNvPr>
-          <p:cNvSpPr>
-            <a:spLocks noGrp="1"/>
-          </p:cNvSpPr>
-          <p:nvPr>
-            <p:ph idx="1"/>
-          </p:nvPr>
-        </p:nvSpPr>
-        <p:spPr/>
-        <p:txBody>
-          <a:bodyPr/>
-          <a:lstStyle/>
-          <a:p>
-            <a:r>
-              <a:rPr lang="en-US" dirty="0"/>
-              <a:t>PASSNYC is a nonprofit organization that facilitates the provision of educational services to talented individuals at underserved schools in New York.</a:t>
-            </a:r>
-          </a:p>
-          <a:p>
-            <a:r>
-              <a:rPr lang="en-US" dirty="0"/>
-              <a:t>PASSNYC researches how to develop more paths for talented students to register in the Specialized High School Admissions Test (SHSAT) for placement in specialized schools.</a:t>
-            </a:r>
-          </a:p>
-          <a:p>
-            <a:r>
-              <a:rPr lang="en-US" dirty="0"/>
-              <a:t>PASSNYC and their partners develop outreach programs to under privileged schools to improve educational opportunity and increase placement in specialized schools.</a:t>
-            </a:r>
-          </a:p>
-        </p:txBody>
-      </p:sp>
-    </p:spTree>
-    <p:extLst>
-      <p:ext uri="{BB962C8B-B14F-4D97-AF65-F5344CB8AC3E}">
-        <p14:creationId xmlns:p14="http://schemas.microsoft.com/office/powerpoint/2010/main" val="1659312958"/>
-      </p:ext>
-    </p:extLst>
-  </p:cSld>
-  <p:clrMapOvr>
-    <a:masterClrMapping/>
-  </p:clrMapOvr>
-</p:sld>
-</file>
-
-<file path=ppt/slides/slide20.xml><?xml version="1.0" encoding="utf-8"?>
+<file path=ppt/slides/slide19.xml><?xml version="1.0" encoding="utf-8"?>
 <p:sld xmlns:a="http://schemas.openxmlformats.org/drawingml/2006/main" xmlns:r="http://schemas.openxmlformats.org/officeDocument/2006/relationships" xmlns:p="http://schemas.openxmlformats.org/presentationml/2006/main">
   <p:cSld>
     <p:spTree>
@@ -7152,7 +6942,7 @@
 </p:sld>
 </file>
 
-<file path=ppt/slides/slide21.xml><?xml version="1.0" encoding="utf-8"?>
+<file path=ppt/slides/slide2.xml><?xml version="1.0" encoding="utf-8"?>
 <p:sld xmlns:a="http://schemas.openxmlformats.org/drawingml/2006/main" xmlns:r="http://schemas.openxmlformats.org/officeDocument/2006/relationships" xmlns:p="http://schemas.openxmlformats.org/presentationml/2006/main">
   <p:cSld>
     <p:spTree>
@@ -7174,6 +6964,105 @@
           <p:cNvPr id="2" name="Title 1">
             <a:extLst>
               <a:ext uri="{FF2B5EF4-FFF2-40B4-BE49-F238E27FC236}">
+                <a16:creationId xmlns:a16="http://schemas.microsoft.com/office/drawing/2014/main" id="{AE134967-8954-FC48-8512-EA91495A94AF}"/>
+              </a:ext>
+            </a:extLst>
+          </p:cNvPr>
+          <p:cNvSpPr>
+            <a:spLocks noGrp="1"/>
+          </p:cNvSpPr>
+          <p:nvPr>
+            <p:ph type="title"/>
+          </p:nvPr>
+        </p:nvSpPr>
+        <p:spPr/>
+        <p:txBody>
+          <a:bodyPr/>
+          <a:lstStyle/>
+          <a:p>
+            <a:pPr algn="ctr"/>
+            <a:r>
+              <a:rPr lang="en-US" i="1" cap="none" dirty="0"/>
+              <a:t>What is PASSNYC?</a:t>
+            </a:r>
+          </a:p>
+        </p:txBody>
+      </p:sp>
+      <p:sp>
+        <p:nvSpPr>
+          <p:cNvPr id="3" name="Content Placeholder 2">
+            <a:extLst>
+              <a:ext uri="{FF2B5EF4-FFF2-40B4-BE49-F238E27FC236}">
+                <a16:creationId xmlns:a16="http://schemas.microsoft.com/office/drawing/2014/main" id="{E3A8C40F-788C-534D-A51B-237674A1F51B}"/>
+              </a:ext>
+            </a:extLst>
+          </p:cNvPr>
+          <p:cNvSpPr>
+            <a:spLocks noGrp="1"/>
+          </p:cNvSpPr>
+          <p:nvPr>
+            <p:ph idx="1"/>
+          </p:nvPr>
+        </p:nvSpPr>
+        <p:spPr/>
+        <p:txBody>
+          <a:bodyPr/>
+          <a:lstStyle/>
+          <a:p>
+            <a:r>
+              <a:rPr lang="en-US" dirty="0"/>
+              <a:t>PASSNYC is a nonprofit organization that facilitates the provision of educational services to talented individuals at underserved schools in New York.</a:t>
+            </a:r>
+          </a:p>
+          <a:p>
+            <a:r>
+              <a:rPr lang="en-US" dirty="0"/>
+              <a:t>PASSNYC researches how to develop more paths for talented students to register in the Specialized High School Admissions Test (SHSAT) for placement in specialized schools.</a:t>
+            </a:r>
+          </a:p>
+          <a:p>
+            <a:r>
+              <a:rPr lang="en-US" dirty="0"/>
+              <a:t>PASSNYC and their partners develop outreach programs to under privileged schools to improve educational opportunity and increase placement in specialized schools.</a:t>
+            </a:r>
+          </a:p>
+        </p:txBody>
+      </p:sp>
+    </p:spTree>
+    <p:extLst>
+      <p:ext uri="{BB962C8B-B14F-4D97-AF65-F5344CB8AC3E}">
+        <p14:creationId xmlns:p14="http://schemas.microsoft.com/office/powerpoint/2010/main" val="1659312958"/>
+      </p:ext>
+    </p:extLst>
+  </p:cSld>
+  <p:clrMapOvr>
+    <a:masterClrMapping/>
+  </p:clrMapOvr>
+</p:sld>
+</file>
+
+<file path=ppt/slides/slide20.xml><?xml version="1.0" encoding="utf-8"?>
+<p:sld xmlns:a="http://schemas.openxmlformats.org/drawingml/2006/main" xmlns:r="http://schemas.openxmlformats.org/officeDocument/2006/relationships" xmlns:p="http://schemas.openxmlformats.org/presentationml/2006/main">
+  <p:cSld>
+    <p:spTree>
+      <p:nvGrpSpPr>
+        <p:cNvPr id="1" name=""/>
+        <p:cNvGrpSpPr/>
+        <p:nvPr/>
+      </p:nvGrpSpPr>
+      <p:grpSpPr>
+        <a:xfrm>
+          <a:off x="0" y="0"/>
+          <a:ext cx="0" cy="0"/>
+          <a:chOff x="0" y="0"/>
+          <a:chExt cx="0" cy="0"/>
+        </a:xfrm>
+      </p:grpSpPr>
+      <p:sp>
+        <p:nvSpPr>
+          <p:cNvPr id="2" name="Title 1">
+            <a:extLst>
+              <a:ext uri="{FF2B5EF4-FFF2-40B4-BE49-F238E27FC236}">
                 <a16:creationId xmlns:a16="http://schemas.microsoft.com/office/drawing/2014/main" id="{E558C09C-4426-9D49-84F6-AC0BE16A3315}"/>
               </a:ext>
             </a:extLst>
@@ -7285,7 +7174,7 @@
 </p:sld>
 </file>
 
-<file path=ppt/slides/slide22.xml><?xml version="1.0" encoding="utf-8"?>
+<file path=ppt/slides/slide21.xml><?xml version="1.0" encoding="utf-8"?>
 <p:sld xmlns:a="http://schemas.openxmlformats.org/drawingml/2006/main" xmlns:r="http://schemas.openxmlformats.org/officeDocument/2006/relationships" xmlns:p="http://schemas.openxmlformats.org/presentationml/2006/main">
   <p:cSld>
     <p:spTree>
@@ -7345,6 +7234,133 @@
 </p:sld>
 </file>
 
+<file path=ppt/slides/slide22.xml><?xml version="1.0" encoding="utf-8"?>
+<p:sld xmlns:a="http://schemas.openxmlformats.org/drawingml/2006/main" xmlns:r="http://schemas.openxmlformats.org/officeDocument/2006/relationships" xmlns:p="http://schemas.openxmlformats.org/presentationml/2006/main">
+  <p:cSld>
+    <p:spTree>
+      <p:nvGrpSpPr>
+        <p:cNvPr id="1" name=""/>
+        <p:cNvGrpSpPr/>
+        <p:nvPr/>
+      </p:nvGrpSpPr>
+      <p:grpSpPr>
+        <a:xfrm>
+          <a:off x="0" y="0"/>
+          <a:ext cx="0" cy="0"/>
+          <a:chOff x="0" y="0"/>
+          <a:chExt cx="0" cy="0"/>
+        </a:xfrm>
+      </p:grpSpPr>
+      <p:sp>
+        <p:nvSpPr>
+          <p:cNvPr id="2" name="Title 1">
+            <a:extLst>
+              <a:ext uri="{FF2B5EF4-FFF2-40B4-BE49-F238E27FC236}">
+                <a16:creationId xmlns:a16="http://schemas.microsoft.com/office/drawing/2014/main" id="{0AE1244D-FE2D-3746-80A3-E164A57393DD}"/>
+              </a:ext>
+            </a:extLst>
+          </p:cNvPr>
+          <p:cNvSpPr>
+            <a:spLocks noGrp="1"/>
+          </p:cNvSpPr>
+          <p:nvPr>
+            <p:ph type="title"/>
+          </p:nvPr>
+        </p:nvSpPr>
+        <p:spPr/>
+        <p:txBody>
+          <a:bodyPr/>
+          <a:lstStyle/>
+          <a:p>
+            <a:pPr algn="ctr"/>
+            <a:r>
+              <a:rPr lang="en-US" i="1" cap="none" dirty="0"/>
+              <a:t>Biases and Weaknesses</a:t>
+            </a:r>
+          </a:p>
+        </p:txBody>
+      </p:sp>
+      <p:sp>
+        <p:nvSpPr>
+          <p:cNvPr id="3" name="Content Placeholder 2">
+            <a:extLst>
+              <a:ext uri="{FF2B5EF4-FFF2-40B4-BE49-F238E27FC236}">
+                <a16:creationId xmlns:a16="http://schemas.microsoft.com/office/drawing/2014/main" id="{DDAB466B-2859-3F42-9BDE-04288F77827E}"/>
+              </a:ext>
+            </a:extLst>
+          </p:cNvPr>
+          <p:cNvSpPr>
+            <a:spLocks noGrp="1"/>
+          </p:cNvSpPr>
+          <p:nvPr>
+            <p:ph idx="1"/>
+          </p:nvPr>
+        </p:nvSpPr>
+        <p:spPr>
+          <a:xfrm>
+            <a:off x="685801" y="2142067"/>
+            <a:ext cx="10131425" cy="4258733"/>
+          </a:xfrm>
+        </p:spPr>
+        <p:txBody>
+          <a:bodyPr>
+            <a:normAutofit lnSpcReduction="10000"/>
+          </a:bodyPr>
+          <a:lstStyle/>
+          <a:p>
+            <a:endParaRPr lang="en-US" dirty="0"/>
+          </a:p>
+          <a:p>
+            <a:r>
+              <a:rPr lang="en-US" dirty="0"/>
+              <a:t>I purposefully dropped over 100 columns of dummy variables that had extremely specific information on grade, demographic, certain test scores, etc. </a:t>
+            </a:r>
+          </a:p>
+          <a:p>
+            <a:r>
+              <a:rPr lang="en-US" dirty="0"/>
+              <a:t>Final Data set consisted of 790 rows of information. This isn't a very large data set.</a:t>
+            </a:r>
+          </a:p>
+          <a:p>
+            <a:r>
+              <a:rPr lang="en-US" dirty="0"/>
+              <a:t>Many of our predictor variables are districts, and cities. This makes our model very specific to New York. Thus it isn't a reliable model for other states.</a:t>
+            </a:r>
+          </a:p>
+          <a:p>
+            <a:r>
+              <a:rPr lang="en-US" dirty="0"/>
+              <a:t>Many of these variables look like their from surveys so there might be lots of bias in the questionnaires such as misreporting. These variables include "Supportive School Environment %" and "Trust %". It's not clear how PASSNYC described this data quantitatively and how they rated it. Furthermore, the variable is a bit obscure as we don't know how they defined an ambiguous term like "Trust".</a:t>
+            </a:r>
+          </a:p>
+          <a:p>
+            <a:r>
+              <a:rPr lang="en-US" dirty="0"/>
+              <a:t>The Economic Need Index variable is a black box rating system that PASSNYC derived to rate how much a given school needs external support. </a:t>
+            </a:r>
+          </a:p>
+          <a:p>
+            <a:r>
+              <a:rPr lang="en-US" dirty="0"/>
+              <a:t>Type II errors</a:t>
+            </a:r>
+          </a:p>
+        </p:txBody>
+      </p:sp>
+    </p:spTree>
+    <p:extLst>
+      <p:ext uri="{BB962C8B-B14F-4D97-AF65-F5344CB8AC3E}">
+        <p14:creationId xmlns:p14="http://schemas.microsoft.com/office/powerpoint/2010/main" val="850957371"/>
+      </p:ext>
+    </p:extLst>
+  </p:cSld>
+  <p:clrMapOvr>
+    <a:masterClrMapping/>
+  </p:clrMapOvr>
+</p:sld>
+</file>
+
 <file path=ppt/slides/slide23.xml><?xml version="1.0" encoding="utf-8"?>
 <p:sld xmlns:a="http://schemas.openxmlformats.org/drawingml/2006/main" xmlns:r="http://schemas.openxmlformats.org/officeDocument/2006/relationships" xmlns:p="http://schemas.openxmlformats.org/presentationml/2006/main">
   <p:cSld>
@@ -7367,148 +7383,6 @@
           <p:cNvPr id="2" name="Title 1">
             <a:extLst>
               <a:ext uri="{FF2B5EF4-FFF2-40B4-BE49-F238E27FC236}">
-                <a16:creationId xmlns:a16="http://schemas.microsoft.com/office/drawing/2014/main" id="{0AE1244D-FE2D-3746-80A3-E164A57393DD}"/>
-              </a:ext>
-            </a:extLst>
-          </p:cNvPr>
-          <p:cNvSpPr>
-            <a:spLocks noGrp="1"/>
-          </p:cNvSpPr>
-          <p:nvPr>
-            <p:ph type="title"/>
-          </p:nvPr>
-        </p:nvSpPr>
-        <p:spPr/>
-        <p:txBody>
-          <a:bodyPr/>
-          <a:lstStyle/>
-          <a:p>
-            <a:pPr algn="ctr"/>
-            <a:r>
-              <a:rPr lang="en-US" i="1" cap="none" dirty="0"/>
-              <a:t>Biases and Weaknesses</a:t>
-            </a:r>
-          </a:p>
-        </p:txBody>
-      </p:sp>
-      <p:sp>
-        <p:nvSpPr>
-          <p:cNvPr id="3" name="Content Placeholder 2">
-            <a:extLst>
-              <a:ext uri="{FF2B5EF4-FFF2-40B4-BE49-F238E27FC236}">
-                <a16:creationId xmlns:a16="http://schemas.microsoft.com/office/drawing/2014/main" id="{DDAB466B-2859-3F42-9BDE-04288F77827E}"/>
-              </a:ext>
-            </a:extLst>
-          </p:cNvPr>
-          <p:cNvSpPr>
-            <a:spLocks noGrp="1"/>
-          </p:cNvSpPr>
-          <p:nvPr>
-            <p:ph idx="1"/>
-          </p:nvPr>
-        </p:nvSpPr>
-        <p:spPr>
-          <a:xfrm>
-            <a:off x="685801" y="2142067"/>
-            <a:ext cx="10131425" cy="4258733"/>
-          </a:xfrm>
-        </p:spPr>
-        <p:txBody>
-          <a:bodyPr>
-            <a:normAutofit fontScale="85000" lnSpcReduction="20000"/>
-          </a:bodyPr>
-          <a:lstStyle/>
-          <a:p>
-            <a:endParaRPr lang="en-US" dirty="0"/>
-          </a:p>
-          <a:p>
-            <a:r>
-              <a:rPr lang="en-US" dirty="0"/>
-              <a:t>I purposefully dropped over 100 columns of dummy variables that had extremely specific information on grade, demographic, certain test scores, etc. </a:t>
-            </a:r>
-          </a:p>
-          <a:p>
-            <a:r>
-              <a:rPr lang="en-US" dirty="0"/>
-              <a:t>Final Data set consisted of 790 rows of information. This isn't a very large data set.</a:t>
-            </a:r>
-          </a:p>
-          <a:p>
-            <a:r>
-              <a:rPr lang="en-US" dirty="0"/>
-              <a:t>Many of our predictor variables are districts, and cities. This makes our model very specific to New York. Thus it isn't a reliable model for other states.</a:t>
-            </a:r>
-          </a:p>
-          <a:p>
-            <a:r>
-              <a:rPr lang="en-US" dirty="0"/>
-              <a:t>Many of these variables look like their from surveys so there might be lots of bias in the questionnaires such as misreporting. These variables include "Supportive School Environment %" and "Trust %". It's not clear how PASSNYC described this data quantitatively and how they rated it. Furthermore, the variable is a bit obscure as we don't know how they defined an ambiguous term like "Trust".</a:t>
-            </a:r>
-          </a:p>
-          <a:p>
-            <a:r>
-              <a:rPr lang="en-US" dirty="0"/>
-              <a:t>The Economic Need Index variable is a black box rating system that PASSNYC derived to rate how much a given school needs external support. </a:t>
-            </a:r>
-          </a:p>
-          <a:p>
-            <a:r>
-              <a:rPr lang="en-US" dirty="0"/>
-              <a:t>We observe a few outliers in the distribution and scatterplot of the residual errors of the OLS model that require further investigation. However, overall the errors had a normal distribution and homogenous variance so the model seems reliable.</a:t>
-            </a:r>
-          </a:p>
-          <a:p>
-            <a:r>
-              <a:rPr lang="en-US" dirty="0"/>
-              <a:t>Type II errors</a:t>
-            </a:r>
-          </a:p>
-          <a:p>
-            <a:r>
-              <a:rPr lang="en-US" dirty="0"/>
-              <a:t>No cross-validation in Weak Learners classifier</a:t>
-            </a:r>
-          </a:p>
-          <a:p>
-            <a:endParaRPr lang="en-US" dirty="0"/>
-          </a:p>
-        </p:txBody>
-      </p:sp>
-    </p:spTree>
-    <p:extLst>
-      <p:ext uri="{BB962C8B-B14F-4D97-AF65-F5344CB8AC3E}">
-        <p14:creationId xmlns:p14="http://schemas.microsoft.com/office/powerpoint/2010/main" val="850957371"/>
-      </p:ext>
-    </p:extLst>
-  </p:cSld>
-  <p:clrMapOvr>
-    <a:masterClrMapping/>
-  </p:clrMapOvr>
-</p:sld>
-</file>
-
-<file path=ppt/slides/slide24.xml><?xml version="1.0" encoding="utf-8"?>
-<p:sld xmlns:a="http://schemas.openxmlformats.org/drawingml/2006/main" xmlns:r="http://schemas.openxmlformats.org/officeDocument/2006/relationships" xmlns:p="http://schemas.openxmlformats.org/presentationml/2006/main">
-  <p:cSld>
-    <p:spTree>
-      <p:nvGrpSpPr>
-        <p:cNvPr id="1" name=""/>
-        <p:cNvGrpSpPr/>
-        <p:nvPr/>
-      </p:nvGrpSpPr>
-      <p:grpSpPr>
-        <a:xfrm>
-          <a:off x="0" y="0"/>
-          <a:ext cx="0" cy="0"/>
-          <a:chOff x="0" y="0"/>
-          <a:chExt cx="0" cy="0"/>
-        </a:xfrm>
-      </p:grpSpPr>
-      <p:sp>
-        <p:nvSpPr>
-          <p:cNvPr id="2" name="Title 1">
-            <a:extLst>
-              <a:ext uri="{FF2B5EF4-FFF2-40B4-BE49-F238E27FC236}">
                 <a16:creationId xmlns:a16="http://schemas.microsoft.com/office/drawing/2014/main" id="{2EC70B15-CA6B-E949-85D0-3AFE1762E7A9}"/>
               </a:ext>
             </a:extLst>
@@ -7564,7 +7438,7 @@
           <a:p>
             <a:r>
               <a:rPr lang="en-US" dirty="0"/>
-              <a:t>Collect more information of school quality, income, community economic and health information, etc. which can be quantitatively interpretable in any region in the United States to make our model more reliable across the country. However the city and district specific information is also very important when considering specific regions or states, because problems vary from state to state and it would be bad to rely on a "one-color-fits-all" model.</a:t>
+              <a:t>Collect more information of household income, community economic and health information, etc. which can be quantitatively interpretable in any region in the United States to make our model more reliable across the country. However the city and district specific information is also very important when considering specific regions or states, because problems vary from state to state and it would be bad to rely on a "one-color-fits-all" model.</a:t>
             </a:r>
           </a:p>
           <a:p>
@@ -7588,7 +7462,7 @@
 </p:sld>
 </file>
 
-<file path=ppt/slides/slide25.xml><?xml version="1.0" encoding="utf-8"?>
+<file path=ppt/slides/slide24.xml><?xml version="1.0" encoding="utf-8"?>
 <p:sld xmlns:a="http://schemas.openxmlformats.org/drawingml/2006/main" xmlns:r="http://schemas.openxmlformats.org/officeDocument/2006/relationships" xmlns:p="http://schemas.openxmlformats.org/presentationml/2006/main">
   <p:cSld>
     <p:spTree>
@@ -7868,7 +7742,7 @@
             </a:r>
             <a:r>
               <a:rPr lang="en-US" sz="2400" i="1" dirty="0"/>
-              <a:t>and then to interpret the results to investigate what factors influence the attendance rate. Furthermore, I'll build a classification model to categorically identify schools that have have problems with attendance.</a:t>
+              <a:t>and then to interpret the results to investigate what factors influence the attendance rate. Furthermore, I'll build a classification model to categorically identify schools that have problems with attendance.</a:t>
             </a:r>
           </a:p>
         </p:txBody>
@@ -8099,65 +7973,6 @@
           <a:chExt cx="0" cy="0"/>
         </a:xfrm>
       </p:grpSpPr>
-      <p:pic>
-        <p:nvPicPr>
-          <p:cNvPr id="5" name="Content Placeholder 4">
-            <a:extLst>
-              <a:ext uri="{FF2B5EF4-FFF2-40B4-BE49-F238E27FC236}">
-                <a16:creationId xmlns:a16="http://schemas.microsoft.com/office/drawing/2014/main" id="{AE1D0094-8AA7-6449-AAA5-D1129E068033}"/>
-              </a:ext>
-            </a:extLst>
-          </p:cNvPr>
-          <p:cNvPicPr>
-            <a:picLocks noGrp="1" noChangeAspect="1"/>
-          </p:cNvPicPr>
-          <p:nvPr>
-            <p:ph idx="1"/>
-          </p:nvPr>
-        </p:nvPicPr>
-        <p:blipFill>
-          <a:blip r:embed="rId2"/>
-          <a:stretch>
-            <a:fillRect/>
-          </a:stretch>
-        </p:blipFill>
-        <p:spPr>
-          <a:xfrm>
-            <a:off x="1134534" y="21206"/>
-            <a:ext cx="9956800" cy="6836794"/>
-          </a:xfrm>
-        </p:spPr>
-      </p:pic>
-    </p:spTree>
-    <p:extLst>
-      <p:ext uri="{BB962C8B-B14F-4D97-AF65-F5344CB8AC3E}">
-        <p14:creationId xmlns:p14="http://schemas.microsoft.com/office/powerpoint/2010/main" val="959074497"/>
-      </p:ext>
-    </p:extLst>
-  </p:cSld>
-  <p:clrMapOvr>
-    <a:masterClrMapping/>
-  </p:clrMapOvr>
-</p:sld>
-</file>
-
-<file path=ppt/slides/slide8.xml><?xml version="1.0" encoding="utf-8"?>
-<p:sld xmlns:a="http://schemas.openxmlformats.org/drawingml/2006/main" xmlns:r="http://schemas.openxmlformats.org/officeDocument/2006/relationships" xmlns:p="http://schemas.openxmlformats.org/presentationml/2006/main">
-  <p:cSld>
-    <p:spTree>
-      <p:nvGrpSpPr>
-        <p:cNvPr id="1" name=""/>
-        <p:cNvGrpSpPr/>
-        <p:nvPr/>
-      </p:nvGrpSpPr>
-      <p:grpSpPr>
-        <a:xfrm>
-          <a:off x="0" y="0"/>
-          <a:ext cx="0" cy="0"/>
-          <a:chOff x="0" y="0"/>
-          <a:chExt cx="0" cy="0"/>
-        </a:xfrm>
-      </p:grpSpPr>
       <p:sp>
         <p:nvSpPr>
           <p:cNvPr id="2" name="Title 1">
@@ -8236,7 +8051,7 @@
 </p:sld>
 </file>
 
-<file path=ppt/slides/slide9.xml><?xml version="1.0" encoding="utf-8"?>
+<file path=ppt/slides/slide8.xml><?xml version="1.0" encoding="utf-8"?>
 <p:sld xmlns:a="http://schemas.openxmlformats.org/drawingml/2006/main" xmlns:r="http://schemas.openxmlformats.org/officeDocument/2006/relationships" xmlns:p="http://schemas.openxmlformats.org/presentationml/2006/main">
   <p:cSld>
     <p:spTree>
@@ -8690,6 +8505,116 @@
     <p:extLst>
       <p:ext uri="{BB962C8B-B14F-4D97-AF65-F5344CB8AC3E}">
         <p14:creationId xmlns:p14="http://schemas.microsoft.com/office/powerpoint/2010/main" val="1734487418"/>
+      </p:ext>
+    </p:extLst>
+  </p:cSld>
+  <p:clrMapOvr>
+    <a:masterClrMapping/>
+  </p:clrMapOvr>
+</p:sld>
+</file>
+
+<file path=ppt/slides/slide9.xml><?xml version="1.0" encoding="utf-8"?>
+<p:sld xmlns:a="http://schemas.openxmlformats.org/drawingml/2006/main" xmlns:r="http://schemas.openxmlformats.org/officeDocument/2006/relationships" xmlns:p="http://schemas.openxmlformats.org/presentationml/2006/main">
+  <p:cSld>
+    <p:spTree>
+      <p:nvGrpSpPr>
+        <p:cNvPr id="1" name=""/>
+        <p:cNvGrpSpPr/>
+        <p:nvPr/>
+      </p:nvGrpSpPr>
+      <p:grpSpPr>
+        <a:xfrm>
+          <a:off x="0" y="0"/>
+          <a:ext cx="0" cy="0"/>
+          <a:chOff x="0" y="0"/>
+          <a:chExt cx="0" cy="0"/>
+        </a:xfrm>
+      </p:grpSpPr>
+      <p:sp>
+        <p:nvSpPr>
+          <p:cNvPr id="2" name="Title 1">
+            <a:extLst>
+              <a:ext uri="{FF2B5EF4-FFF2-40B4-BE49-F238E27FC236}">
+                <a16:creationId xmlns:a16="http://schemas.microsoft.com/office/drawing/2014/main" id="{045A2952-DED1-8B47-8992-ADE6E5EEC078}"/>
+              </a:ext>
+            </a:extLst>
+          </p:cNvPr>
+          <p:cNvSpPr>
+            <a:spLocks noGrp="1"/>
+          </p:cNvSpPr>
+          <p:nvPr>
+            <p:ph type="title"/>
+          </p:nvPr>
+        </p:nvSpPr>
+        <p:spPr/>
+        <p:txBody>
+          <a:bodyPr/>
+          <a:lstStyle/>
+          <a:p>
+            <a:pPr algn="ctr"/>
+            <a:r>
+              <a:rPr lang="en-US" i="1" cap="none" dirty="0"/>
+              <a:t>Ordinary Least Squares Regression Model</a:t>
+            </a:r>
+          </a:p>
+        </p:txBody>
+      </p:sp>
+      <p:sp>
+        <p:nvSpPr>
+          <p:cNvPr id="3" name="Content Placeholder 2">
+            <a:extLst>
+              <a:ext uri="{FF2B5EF4-FFF2-40B4-BE49-F238E27FC236}">
+                <a16:creationId xmlns:a16="http://schemas.microsoft.com/office/drawing/2014/main" id="{9D3734C0-BA8A-354D-8EBB-72FEB624A916}"/>
+              </a:ext>
+            </a:extLst>
+          </p:cNvPr>
+          <p:cNvSpPr>
+            <a:spLocks noGrp="1"/>
+          </p:cNvSpPr>
+          <p:nvPr>
+            <p:ph idx="1"/>
+          </p:nvPr>
+        </p:nvSpPr>
+        <p:spPr/>
+        <p:txBody>
+          <a:bodyPr/>
+          <a:lstStyle/>
+          <a:p>
+            <a:r>
+              <a:rPr lang="en-US" dirty="0"/>
+              <a:t>OLS </a:t>
+            </a:r>
+            <a:r>
+              <a:rPr lang="en-US" b="1" dirty="0"/>
+              <a:t>baseline prediction </a:t>
+            </a:r>
+            <a:r>
+              <a:rPr lang="en-US" dirty="0"/>
+              <a:t>scores very highly on this data set at 89.17% on our test set which satisfies our success metric of at least 85%. But its cross validation scores range between 87% and 95%, which is an 8% difference.</a:t>
+            </a:r>
+          </a:p>
+          <a:p>
+            <a:r>
+              <a:rPr lang="en-US" dirty="0"/>
+              <a:t>Reducing features in our model based on importance, we've improved the accuracy of the model on our test set to 90.49% .</a:t>
+            </a:r>
+          </a:p>
+          <a:p>
+            <a:r>
+              <a:rPr lang="en-US" dirty="0"/>
+              <a:t>Cross validation ranges from 91% to 96% with a total difference range of 5%.</a:t>
+            </a:r>
+          </a:p>
+          <a:p>
+            <a:endParaRPr lang="en-US" dirty="0"/>
+          </a:p>
+        </p:txBody>
+      </p:sp>
+    </p:spTree>
+    <p:extLst>
+      <p:ext uri="{BB962C8B-B14F-4D97-AF65-F5344CB8AC3E}">
+        <p14:creationId xmlns:p14="http://schemas.microsoft.com/office/powerpoint/2010/main" val="1681056532"/>
       </p:ext>
     </p:extLst>
   </p:cSld>
